--- a/AulasAvancado/src/main/resources/br/com/Aula1/JavaEE.pptx
+++ b/AulasAvancado/src/main/resources/br/com/Aula1/JavaEE.pptx
@@ -5,10 +5,10 @@
     <p:sldMasterId id="2147483648" r:id="rId1"/>
   </p:sldMasterIdLst>
   <p:notesMasterIdLst>
-    <p:notesMasterId r:id="rId12"/>
+    <p:notesMasterId r:id="rId13"/>
   </p:notesMasterIdLst>
   <p:handoutMasterIdLst>
-    <p:handoutMasterId r:id="rId13"/>
+    <p:handoutMasterId r:id="rId14"/>
   </p:handoutMasterIdLst>
   <p:sldIdLst>
     <p:sldId id="257" r:id="rId2"/>
@@ -19,8 +19,9 @@
     <p:sldId id="273" r:id="rId7"/>
     <p:sldId id="275" r:id="rId8"/>
     <p:sldId id="282" r:id="rId9"/>
-    <p:sldId id="279" r:id="rId10"/>
-    <p:sldId id="280" r:id="rId11"/>
+    <p:sldId id="284" r:id="rId10"/>
+    <p:sldId id="279" r:id="rId11"/>
+    <p:sldId id="280" r:id="rId12"/>
   </p:sldIdLst>
   <p:sldSz cx="9144000" cy="6858000" type="screen4x3"/>
   <p:notesSz cx="6858000" cy="9144000"/>
@@ -119,7 +120,7 @@
   </p:defaultTextStyle>
   <p:extLst>
     <p:ext uri="{EFAFB233-063F-42B5-8137-9DF3F51BA10A}">
-      <p15:sldGuideLst xmlns:p15="http://schemas.microsoft.com/office/powerpoint/2012/main" xmlns="">
+      <p15:sldGuideLst xmlns:p15="http://schemas.microsoft.com/office/powerpoint/2012/main">
         <p15:guide id="1" orient="horz" pos="2160">
           <p15:clr>
             <a:srgbClr val="A4A3A4"/>
@@ -221,7 +222,7 @@
             <a:fld id="{54D4857D-62A5-486B-9129-468003D7E020}" type="datetimeFigureOut">
               <a:rPr lang="pt-BR" smtClean="0"/>
               <a:pPr/>
-              <a:t>04/10/2018</a:t>
+              <a:t>08/10/2018</a:t>
             </a:fld>
             <a:endParaRPr lang="pt-BR"/>
           </a:p>
@@ -391,7 +392,7 @@
           <a:p>
             <a:fld id="{2D2EF2CE-B28C-4ED4-8FD0-48BB3F48846A}" type="datetimeFigureOut">
               <a:pPr/>
-              <a:t>04/10/2018</a:t>
+              <a:t>08/10/2018</a:t>
             </a:fld>
             <a:endParaRPr lang="pt-BR"/>
           </a:p>
@@ -795,6 +796,56 @@
               <a:buChar char="•"/>
               <a:defRPr lang="pt-BR"/>
             </a:pPr>
+            <a:r>
+              <a:rPr lang="pt-BR" sz="1200" kern="0" dirty="0"/>
+              <a:t>01 - break: Encerra o loop e sai do escopo.</a:t>
+            </a:r>
+          </a:p>
+          <a:p>
+            <a:pPr marL="342900" lvl="0" indent="-342900">
+              <a:spcBef>
+                <a:spcPct val="20000"/>
+              </a:spcBef>
+              <a:buFont typeface="Arial"/>
+              <a:buChar char="•"/>
+              <a:defRPr lang="pt-BR"/>
+            </a:pPr>
+            <a:r>
+              <a:rPr lang="pt-BR" dirty="0"/>
+              <a:t>02 - continue: Quando encontrado, encerra a interação e segue para a próxima interação.</a:t>
+            </a:r>
+          </a:p>
+          <a:p>
+            <a:pPr marL="342900" lvl="0" indent="-342900">
+              <a:spcBef>
+                <a:spcPct val="20000"/>
+              </a:spcBef>
+              <a:buFont typeface="Arial"/>
+              <a:buChar char="•"/>
+              <a:defRPr lang="pt-BR"/>
+            </a:pPr>
+            <a:r>
+              <a:rPr lang="pt-BR" dirty="0"/>
+              <a:t>03 - </a:t>
+            </a:r>
+            <a:r>
+              <a:rPr lang="pt-BR" dirty="0" err="1"/>
+              <a:t>return</a:t>
+            </a:r>
+            <a:r>
+              <a:rPr lang="pt-BR" dirty="0"/>
+              <a:t>: Utilizada para sair de um método. (Está fora do contexto da estrutura de repetição)</a:t>
+            </a:r>
+          </a:p>
+          <a:p>
+            <a:pPr marL="342900" lvl="0" indent="-342900">
+              <a:spcBef>
+                <a:spcPct val="20000"/>
+              </a:spcBef>
+              <a:buFont typeface="Arial"/>
+              <a:buChar char="•"/>
+              <a:defRPr lang="pt-BR"/>
+            </a:pPr>
             <a:endParaRPr lang="pt-BR" dirty="0"/>
           </a:p>
         </p:txBody>
@@ -818,6 +869,94 @@
               <a:rPr lang="pt-BR" smtClean="0"/>
               <a:pPr/>
               <a:t>10</a:t>
+            </a:fld>
+            <a:endParaRPr lang="pt-BR"/>
+          </a:p>
+        </p:txBody>
+      </p:sp>
+    </p:spTree>
+  </p:cSld>
+  <p:clrMapOvr>
+    <a:masterClrMapping/>
+  </p:clrMapOvr>
+</p:notes>
+</file>
+
+<file path=ppt/notesSlides/notesSlide11.xml><?xml version="1.0" encoding="utf-8"?>
+<p:notes xmlns:a="http://schemas.openxmlformats.org/drawingml/2006/main" xmlns:r="http://schemas.openxmlformats.org/officeDocument/2006/relationships" xmlns:p="http://schemas.openxmlformats.org/presentationml/2006/main">
+  <p:cSld>
+    <p:spTree>
+      <p:nvGrpSpPr>
+        <p:cNvPr id="1" name=""/>
+        <p:cNvGrpSpPr/>
+        <p:nvPr/>
+      </p:nvGrpSpPr>
+      <p:grpSpPr>
+        <a:xfrm>
+          <a:off x="0" y="0"/>
+          <a:ext cx="0" cy="0"/>
+          <a:chOff x="0" y="0"/>
+          <a:chExt cx="0" cy="0"/>
+        </a:xfrm>
+      </p:grpSpPr>
+      <p:sp>
+        <p:nvSpPr>
+          <p:cNvPr id="2" name="Rectangle 2"/>
+          <p:cNvSpPr>
+            <a:spLocks noGrp="1" noRot="1" noChangeAspect="1"/>
+          </p:cNvSpPr>
+          <p:nvPr>
+            <p:ph type="sldImg"/>
+          </p:nvPr>
+        </p:nvSpPr>
+        <p:spPr/>
+      </p:sp>
+      <p:sp>
+        <p:nvSpPr>
+          <p:cNvPr id="3" name="Rectangle 3"/>
+          <p:cNvSpPr>
+            <a:spLocks noGrp="1"/>
+          </p:cNvSpPr>
+          <p:nvPr>
+            <p:ph type="body" idx="1"/>
+          </p:nvPr>
+        </p:nvSpPr>
+        <p:spPr/>
+        <p:txBody>
+          <a:bodyPr/>
+          <a:lstStyle/>
+          <a:p>
+            <a:pPr marL="342900" lvl="0" indent="-342900">
+              <a:spcBef>
+                <a:spcPct val="20000"/>
+              </a:spcBef>
+              <a:buFont typeface="Arial"/>
+              <a:buChar char="•"/>
+              <a:defRPr lang="pt-BR"/>
+            </a:pPr>
+            <a:endParaRPr lang="pt-BR" dirty="0"/>
+          </a:p>
+        </p:txBody>
+      </p:sp>
+      <p:sp>
+        <p:nvSpPr>
+          <p:cNvPr id="4" name="Rectangle 4"/>
+          <p:cNvSpPr>
+            <a:spLocks noGrp="1"/>
+          </p:cNvSpPr>
+          <p:nvPr>
+            <p:ph type="sldNum" sz="quarter" idx="10"/>
+          </p:nvPr>
+        </p:nvSpPr>
+        <p:spPr/>
+        <p:txBody>
+          <a:bodyPr/>
+          <a:lstStyle/>
+          <a:p>
+            <a:fld id="{61807874-5299-41B2-A37A-6AA3547857F4}" type="slidenum">
+              <a:rPr lang="pt-BR" smtClean="0"/>
+              <a:pPr/>
+              <a:t>11</a:t>
             </a:fld>
             <a:endParaRPr lang="pt-BR"/>
           </a:p>
@@ -969,7 +1108,7 @@
               <a:defRPr lang="pt-BR"/>
             </a:pPr>
             <a:r>
-              <a:rPr kumimoji="0" lang="pt-BR" sz="1200" b="0" i="0" u="none" strike="noStrike" kern="0" cap="none" spc="0" normalizeH="0" baseline="0" dirty="0" smtClean="0">
+              <a:rPr kumimoji="0" lang="pt-BR" sz="1200" b="0" i="0" u="none" strike="noStrike" kern="0" cap="none" spc="0" normalizeH="0" baseline="0" dirty="0">
                 <a:ln>
                   <a:noFill/>
                 </a:ln>
@@ -983,7 +1122,7 @@
               <a:t>Singularidade do </a:t>
             </a:r>
             <a:r>
-              <a:rPr kumimoji="0" lang="pt-BR" sz="1200" b="0" i="0" u="none" strike="noStrike" kern="0" cap="none" spc="0" normalizeH="0" baseline="0" dirty="0" err="1" smtClean="0">
+              <a:rPr kumimoji="0" lang="pt-BR" sz="1200" b="0" i="0" u="none" strike="noStrike" kern="0" cap="none" spc="0" normalizeH="0" baseline="0" dirty="0" err="1">
                 <a:ln>
                   <a:noFill/>
                 </a:ln>
@@ -997,7 +1136,7 @@
               <a:t>java</a:t>
             </a:r>
             <a:r>
-              <a:rPr kumimoji="0" lang="pt-BR" sz="1200" b="0" i="0" u="none" strike="noStrike" kern="0" cap="none" spc="0" normalizeH="0" baseline="0" dirty="0" smtClean="0">
+              <a:rPr kumimoji="0" lang="pt-BR" sz="1200" b="0" i="0" u="none" strike="noStrike" kern="0" cap="none" spc="0" normalizeH="0" baseline="0" dirty="0">
                 <a:ln>
                   <a:noFill/>
                 </a:ln>
@@ -1011,7 +1150,7 @@
               <a:t> </a:t>
             </a:r>
             <a:r>
-              <a:rPr kumimoji="0" lang="pt-BR" sz="1200" b="0" i="0" u="none" strike="noStrike" kern="0" cap="none" spc="0" normalizeH="0" baseline="0" dirty="0" err="1" smtClean="0">
+              <a:rPr kumimoji="0" lang="pt-BR" sz="1200" b="0" i="0" u="none" strike="noStrike" kern="0" cap="none" spc="0" normalizeH="0" baseline="0" dirty="0" err="1">
                 <a:ln>
                   <a:noFill/>
                 </a:ln>
@@ -1025,7 +1164,7 @@
               <a:t>ee</a:t>
             </a:r>
             <a:r>
-              <a:rPr kumimoji="0" lang="pt-BR" sz="1200" b="0" i="0" u="none" strike="noStrike" kern="0" cap="none" spc="0" normalizeH="0" baseline="0" dirty="0" smtClean="0">
+              <a:rPr kumimoji="0" lang="pt-BR" sz="1200" b="0" i="0" u="none" strike="noStrike" kern="0" cap="none" spc="0" normalizeH="0" baseline="0" dirty="0">
                 <a:ln>
                   <a:noFill/>
                 </a:ln>
@@ -1039,7 +1178,7 @@
               <a:t> é a dependência de um </a:t>
             </a:r>
             <a:r>
-              <a:rPr kumimoji="0" lang="pt-BR" sz="1200" b="0" i="0" u="none" strike="noStrike" kern="0" cap="none" spc="0" normalizeH="0" baseline="0" dirty="0" err="1" smtClean="0">
+              <a:rPr kumimoji="0" lang="pt-BR" sz="1200" b="0" i="0" u="none" strike="noStrike" kern="0" cap="none" spc="0" normalizeH="0" baseline="0" dirty="0" err="1">
                 <a:ln>
                   <a:noFill/>
                 </a:ln>
@@ -1053,7 +1192,7 @@
               <a:t>servlet</a:t>
             </a:r>
             <a:r>
-              <a:rPr kumimoji="0" lang="pt-BR" sz="1200" b="0" i="0" u="none" strike="noStrike" kern="0" cap="none" spc="0" normalizeH="0" baseline="0" dirty="0" smtClean="0">
+              <a:rPr kumimoji="0" lang="pt-BR" sz="1200" b="0" i="0" u="none" strike="noStrike" kern="0" cap="none" spc="0" normalizeH="0" baseline="0" dirty="0">
                 <a:ln>
                   <a:noFill/>
                 </a:ln>
@@ -1077,7 +1216,7 @@
               <a:defRPr lang="pt-BR"/>
             </a:pPr>
             <a:r>
-              <a:rPr kumimoji="0" lang="pt-BR" sz="1200" b="0" i="0" u="none" strike="noStrike" kern="0" cap="none" spc="0" normalizeH="0" baseline="0" dirty="0" smtClean="0">
+              <a:rPr kumimoji="0" lang="pt-BR" sz="1200" b="0" i="0" u="none" strike="noStrike" kern="0" cap="none" spc="0" normalizeH="0" baseline="0" dirty="0">
                 <a:ln>
                   <a:noFill/>
                 </a:ln>
@@ -1091,7 +1230,7 @@
               <a:t>Falamos de JAVA EE, falamos de </a:t>
             </a:r>
             <a:r>
-              <a:rPr kumimoji="0" lang="pt-BR" sz="1200" b="0" i="0" u="none" strike="noStrike" kern="0" cap="none" spc="0" normalizeH="0" baseline="0" dirty="0" err="1" smtClean="0">
+              <a:rPr kumimoji="0" lang="pt-BR" sz="1200" b="0" i="0" u="none" strike="noStrike" kern="0" cap="none" spc="0" normalizeH="0" baseline="0" dirty="0" err="1">
                 <a:ln>
                   <a:noFill/>
                 </a:ln>
@@ -1105,7 +1244,7 @@
               <a:t>java</a:t>
             </a:r>
             <a:r>
-              <a:rPr kumimoji="0" lang="pt-BR" sz="1200" b="0" i="0" u="none" strike="noStrike" kern="0" cap="none" spc="0" normalizeH="0" baseline="0" dirty="0" smtClean="0">
+              <a:rPr kumimoji="0" lang="pt-BR" sz="1200" b="0" i="0" u="none" strike="noStrike" kern="0" cap="none" spc="0" normalizeH="0" baseline="0" dirty="0">
                 <a:ln>
                   <a:noFill/>
                 </a:ln>
@@ -1129,7 +1268,7 @@
               <a:defRPr lang="pt-BR"/>
             </a:pPr>
             <a:r>
-              <a:rPr kumimoji="0" lang="pt-BR" sz="1200" b="0" i="0" u="none" strike="noStrike" kern="0" cap="none" spc="0" normalizeH="0" baseline="0" dirty="0" smtClean="0">
+              <a:rPr kumimoji="0" lang="pt-BR" sz="1200" b="0" i="0" u="none" strike="noStrike" kern="0" cap="none" spc="0" normalizeH="0" baseline="0" dirty="0">
                 <a:ln>
                   <a:noFill/>
                 </a:ln>
@@ -1143,7 +1282,7 @@
               <a:t>Java </a:t>
             </a:r>
             <a:r>
-              <a:rPr kumimoji="0" lang="pt-BR" sz="1200" b="0" i="0" u="none" strike="noStrike" kern="0" cap="none" spc="0" normalizeH="0" baseline="0" dirty="0" err="1" smtClean="0">
+              <a:rPr kumimoji="0" lang="pt-BR" sz="1200" b="0" i="0" u="none" strike="noStrike" kern="0" cap="none" spc="0" normalizeH="0" baseline="0" dirty="0" err="1">
                 <a:ln>
                   <a:noFill/>
                 </a:ln>
@@ -1157,7 +1296,7 @@
               <a:t>ee</a:t>
             </a:r>
             <a:r>
-              <a:rPr kumimoji="0" lang="pt-BR" sz="1200" b="0" i="0" u="none" strike="noStrike" kern="0" cap="none" spc="0" normalizeH="0" baseline="0" dirty="0" smtClean="0">
+              <a:rPr kumimoji="0" lang="pt-BR" sz="1200" b="0" i="0" u="none" strike="noStrike" kern="0" cap="none" spc="0" normalizeH="0" baseline="0" dirty="0">
                 <a:ln>
                   <a:noFill/>
                 </a:ln>
@@ -1180,7 +1319,7 @@
               <a:buChar char="•"/>
               <a:defRPr lang="pt-BR"/>
             </a:pPr>
-            <a:endParaRPr kumimoji="0" lang="pt-BR" sz="1200" b="0" i="0" u="none" strike="noStrike" kern="0" cap="none" spc="0" normalizeH="0" baseline="0" dirty="0" smtClean="0">
+            <a:endParaRPr kumimoji="0" lang="pt-BR" sz="1200" b="0" i="0" u="none" strike="noStrike" kern="0" cap="none" spc="0" normalizeH="0" baseline="0" dirty="0">
               <a:ln>
                 <a:noFill/>
               </a:ln>
@@ -1202,7 +1341,7 @@
               <a:defRPr lang="pt-BR"/>
             </a:pPr>
             <a:r>
-              <a:rPr kumimoji="0" lang="pt-BR" sz="1200" b="0" i="0" u="none" strike="noStrike" kern="0" cap="none" spc="0" normalizeH="0" baseline="0" dirty="0" smtClean="0">
+              <a:rPr kumimoji="0" lang="pt-BR" sz="1200" b="0" i="0" u="none" strike="noStrike" kern="0" cap="none" spc="0" normalizeH="0" baseline="0" dirty="0">
                 <a:ln>
                   <a:noFill/>
                 </a:ln>
@@ -1226,7 +1365,7 @@
               <a:defRPr lang="pt-BR"/>
             </a:pPr>
             <a:r>
-              <a:rPr kumimoji="0" lang="pt-BR" sz="1200" b="0" i="0" u="none" strike="noStrike" kern="0" cap="none" spc="0" normalizeH="0" baseline="0" dirty="0" smtClean="0">
+              <a:rPr kumimoji="0" lang="pt-BR" sz="1200" b="0" i="0" u="none" strike="noStrike" kern="0" cap="none" spc="0" normalizeH="0" baseline="0" dirty="0">
                 <a:ln>
                   <a:noFill/>
                 </a:ln>
@@ -1249,7 +1388,7 @@
               <a:buChar char="•"/>
               <a:defRPr lang="pt-BR"/>
             </a:pPr>
-            <a:endParaRPr kumimoji="0" lang="pt-BR" sz="1200" b="0" i="0" u="none" strike="noStrike" kern="0" cap="none" spc="0" normalizeH="0" baseline="0" dirty="0" smtClean="0">
+            <a:endParaRPr kumimoji="0" lang="pt-BR" sz="1200" b="0" i="0" u="none" strike="noStrike" kern="0" cap="none" spc="0" normalizeH="0" baseline="0" dirty="0">
               <a:ln>
                 <a:noFill/>
               </a:ln>
@@ -1271,7 +1410,7 @@
               <a:defRPr lang="pt-BR"/>
             </a:pPr>
             <a:r>
-              <a:rPr kumimoji="0" lang="pt-BR" sz="1200" b="0" i="0" u="none" strike="noStrike" kern="0" cap="none" spc="0" normalizeH="0" baseline="0" dirty="0" err="1" smtClean="0">
+              <a:rPr kumimoji="0" lang="pt-BR" sz="1200" b="0" i="0" u="none" strike="noStrike" kern="0" cap="none" spc="0" normalizeH="0" baseline="0" dirty="0" err="1">
                 <a:ln>
                   <a:noFill/>
                 </a:ln>
@@ -1285,7 +1424,7 @@
               <a:t>JavaSE</a:t>
             </a:r>
             <a:r>
-              <a:rPr kumimoji="0" lang="pt-BR" sz="1200" b="0" i="0" u="none" strike="noStrike" kern="0" cap="none" spc="0" normalizeH="0" baseline="0" dirty="0" smtClean="0">
+              <a:rPr kumimoji="0" lang="pt-BR" sz="1200" b="0" i="0" u="none" strike="noStrike" kern="0" cap="none" spc="0" normalizeH="0" baseline="0" dirty="0">
                 <a:ln>
                   <a:noFill/>
                 </a:ln>
@@ -1299,7 +1438,7 @@
               <a:t> (Standard </a:t>
             </a:r>
             <a:r>
-              <a:rPr kumimoji="0" lang="pt-BR" sz="1200" b="0" i="0" u="none" strike="noStrike" kern="0" cap="none" spc="0" normalizeH="0" baseline="0" dirty="0" err="1" smtClean="0">
+              <a:rPr kumimoji="0" lang="pt-BR" sz="1200" b="0" i="0" u="none" strike="noStrike" kern="0" cap="none" spc="0" normalizeH="0" baseline="0" dirty="0" err="1">
                 <a:ln>
                   <a:noFill/>
                 </a:ln>
@@ -1313,7 +1452,7 @@
               <a:t>edition</a:t>
             </a:r>
             <a:r>
-              <a:rPr kumimoji="0" lang="pt-BR" sz="1200" b="0" i="0" u="none" strike="noStrike" kern="0" cap="none" spc="0" normalizeH="0" baseline="0" dirty="0" smtClean="0">
+              <a:rPr kumimoji="0" lang="pt-BR" sz="1200" b="0" i="0" u="none" strike="noStrike" kern="0" cap="none" spc="0" normalizeH="0" baseline="0" dirty="0">
                 <a:ln>
                   <a:noFill/>
                 </a:ln>
@@ -1337,7 +1476,7 @@
               <a:defRPr lang="pt-BR"/>
             </a:pPr>
             <a:r>
-              <a:rPr kumimoji="0" lang="pt-BR" sz="1200" b="0" i="0" u="none" strike="noStrike" kern="0" cap="none" spc="0" normalizeH="0" baseline="0" dirty="0" smtClean="0">
+              <a:rPr kumimoji="0" lang="pt-BR" sz="1200" b="0" i="0" u="none" strike="noStrike" kern="0" cap="none" spc="0" normalizeH="0" baseline="0" dirty="0">
                 <a:ln>
                   <a:noFill/>
                 </a:ln>
@@ -1351,7 +1490,7 @@
               <a:t>Java EE (</a:t>
             </a:r>
             <a:r>
-              <a:rPr kumimoji="0" lang="pt-BR" sz="1200" b="0" i="0" u="none" strike="noStrike" kern="0" cap="none" spc="0" normalizeH="0" baseline="0" dirty="0" err="1" smtClean="0">
+              <a:rPr kumimoji="0" lang="pt-BR" sz="1200" b="0" i="0" u="none" strike="noStrike" kern="0" cap="none" spc="0" normalizeH="0" baseline="0" dirty="0" err="1">
                 <a:ln>
                   <a:noFill/>
                 </a:ln>
@@ -1365,7 +1504,7 @@
               <a:t>Entherprise</a:t>
             </a:r>
             <a:r>
-              <a:rPr kumimoji="0" lang="pt-BR" sz="1200" b="0" i="0" u="none" strike="noStrike" kern="0" cap="none" spc="0" normalizeH="0" baseline="0" dirty="0" smtClean="0">
+              <a:rPr kumimoji="0" lang="pt-BR" sz="1200" b="0" i="0" u="none" strike="noStrike" kern="0" cap="none" spc="0" normalizeH="0" baseline="0" dirty="0">
                 <a:ln>
                   <a:noFill/>
                 </a:ln>
@@ -1379,7 +1518,7 @@
               <a:t> </a:t>
             </a:r>
             <a:r>
-              <a:rPr kumimoji="0" lang="pt-BR" sz="1200" b="0" i="0" u="none" strike="noStrike" kern="0" cap="none" spc="0" normalizeH="0" baseline="0" dirty="0" err="1" smtClean="0">
+              <a:rPr kumimoji="0" lang="pt-BR" sz="1200" b="0" i="0" u="none" strike="noStrike" kern="0" cap="none" spc="0" normalizeH="0" baseline="0" dirty="0" err="1">
                 <a:ln>
                   <a:noFill/>
                 </a:ln>
@@ -1393,7 +1532,7 @@
               <a:t>edition</a:t>
             </a:r>
             <a:r>
-              <a:rPr kumimoji="0" lang="pt-BR" sz="1200" b="0" i="0" u="none" strike="noStrike" kern="0" cap="none" spc="0" normalizeH="0" baseline="0" dirty="0" smtClean="0">
+              <a:rPr kumimoji="0" lang="pt-BR" sz="1200" b="0" i="0" u="none" strike="noStrike" kern="0" cap="none" spc="0" normalizeH="0" baseline="0" dirty="0">
                 <a:ln>
                   <a:noFill/>
                 </a:ln>
@@ -1493,7 +1632,7 @@
               <a:buChar char="•"/>
               <a:defRPr lang="pt-BR"/>
             </a:pPr>
-            <a:endParaRPr kumimoji="0" lang="pt-BR" sz="1200" b="0" i="0" u="none" strike="noStrike" kern="0" cap="none" spc="0" normalizeH="0" baseline="0" dirty="0" smtClean="0">
+            <a:endParaRPr kumimoji="0" lang="pt-BR" sz="1200" b="0" i="0" u="none" strike="noStrike" kern="0" cap="none" spc="0" normalizeH="0" baseline="0" dirty="0">
               <a:ln>
                 <a:noFill/>
               </a:ln>
@@ -1601,19 +1740,19 @@
               <a:defRPr/>
             </a:pPr>
             <a:r>
-              <a:rPr lang="pt-BR" sz="1200" kern="0" dirty="0" smtClean="0"/>
+              <a:rPr lang="pt-BR" sz="1200" kern="0" dirty="0"/>
               <a:t>Explicar</a:t>
             </a:r>
             <a:r>
-              <a:rPr lang="pt-BR" sz="1200" kern="0" baseline="0" dirty="0" smtClean="0"/>
+              <a:rPr lang="pt-BR" sz="1200" kern="0" baseline="0" dirty="0"/>
               <a:t> que nós desenvolvemos a aplicação na IDE (eclipse), geramos um WAR (empacotamento dos códigos compilados) esse arquivo é “Instalado” em um servidor, que disponibiliza acesso via Browser </a:t>
             </a:r>
             <a:r>
-              <a:rPr lang="pt-BR" sz="1200" kern="0" baseline="0" dirty="0" err="1" smtClean="0"/>
+              <a:rPr lang="pt-BR" sz="1200" kern="0" baseline="0" dirty="0" err="1"/>
               <a:t>http</a:t>
             </a:r>
             <a:r>
-              <a:rPr lang="pt-BR" sz="1200" kern="0" baseline="0" dirty="0" smtClean="0"/>
+              <a:rPr lang="pt-BR" sz="1200" kern="0" baseline="0" dirty="0"/>
               <a:t>.</a:t>
             </a:r>
             <a:endParaRPr lang="pt-BR" sz="1200" kern="0" dirty="0"/>
@@ -1714,15 +1853,15 @@
               <a:defRPr/>
             </a:pPr>
             <a:r>
-              <a:rPr lang="pt-BR" sz="1200" kern="0" dirty="0" smtClean="0"/>
+              <a:rPr lang="pt-BR" sz="1200" kern="0" dirty="0"/>
               <a:t>O</a:t>
             </a:r>
             <a:r>
-              <a:rPr lang="pt-BR" sz="1200" kern="0" baseline="0" dirty="0" smtClean="0"/>
+              <a:rPr lang="pt-BR" sz="1200" kern="0" baseline="0" dirty="0"/>
               <a:t> que é um Framework </a:t>
             </a:r>
             <a:r>
-              <a:rPr lang="pt-BR" sz="1200" dirty="0" smtClean="0"/>
+              <a:rPr lang="pt-BR" sz="1200" dirty="0"/>
               <a:t>?</a:t>
             </a:r>
           </a:p>
@@ -1745,18 +1884,18 @@
               <a:defRPr/>
             </a:pPr>
             <a:r>
-              <a:rPr lang="pt-BR" sz="1200" kern="0" dirty="0" smtClean="0"/>
+              <a:rPr lang="pt-BR" sz="1200" kern="0" dirty="0"/>
               <a:t>O que</a:t>
             </a:r>
             <a:r>
-              <a:rPr lang="pt-BR" sz="1200" kern="0" baseline="0" dirty="0" smtClean="0"/>
+              <a:rPr lang="pt-BR" sz="1200" kern="0" baseline="0" dirty="0"/>
               <a:t> é uma API </a:t>
             </a:r>
             <a:r>
-              <a:rPr lang="pt-BR" sz="1200" dirty="0" smtClean="0"/>
+              <a:rPr lang="pt-BR" sz="1200" dirty="0"/>
               <a:t>?</a:t>
             </a:r>
-            <a:endParaRPr lang="pt-BR" sz="1200" kern="0" dirty="0" smtClean="0"/>
+            <a:endParaRPr lang="pt-BR" sz="1200" kern="0" dirty="0"/>
           </a:p>
           <a:p>
             <a:pPr marL="0" marR="0" lvl="0" indent="0" algn="l" defTabSz="914400" rtl="0" eaLnBrk="1" fontAlgn="auto" latinLnBrk="0" hangingPunct="1">
@@ -1777,11 +1916,11 @@
               <a:defRPr/>
             </a:pPr>
             <a:r>
-              <a:rPr lang="pt-BR" sz="1200" kern="0" dirty="0" smtClean="0"/>
+              <a:rPr lang="pt-BR" sz="1200" kern="0" dirty="0"/>
               <a:t>Chamar atenção</a:t>
             </a:r>
             <a:r>
-              <a:rPr lang="pt-BR" sz="1200" kern="0" baseline="0" dirty="0" smtClean="0"/>
+              <a:rPr lang="pt-BR" sz="1200" kern="0" baseline="0" dirty="0"/>
               <a:t> para a importância desse ponto para o mercado de trabalho.</a:t>
             </a:r>
           </a:p>
@@ -1803,7 +1942,7 @@
               <a:tabLst/>
               <a:defRPr/>
             </a:pPr>
-            <a:endParaRPr lang="pt-BR" sz="1200" kern="0" baseline="0" dirty="0" smtClean="0"/>
+            <a:endParaRPr lang="pt-BR" sz="1200" kern="0" baseline="0" dirty="0"/>
           </a:p>
           <a:p>
             <a:pPr marL="0" marR="0" lvl="0" indent="0" algn="l" defTabSz="914400" rtl="0" eaLnBrk="1" fontAlgn="auto" latinLnBrk="0" hangingPunct="1">
@@ -1824,7 +1963,7 @@
               <a:defRPr/>
             </a:pPr>
             <a:r>
-              <a:rPr lang="pt-BR" sz="1200" kern="0" baseline="0" dirty="0" smtClean="0"/>
+              <a:rPr lang="pt-BR" sz="1200" kern="0" baseline="0" dirty="0"/>
               <a:t>Camada web ou front: JSF, JSP, JSTL, JAVA SERVLETS</a:t>
             </a:r>
           </a:p>
@@ -1847,7 +1986,7 @@
               <a:defRPr/>
             </a:pPr>
             <a:r>
-              <a:rPr lang="pt-BR" sz="1200" kern="0" baseline="0" dirty="0" smtClean="0"/>
+              <a:rPr lang="pt-BR" sz="1200" kern="0" baseline="0" dirty="0"/>
               <a:t>Camada de negócios: EJB</a:t>
             </a:r>
           </a:p>
@@ -1870,7 +2009,7 @@
               <a:defRPr/>
             </a:pPr>
             <a:r>
-              <a:rPr lang="pt-BR" sz="1200" kern="0" dirty="0" smtClean="0"/>
+              <a:rPr lang="pt-BR" sz="1200" kern="0" dirty="0"/>
               <a:t>Camada de persistência: JPA, JTA, JDBC</a:t>
             </a:r>
           </a:p>
@@ -1893,7 +2032,7 @@
               <a:defRPr/>
             </a:pPr>
             <a:r>
-              <a:rPr lang="pt-BR" sz="1200" kern="0" baseline="0" dirty="0" smtClean="0"/>
+              <a:rPr lang="pt-BR" sz="1200" kern="0" baseline="0" dirty="0"/>
               <a:t>Camada de serviço: JAX-RS</a:t>
             </a:r>
           </a:p>
@@ -1916,7 +2055,7 @@
               <a:defRPr/>
             </a:pPr>
             <a:r>
-              <a:rPr lang="pt-BR" sz="1200" kern="0" baseline="0" dirty="0" smtClean="0"/>
+              <a:rPr lang="pt-BR" sz="1200" kern="0" baseline="0" dirty="0"/>
               <a:t>Camada de validação: JAVA BENS VALIDATION</a:t>
             </a:r>
           </a:p>
@@ -1939,7 +2078,7 @@
               <a:defRPr/>
             </a:pPr>
             <a:r>
-              <a:rPr lang="pt-BR" sz="1200" kern="0" baseline="0" dirty="0" smtClean="0"/>
+              <a:rPr lang="pt-BR" sz="1200" kern="0" baseline="0" dirty="0"/>
               <a:t>Segurança: JAAS</a:t>
             </a:r>
             <a:endParaRPr lang="pt-BR" sz="1200" kern="0" dirty="0"/>
@@ -2031,7 +2170,7 @@
               <a:defRPr lang="pt-BR"/>
             </a:pPr>
             <a:r>
-              <a:rPr lang="pt-BR" sz="1000" b="0" i="0" kern="1200" dirty="0" smtClean="0">
+              <a:rPr lang="pt-BR" sz="1000" b="0" i="0" kern="1200" dirty="0">
                 <a:solidFill>
                   <a:schemeClr val="tx1"/>
                 </a:solidFill>
@@ -2043,7 +2182,7 @@
               <a:t>É</a:t>
             </a:r>
             <a:r>
-              <a:rPr lang="pt-BR" sz="1000" b="0" i="0" kern="1200" baseline="0" dirty="0" smtClean="0">
+              <a:rPr lang="pt-BR" sz="1000" b="0" i="0" kern="1200" baseline="0" dirty="0">
                 <a:solidFill>
                   <a:schemeClr val="tx1"/>
                 </a:solidFill>
@@ -2054,7 +2193,7 @@
               </a:rPr>
               <a:t> IMPORTANDE ENTENDER AS CAMADAS !</a:t>
             </a:r>
-            <a:endParaRPr lang="pt-BR" sz="1000" b="0" i="0" kern="1200" dirty="0" smtClean="0">
+            <a:endParaRPr lang="pt-BR" sz="1000" b="0" i="0" kern="1200" dirty="0">
               <a:solidFill>
                 <a:schemeClr val="tx1"/>
               </a:solidFill>
@@ -2074,7 +2213,7 @@
               <a:defRPr lang="pt-BR"/>
             </a:pPr>
             <a:r>
-              <a:rPr lang="pt-BR" sz="1000" b="0" i="0" kern="1200" dirty="0" smtClean="0">
+              <a:rPr lang="pt-BR" sz="1000" b="0" i="0" kern="1200" dirty="0">
                 <a:solidFill>
                   <a:schemeClr val="tx1"/>
                 </a:solidFill>
@@ -2086,7 +2225,7 @@
               <a:t>Cliente: Estão na camada cliente softwares que rodam dentro do browser web, por exemplo, como páginas HTML, </a:t>
             </a:r>
             <a:r>
-              <a:rPr lang="pt-BR" sz="1000" b="0" i="0" kern="1200" dirty="0" err="1" smtClean="0">
+              <a:rPr lang="pt-BR" sz="1000" b="0" i="0" kern="1200" dirty="0" err="1">
                 <a:solidFill>
                   <a:schemeClr val="tx1"/>
                 </a:solidFill>
@@ -2098,7 +2237,7 @@
               <a:t>JavaScript</a:t>
             </a:r>
             <a:r>
-              <a:rPr lang="pt-BR" sz="1000" b="0" i="0" kern="1200" dirty="0" smtClean="0">
+              <a:rPr lang="pt-BR" sz="1000" b="0" i="0" kern="1200" dirty="0">
                 <a:solidFill>
                   <a:schemeClr val="tx1"/>
                 </a:solidFill>
@@ -2120,11 +2259,11 @@
               <a:defRPr lang="pt-BR"/>
             </a:pPr>
             <a:r>
-              <a:rPr lang="pt-BR" sz="1000" dirty="0" smtClean="0"/>
+              <a:rPr lang="pt-BR" sz="1000" dirty="0"/>
               <a:t>Web: </a:t>
             </a:r>
             <a:r>
-              <a:rPr lang="pt-BR" sz="1200" b="0" i="0" kern="1200" dirty="0" smtClean="0">
+              <a:rPr lang="pt-BR" sz="1200" b="0" i="0" kern="1200" dirty="0">
                 <a:solidFill>
                   <a:schemeClr val="tx1"/>
                 </a:solidFill>
@@ -2136,7 +2275,7 @@
               <a:t>Nessa camada estão os </a:t>
             </a:r>
             <a:r>
-              <a:rPr lang="pt-BR" sz="1200" b="0" i="0" kern="1200" dirty="0" err="1" smtClean="0">
+              <a:rPr lang="pt-BR" sz="1200" b="0" i="0" kern="1200" dirty="0" err="1">
                 <a:solidFill>
                   <a:schemeClr val="tx1"/>
                 </a:solidFill>
@@ -2148,7 +2287,7 @@
               <a:t>JSPs</a:t>
             </a:r>
             <a:r>
-              <a:rPr lang="pt-BR" sz="1200" b="0" i="0" kern="1200" dirty="0" smtClean="0">
+              <a:rPr lang="pt-BR" sz="1200" b="0" i="0" kern="1200" dirty="0">
                 <a:solidFill>
                   <a:schemeClr val="tx1"/>
                 </a:solidFill>
@@ -2160,7 +2299,7 @@
               <a:t>, </a:t>
             </a:r>
             <a:r>
-              <a:rPr lang="pt-BR" sz="1200" b="0" i="0" kern="1200" dirty="0" err="1" smtClean="0">
+              <a:rPr lang="pt-BR" sz="1200" b="0" i="0" kern="1200" dirty="0" err="1">
                 <a:solidFill>
                   <a:schemeClr val="tx1"/>
                 </a:solidFill>
@@ -2172,7 +2311,7 @@
               <a:t>servlets</a:t>
             </a:r>
             <a:r>
-              <a:rPr lang="pt-BR" sz="1200" b="0" i="0" kern="1200" dirty="0" smtClean="0">
+              <a:rPr lang="pt-BR" sz="1200" b="0" i="0" kern="1200" dirty="0">
                 <a:solidFill>
                   <a:schemeClr val="tx1"/>
                 </a:solidFill>
@@ -2184,7 +2323,7 @@
               <a:t>, rodam num servidor web como o </a:t>
             </a:r>
             <a:r>
-              <a:rPr lang="pt-BR" sz="1200" b="0" i="0" kern="1200" dirty="0" err="1" smtClean="0">
+              <a:rPr lang="pt-BR" sz="1200" b="0" i="0" kern="1200" dirty="0" err="1">
                 <a:solidFill>
                   <a:schemeClr val="tx1"/>
                 </a:solidFill>
@@ -2196,7 +2335,7 @@
               <a:t>Tomcat</a:t>
             </a:r>
             <a:r>
-              <a:rPr lang="pt-BR" sz="1200" b="0" i="0" kern="1200" dirty="0" smtClean="0">
+              <a:rPr lang="pt-BR" sz="1200" b="0" i="0" kern="1200" dirty="0">
                 <a:solidFill>
                   <a:schemeClr val="tx1"/>
                 </a:solidFill>
@@ -2208,7 +2347,7 @@
               <a:t>, por exemplo. Normalmente, empacotado em um arquivo WAR (Web </a:t>
             </a:r>
             <a:r>
-              <a:rPr lang="pt-BR" sz="1200" b="0" i="0" kern="1200" dirty="0" err="1" smtClean="0">
+              <a:rPr lang="pt-BR" sz="1200" b="0" i="0" kern="1200" dirty="0" err="1">
                 <a:solidFill>
                   <a:schemeClr val="tx1"/>
                 </a:solidFill>
@@ -2220,7 +2359,7 @@
               <a:t>Archive</a:t>
             </a:r>
             <a:r>
-              <a:rPr lang="pt-BR" sz="1200" b="0" i="0" kern="1200" dirty="0" smtClean="0">
+              <a:rPr lang="pt-BR" sz="1200" b="0" i="0" kern="1200" dirty="0">
                 <a:solidFill>
                   <a:schemeClr val="tx1"/>
                 </a:solidFill>
@@ -2242,7 +2381,7 @@
               <a:defRPr lang="pt-BR"/>
             </a:pPr>
             <a:r>
-              <a:rPr lang="pt-BR" sz="1200" b="0" i="0" kern="1200" dirty="0" smtClean="0">
+              <a:rPr lang="pt-BR" sz="1200" b="0" i="0" kern="1200" dirty="0">
                 <a:solidFill>
                   <a:schemeClr val="tx1"/>
                 </a:solidFill>
@@ -2254,7 +2393,7 @@
               <a:t>Negócios:</a:t>
             </a:r>
             <a:r>
-              <a:rPr lang="pt-BR" sz="1200" b="0" i="0" kern="1200" baseline="0" dirty="0" smtClean="0">
+              <a:rPr lang="pt-BR" sz="1200" b="0" i="0" kern="1200" baseline="0" dirty="0">
                 <a:solidFill>
                   <a:schemeClr val="tx1"/>
                 </a:solidFill>
@@ -2266,7 +2405,7 @@
               <a:t> </a:t>
             </a:r>
             <a:r>
-              <a:rPr lang="pt-BR" sz="1200" b="0" i="0" kern="1200" dirty="0" smtClean="0">
+              <a:rPr lang="pt-BR" sz="1200" b="0" i="0" kern="1200" dirty="0">
                 <a:solidFill>
                   <a:schemeClr val="tx1"/>
                 </a:solidFill>
@@ -2278,7 +2417,7 @@
               <a:t>Nessa camada Ficam os </a:t>
             </a:r>
             <a:r>
-              <a:rPr lang="pt-BR" sz="1200" b="0" i="0" kern="1200" dirty="0" err="1" smtClean="0">
+              <a:rPr lang="pt-BR" sz="1200" b="0" i="0" kern="1200" dirty="0" err="1">
                 <a:solidFill>
                   <a:schemeClr val="tx1"/>
                 </a:solidFill>
@@ -2290,7 +2429,7 @@
               <a:t>EJBs</a:t>
             </a:r>
             <a:r>
-              <a:rPr lang="pt-BR" sz="1200" b="0" i="0" kern="1200" dirty="0" smtClean="0">
+              <a:rPr lang="pt-BR" sz="1200" b="0" i="0" kern="1200" dirty="0">
                 <a:solidFill>
                   <a:schemeClr val="tx1"/>
                 </a:solidFill>
@@ -2302,7 +2441,7 @@
               <a:t>, classes de negócio, </a:t>
             </a:r>
             <a:r>
-              <a:rPr lang="pt-BR" sz="1200" b="0" i="0" kern="1200" dirty="0" err="1" smtClean="0">
+              <a:rPr lang="pt-BR" sz="1200" b="0" i="0" kern="1200" dirty="0" err="1">
                 <a:solidFill>
                   <a:schemeClr val="tx1"/>
                 </a:solidFill>
@@ -2314,7 +2453,7 @@
               <a:t>DAOs</a:t>
             </a:r>
             <a:r>
-              <a:rPr lang="pt-BR" sz="1200" b="0" i="0" kern="1200" dirty="0" smtClean="0">
+              <a:rPr lang="pt-BR" sz="1200" b="0" i="0" kern="1200" dirty="0">
                 <a:solidFill>
                   <a:schemeClr val="tx1"/>
                 </a:solidFill>
@@ -2336,7 +2475,7 @@
               <a:defRPr lang="pt-BR"/>
             </a:pPr>
             <a:r>
-              <a:rPr lang="pt-BR" sz="1200" b="0" i="0" kern="1200" dirty="0" smtClean="0">
+              <a:rPr lang="pt-BR" sz="1200" b="0" i="0" kern="1200" dirty="0">
                 <a:solidFill>
                   <a:schemeClr val="tx1"/>
                 </a:solidFill>
@@ -2357,7 +2496,7 @@
               <a:buNone/>
               <a:defRPr lang="pt-BR"/>
             </a:pPr>
-            <a:endParaRPr lang="pt-BR" sz="1200" b="0" i="0" kern="1200" dirty="0" smtClean="0">
+            <a:endParaRPr lang="pt-BR" sz="1200" b="0" i="0" kern="1200" dirty="0">
               <a:solidFill>
                 <a:schemeClr val="tx1"/>
               </a:solidFill>
@@ -2453,7 +2592,7 @@
               <a:buNone/>
               <a:defRPr lang="pt-BR"/>
             </a:pPr>
-            <a:endParaRPr lang="pt-BR" sz="1200" b="0" i="0" kern="1200" dirty="0" smtClean="0">
+            <a:endParaRPr lang="pt-BR" sz="1200" b="0" i="0" kern="1200" dirty="0">
               <a:solidFill>
                 <a:schemeClr val="tx1"/>
               </a:solidFill>
@@ -2541,65 +2680,23 @@
           <a:bodyPr/>
           <a:lstStyle/>
           <a:p>
-            <a:pPr marL="342900" lvl="0" indent="-342900">
+            <a:pPr marL="0" lvl="0" indent="0">
               <a:spcBef>
                 <a:spcPct val="20000"/>
               </a:spcBef>
               <a:buFont typeface="Arial"/>
-              <a:buChar char="•"/>
+              <a:buNone/>
               <a:defRPr lang="pt-BR"/>
             </a:pPr>
-            <a:r>
-              <a:rPr lang="pt-BR" sz="1200" kern="0" dirty="0"/>
-              <a:t>01 - break: Encerra o loop e sai do escopo.</a:t>
-            </a:r>
-          </a:p>
-          <a:p>
-            <a:pPr marL="342900" lvl="0" indent="-342900">
-              <a:spcBef>
-                <a:spcPct val="20000"/>
-              </a:spcBef>
-              <a:buFont typeface="Arial"/>
-              <a:buChar char="•"/>
-              <a:defRPr lang="pt-BR"/>
-            </a:pPr>
-            <a:r>
-              <a:rPr lang="pt-BR" dirty="0"/>
-              <a:t>02 - continue: Quando encontrado, encerra a interação e segue para a próxima interação.</a:t>
-            </a:r>
-          </a:p>
-          <a:p>
-            <a:pPr marL="342900" lvl="0" indent="-342900">
-              <a:spcBef>
-                <a:spcPct val="20000"/>
-              </a:spcBef>
-              <a:buFont typeface="Arial"/>
-              <a:buChar char="•"/>
-              <a:defRPr lang="pt-BR"/>
-            </a:pPr>
-            <a:r>
-              <a:rPr lang="pt-BR" dirty="0"/>
-              <a:t>03 - </a:t>
-            </a:r>
-            <a:r>
-              <a:rPr lang="pt-BR" dirty="0" err="1"/>
-              <a:t>return</a:t>
-            </a:r>
-            <a:r>
-              <a:rPr lang="pt-BR" dirty="0"/>
-              <a:t>: Utilizada para sair de um método. (Está fora do contexto da estrutura de repetição)</a:t>
-            </a:r>
-          </a:p>
-          <a:p>
-            <a:pPr marL="342900" lvl="0" indent="-342900">
-              <a:spcBef>
-                <a:spcPct val="20000"/>
-              </a:spcBef>
-              <a:buFont typeface="Arial"/>
-              <a:buChar char="•"/>
-              <a:defRPr lang="pt-BR"/>
-            </a:pPr>
-            <a:endParaRPr lang="pt-BR" dirty="0"/>
+            <a:endParaRPr lang="pt-BR" sz="1200" b="0" i="0" kern="1200" dirty="0">
+              <a:solidFill>
+                <a:schemeClr val="tx1"/>
+              </a:solidFill>
+              <a:effectLst/>
+              <a:latin typeface="+mn-lt"/>
+              <a:ea typeface="+mn-ea"/>
+              <a:cs typeface="+mn-cs"/>
+            </a:endParaRPr>
           </a:p>
         </p:txBody>
       </p:sp>
@@ -2628,6 +2725,11 @@
         </p:txBody>
       </p:sp>
     </p:spTree>
+    <p:extLst>
+      <p:ext uri="{BB962C8B-B14F-4D97-AF65-F5344CB8AC3E}">
+        <p14:creationId xmlns:p14="http://schemas.microsoft.com/office/powerpoint/2010/main" val="383213248"/>
+      </p:ext>
+    </p:extLst>
   </p:cSld>
   <p:clrMapOvr>
     <a:masterClrMapping/>
@@ -3448,7 +3550,7 @@
             <a:fld id="{8F67D422-08A8-451B-9A67-21962FC4B660}" type="datetimeFigureOut">
               <a:rPr kumimoji="0" lang="pt-BR" sz="1100"/>
               <a:pPr algn="r"/>
-              <a:t>04/10/2018</a:t>
+              <a:t>08/10/2018</a:t>
             </a:fld>
             <a:endParaRPr kumimoji="0" lang="pt-BR"/>
           </a:p>
@@ -3670,7 +3772,7 @@
             <a:fld id="{8F67D422-08A8-451B-9A67-21962FC4B660}" type="datetimeFigureOut">
               <a:rPr kumimoji="0" lang="pt-BR" sz="1100"/>
               <a:pPr algn="r"/>
-              <a:t>04/10/2018</a:t>
+              <a:t>08/10/2018</a:t>
             </a:fld>
             <a:endParaRPr kumimoji="0" lang="pt-BR"/>
           </a:p>
@@ -3787,7 +3889,7 @@
             <a:fld id="{8F67D422-08A8-451B-9A67-21962FC4B660}" type="datetimeFigureOut">
               <a:rPr kumimoji="0" lang="pt-BR" sz="1100"/>
               <a:pPr algn="r"/>
-              <a:t>04/10/2018</a:t>
+              <a:t>08/10/2018</a:t>
             </a:fld>
             <a:endParaRPr kumimoji="0" lang="pt-BR"/>
           </a:p>
@@ -3952,7 +4054,7 @@
           <a:p>
             <a:fld id="{1BEBB2CB-903D-46EF-8227-E770ED8FF514}" type="datetimeFigureOut">
               <a:pPr/>
-              <a:t>04/10/2018</a:t>
+              <a:t>08/10/2018</a:t>
             </a:fld>
             <a:endParaRPr kumimoji="0" lang="pt-BR"/>
           </a:p>
@@ -4430,7 +4532,7 @@
           <a:p>
             <a:fld id="{1BEBB2CB-903D-46EF-8227-E770ED8FF514}" type="datetimeFigureOut">
               <a:pPr/>
-              <a:t>04/10/2018</a:t>
+              <a:t>08/10/2018</a:t>
             </a:fld>
             <a:endParaRPr kumimoji="0" lang="pt-BR"/>
           </a:p>
@@ -5038,7 +5140,7 @@
           <a:p>
             <a:fld id="{1BEBB2CB-903D-46EF-8227-E770ED8FF514}" type="datetimeFigureOut">
               <a:pPr/>
-              <a:t>04/10/2018</a:t>
+              <a:t>08/10/2018</a:t>
             </a:fld>
             <a:endParaRPr kumimoji="0" lang="pt-BR"/>
           </a:p>
@@ -5433,7 +5535,7 @@
           <a:p>
             <a:fld id="{1BEBB2CB-903D-46EF-8227-E770ED8FF514}" type="datetimeFigureOut">
               <a:pPr/>
-              <a:t>04/10/2018</a:t>
+              <a:t>08/10/2018</a:t>
             </a:fld>
             <a:endParaRPr kumimoji="0" lang="pt-BR"/>
           </a:p>
@@ -6224,7 +6326,7 @@
           <a:p>
             <a:fld id="{1BEBB2CB-903D-46EF-8227-E770ED8FF514}" type="datetimeFigureOut">
               <a:pPr/>
-              <a:t>04/10/2018</a:t>
+              <a:t>08/10/2018</a:t>
             </a:fld>
             <a:endParaRPr kumimoji="0" lang="pt-BR"/>
           </a:p>
@@ -7318,7 +7420,7 @@
             <a:fld id="{8F67D422-08A8-451B-9A67-21962FC4B660}" type="datetimeFigureOut">
               <a:rPr kumimoji="0" lang="pt-BR" sz="1100"/>
               <a:pPr algn="r"/>
-              <a:t>04/10/2018</a:t>
+              <a:t>08/10/2018</a:t>
             </a:fld>
             <a:endParaRPr kumimoji="0" lang="pt-BR" sz="1050"/>
           </a:p>
@@ -8492,18 +8594,13 @@
           <a:lstStyle/>
           <a:p>
             <a:r>
-              <a:rPr lang="pt-BR" dirty="0" smtClean="0">
+              <a:rPr lang="pt-BR" dirty="0">
                 <a:solidFill>
                   <a:schemeClr val="tx1"/>
                 </a:solidFill>
               </a:rPr>
               <a:t>JAVA EE</a:t>
             </a:r>
-            <a:endParaRPr lang="pt-BR" dirty="0">
-              <a:solidFill>
-                <a:schemeClr val="tx1"/>
-              </a:solidFill>
-            </a:endParaRPr>
           </a:p>
         </p:txBody>
       </p:sp>
@@ -8553,7 +8650,7 @@
           <p:cNvPr id="11" name="Rectangle 8">
             <a:extLst>
               <a:ext uri="{FF2B5EF4-FFF2-40B4-BE49-F238E27FC236}">
-                <a16:creationId xmlns:a16="http://schemas.microsoft.com/office/drawing/2014/main" xmlns="" id="{E1F0AA30-9C1D-4249-8068-4A45331D9230}"/>
+                <a16:creationId xmlns:a16="http://schemas.microsoft.com/office/drawing/2014/main" id="{E1F0AA30-9C1D-4249-8068-4A45331D9230}"/>
               </a:ext>
             </a:extLst>
           </p:cNvPr>
@@ -8751,6 +8848,184 @@
             <p:ph type="title"/>
           </p:nvPr>
         </p:nvSpPr>
+        <p:spPr/>
+        <p:txBody>
+          <a:bodyPr>
+            <a:noAutofit/>
+          </a:bodyPr>
+          <a:lstStyle/>
+          <a:p>
+            <a:r>
+              <a:rPr lang="pt-BR" sz="4000" dirty="0"/>
+              <a:t>EXTRAS:</a:t>
+            </a:r>
+          </a:p>
+        </p:txBody>
+      </p:sp>
+      <p:sp>
+        <p:nvSpPr>
+          <p:cNvPr id="4" name="Rectangle 25"/>
+          <p:cNvSpPr txBox="1">
+            <a:spLocks/>
+          </p:cNvSpPr>
+          <p:nvPr/>
+        </p:nvSpPr>
+        <p:spPr>
+          <a:xfrm>
+            <a:off x="762000" y="2924944"/>
+            <a:ext cx="7086600" cy="3456384"/>
+          </a:xfrm>
+          <a:prstGeom prst="rect">
+            <a:avLst/>
+          </a:prstGeom>
+        </p:spPr>
+        <p:txBody>
+          <a:bodyPr vert="horz">
+            <a:noAutofit/>
+          </a:bodyPr>
+          <a:lstStyle/>
+          <a:p>
+            <a:pPr marL="342900" lvl="0" indent="-342900">
+              <a:spcBef>
+                <a:spcPct val="20000"/>
+              </a:spcBef>
+              <a:buFont typeface="Arial"/>
+              <a:buChar char="•"/>
+              <a:defRPr lang="pt-BR"/>
+            </a:pPr>
+            <a:endParaRPr lang="pt-BR" sz="2400" kern="0" dirty="0"/>
+          </a:p>
+        </p:txBody>
+      </p:sp>
+      <p:sp>
+        <p:nvSpPr>
+          <p:cNvPr id="2" name="Retângulo 1"/>
+          <p:cNvSpPr/>
+          <p:nvPr/>
+        </p:nvSpPr>
+        <p:spPr>
+          <a:xfrm>
+            <a:off x="762000" y="2703016"/>
+            <a:ext cx="7086600" cy="3785652"/>
+          </a:xfrm>
+          <a:prstGeom prst="rect">
+            <a:avLst/>
+          </a:prstGeom>
+        </p:spPr>
+        <p:txBody>
+          <a:bodyPr wrap="square">
+            <a:spAutoFit/>
+          </a:bodyPr>
+          <a:lstStyle/>
+          <a:p>
+            <a:r>
+              <a:rPr lang="pt-BR" sz="2400" b="1" dirty="0"/>
+              <a:t>- Estrutura de controle de decisão.</a:t>
+            </a:r>
+          </a:p>
+          <a:p>
+            <a:r>
+              <a:rPr lang="pt-BR" sz="2400" dirty="0"/>
+              <a:t>	</a:t>
+            </a:r>
+            <a:r>
+              <a:rPr lang="pt-BR" sz="2400" dirty="0">
+                <a:solidFill>
+                  <a:srgbClr val="00B0F0"/>
+                </a:solidFill>
+              </a:rPr>
+              <a:t>https://docs.oracle.com/javase/tutorial/java/nutsandbolts/examples/IfElseDemo.java</a:t>
+            </a:r>
+          </a:p>
+          <a:p>
+            <a:r>
+              <a:rPr lang="pt-BR" sz="2400" dirty="0"/>
+              <a:t>- Estrutura de controle de Fluxo. 	</a:t>
+            </a:r>
+            <a:r>
+              <a:rPr lang="pt-BR" sz="2400" dirty="0">
+                <a:solidFill>
+                  <a:srgbClr val="00B0F0"/>
+                </a:solidFill>
+              </a:rPr>
+              <a:t>https://docs.oracle.com/javase/tutorial/java/nutsandbolts/switch.html</a:t>
+            </a:r>
+          </a:p>
+          <a:p>
+            <a:pPr marL="342900" indent="-342900">
+              <a:buFontTx/>
+              <a:buChar char="-"/>
+            </a:pPr>
+            <a:r>
+              <a:rPr lang="pt-BR" sz="2400" dirty="0"/>
+              <a:t>Controle de interrupção.</a:t>
+            </a:r>
+          </a:p>
+          <a:p>
+            <a:r>
+              <a:rPr lang="pt-BR" sz="2400" dirty="0"/>
+              <a:t>	Interrupção permitem que redirecionemos o fluxo de controle do programa.</a:t>
+            </a:r>
+          </a:p>
+          <a:p>
+            <a:r>
+              <a:rPr lang="pt-BR" sz="2400" dirty="0"/>
+              <a:t>	03 Tipos: break, continue, </a:t>
+            </a:r>
+            <a:r>
+              <a:rPr lang="pt-BR" sz="2400" dirty="0" err="1"/>
+              <a:t>return</a:t>
+            </a:r>
+            <a:r>
+              <a:rPr lang="pt-BR" sz="2400" dirty="0"/>
+              <a:t>.</a:t>
+            </a:r>
+          </a:p>
+        </p:txBody>
+      </p:sp>
+    </p:spTree>
+    <p:extLst>
+      <p:ext uri="{BB962C8B-B14F-4D97-AF65-F5344CB8AC3E}">
+        <p14:creationId xmlns:p14="http://schemas.microsoft.com/office/powerpoint/2010/main" val="1677101322"/>
+      </p:ext>
+    </p:extLst>
+  </p:cSld>
+  <p:clrMapOvr>
+    <a:masterClrMapping/>
+  </p:clrMapOvr>
+  <p:transition>
+    <p:fade/>
+  </p:transition>
+</p:sld>
+</file>
+
+<file path=ppt/slides/slide11.xml><?xml version="1.0" encoding="utf-8"?>
+<p:sld xmlns:a="http://schemas.openxmlformats.org/drawingml/2006/main" xmlns:r="http://schemas.openxmlformats.org/officeDocument/2006/relationships" xmlns:p="http://schemas.openxmlformats.org/presentationml/2006/main">
+  <p:cSld>
+    <p:spTree>
+      <p:nvGrpSpPr>
+        <p:cNvPr id="1" name=""/>
+        <p:cNvGrpSpPr/>
+        <p:nvPr/>
+      </p:nvGrpSpPr>
+      <p:grpSpPr>
+        <a:xfrm>
+          <a:off x="0" y="0"/>
+          <a:ext cx="0" cy="0"/>
+          <a:chOff x="0" y="0"/>
+          <a:chExt cx="0" cy="0"/>
+        </a:xfrm>
+      </p:grpSpPr>
+      <p:sp>
+        <p:nvSpPr>
+          <p:cNvPr id="3" name="Rectangle 8"/>
+          <p:cNvSpPr>
+            <a:spLocks noGrp="1"/>
+          </p:cNvSpPr>
+          <p:nvPr>
+            <p:ph type="title"/>
+          </p:nvPr>
+        </p:nvSpPr>
         <p:spPr>
           <a:xfrm>
             <a:off x="228600" y="1676400"/>
@@ -8775,7 +9050,7 @@
           <p:cNvPr id="7" name="Retângulo 6">
             <a:extLst>
               <a:ext uri="{FF2B5EF4-FFF2-40B4-BE49-F238E27FC236}">
-                <a16:creationId xmlns:a16="http://schemas.microsoft.com/office/drawing/2014/main" xmlns="" id="{DE871D51-6822-455D-8B97-7F37D0BA5BB9}"/>
+                <a16:creationId xmlns:a16="http://schemas.microsoft.com/office/drawing/2014/main" id="{DE871D51-6822-455D-8B97-7F37D0BA5BB9}"/>
               </a:ext>
             </a:extLst>
           </p:cNvPr>
@@ -8971,28 +9246,19 @@
           <a:p>
             <a:r>
               <a:rPr lang="pt-BR" sz="2400" dirty="0"/>
-              <a:t>O que é ?, Quando usar </a:t>
-            </a:r>
-            <a:r>
-              <a:rPr lang="pt-BR" sz="2400" dirty="0" smtClean="0"/>
-              <a:t>?</a:t>
-            </a:r>
-          </a:p>
-          <a:p>
-            <a:r>
-              <a:rPr lang="pt-BR" sz="2400" dirty="0" smtClean="0"/>
+              <a:t>O que é ?</a:t>
+            </a:r>
+          </a:p>
+          <a:p>
+            <a:r>
+              <a:rPr lang="pt-BR" sz="2400" dirty="0"/>
               <a:t>Entendendo a arquitetura.</a:t>
             </a:r>
-            <a:endParaRPr lang="pt-BR" sz="2400" dirty="0"/>
-          </a:p>
-          <a:p>
-            <a:r>
-              <a:rPr lang="pt-BR" sz="2400" dirty="0" smtClean="0"/>
-              <a:t>Vamos </a:t>
-            </a:r>
+          </a:p>
+          <a:p>
             <a:r>
               <a:rPr lang="pt-BR" sz="2400" dirty="0"/>
-              <a:t>ao código !</a:t>
+              <a:t>Vamos ao código !</a:t>
             </a:r>
           </a:p>
           <a:p>
@@ -9055,13 +9321,8 @@
           <a:p>
             <a:r>
               <a:rPr lang="pt-BR" sz="4200" dirty="0"/>
-              <a:t>O que é </a:t>
-            </a:r>
-            <a:r>
-              <a:rPr lang="pt-BR" sz="4200" dirty="0" smtClean="0"/>
-              <a:t>JAVA EE ?</a:t>
-            </a:r>
-            <a:endParaRPr lang="pt-BR" sz="4200" dirty="0"/>
+              <a:t>O que é JAVA EE ?</a:t>
+            </a:r>
           </a:p>
         </p:txBody>
       </p:sp>
@@ -9157,13 +9418,8 @@
             </a:r>
             <a:r>
               <a:rPr lang="pt-BR" sz="2400" kern="0" dirty="0"/>
-              <a:t> que permitem ao programador desenvolver aplicações </a:t>
-            </a:r>
-            <a:r>
-              <a:rPr lang="pt-BR" sz="2400" kern="0" dirty="0" smtClean="0"/>
-              <a:t>voltadas para web.</a:t>
-            </a:r>
-            <a:endParaRPr lang="pt-BR" sz="2400" kern="0" dirty="0"/>
+              <a:t> que permitem ao programador desenvolver aplicações voltadas para web.</a:t>
+            </a:r>
           </a:p>
         </p:txBody>
       </p:sp>
@@ -9218,14 +9474,9 @@
           <a:lstStyle/>
           <a:p>
             <a:r>
-              <a:rPr lang="pt-BR" sz="4200" dirty="0" smtClean="0"/>
-              <a:t>Como funciona</a:t>
-            </a:r>
-            <a:r>
-              <a:rPr lang="pt-BR" sz="4200" dirty="0" smtClean="0"/>
-              <a:t> ?</a:t>
-            </a:r>
-            <a:endParaRPr lang="pt-BR" sz="4200" dirty="0"/>
+              <a:rPr lang="pt-BR" sz="4200" dirty="0"/>
+              <a:t>Como funciona ?</a:t>
+            </a:r>
           </a:p>
         </p:txBody>
       </p:sp>
@@ -9304,15 +9555,15 @@
               <a:defRPr lang="pt-BR"/>
             </a:pPr>
             <a:r>
-              <a:rPr lang="pt-BR" sz="2400" kern="0" dirty="0" smtClean="0"/>
+              <a:rPr lang="pt-BR" sz="2400" kern="0" dirty="0"/>
               <a:t>Clientes que são os browser acessam servidores que estão hospedados em determinados lugares, as linguagens como </a:t>
             </a:r>
             <a:r>
-              <a:rPr lang="pt-BR" sz="2400" kern="0" dirty="0" err="1" smtClean="0"/>
+              <a:rPr lang="pt-BR" sz="2400" kern="0" dirty="0" err="1"/>
               <a:t>java</a:t>
             </a:r>
             <a:r>
-              <a:rPr lang="pt-BR" sz="2400" kern="0" dirty="0" smtClean="0"/>
+              <a:rPr lang="pt-BR" sz="2400" kern="0" dirty="0"/>
               <a:t> são apenas uma forma de gerir tais informações através de sistemas.</a:t>
             </a:r>
           </a:p>
@@ -9369,10 +9620,9 @@
           <a:lstStyle/>
           <a:p>
             <a:r>
-              <a:rPr lang="pt-BR" sz="3800" dirty="0" smtClean="0"/>
+              <a:rPr lang="pt-BR" sz="3800" dirty="0"/>
               <a:t>O que é um servidor de aplicação ?</a:t>
             </a:r>
-            <a:endParaRPr lang="pt-BR" sz="3800" dirty="0"/>
           </a:p>
         </p:txBody>
       </p:sp>
@@ -9472,10 +9722,9 @@
           <a:lstStyle/>
           <a:p>
             <a:r>
-              <a:rPr lang="pt-BR" sz="4000" dirty="0" smtClean="0"/>
+              <a:rPr lang="pt-BR" sz="4000" dirty="0"/>
               <a:t>Quais são as APIS do JAVA EE ?</a:t>
             </a:r>
-            <a:endParaRPr lang="pt-BR" sz="4000" dirty="0"/>
           </a:p>
         </p:txBody>
       </p:sp>
@@ -9501,19 +9750,6 @@
             <a:noAutofit/>
           </a:bodyPr>
           <a:lstStyle/>
-          <a:p>
-            <a:pPr>
-              <a:spcBef>
-                <a:spcPct val="20000"/>
-              </a:spcBef>
-              <a:defRPr lang="pt-BR"/>
-            </a:pPr>
-            <a:endParaRPr lang="pt-BR" sz="2400" kern="0" dirty="0" smtClean="0">
-              <a:solidFill>
-                <a:srgbClr val="00B0F0"/>
-              </a:solidFill>
-            </a:endParaRPr>
-          </a:p>
           <a:p>
             <a:pPr>
               <a:spcBef>
@@ -9534,29 +9770,26 @@
               </a:spcBef>
               <a:defRPr lang="pt-BR"/>
             </a:pPr>
-            <a:r>
-              <a:rPr lang="pt-BR" sz="2400" kern="0" dirty="0" smtClean="0">
-                <a:solidFill>
-                  <a:srgbClr val="00B0F0"/>
-                </a:solidFill>
-              </a:rPr>
-              <a:t>https</a:t>
-            </a:r>
+            <a:endParaRPr lang="pt-BR" sz="2400" kern="0" dirty="0">
+              <a:solidFill>
+                <a:srgbClr val="00B0F0"/>
+              </a:solidFill>
+            </a:endParaRPr>
+          </a:p>
+          <a:p>
+            <a:pPr>
+              <a:spcBef>
+                <a:spcPct val="20000"/>
+              </a:spcBef>
+              <a:defRPr lang="pt-BR"/>
+            </a:pPr>
             <a:r>
               <a:rPr lang="pt-BR" sz="2400" kern="0" dirty="0">
                 <a:solidFill>
                   <a:srgbClr val="00B0F0"/>
                 </a:solidFill>
               </a:rPr>
-              <a:t>://</a:t>
-            </a:r>
-            <a:r>
-              <a:rPr lang="pt-BR" sz="2400" kern="0" dirty="0" smtClean="0">
-                <a:solidFill>
-                  <a:srgbClr val="00B0F0"/>
-                </a:solidFill>
-              </a:rPr>
-              <a:t>docs.oracle.com/javaee/7/api/toc.htm</a:t>
+              <a:t>https://docs.oracle.com/javaee/7/api/toc.htm</a:t>
             </a:r>
           </a:p>
           <a:p>
@@ -9566,7 +9799,7 @@
               </a:spcBef>
               <a:defRPr lang="pt-BR"/>
             </a:pPr>
-            <a:endParaRPr lang="pt-BR" sz="2400" kern="0" dirty="0" smtClean="0"/>
+            <a:endParaRPr lang="pt-BR" sz="2400" kern="0" dirty="0"/>
           </a:p>
           <a:p>
             <a:pPr lvl="0">
@@ -9631,11 +9864,7 @@
           <a:p>
             <a:r>
               <a:rPr lang="pt-BR" sz="4000" b="0" dirty="0"/>
-              <a:t>Arquitetura de aplicações Java </a:t>
-            </a:r>
-            <a:r>
-              <a:rPr lang="pt-BR" sz="4000" b="0" dirty="0" smtClean="0"/>
-              <a:t>EE.</a:t>
+              <a:t>Arquitetura de aplicações Java EE.</a:t>
             </a:r>
             <a:endParaRPr lang="pt-BR" sz="4000" dirty="0"/>
           </a:p>
@@ -9698,7 +9927,7 @@
           <a:lstStyle/>
           <a:p>
             <a:r>
-              <a:rPr lang="pt-BR" sz="2300" dirty="0" smtClean="0"/>
+              <a:rPr lang="pt-BR" sz="2300" dirty="0"/>
               <a:t>Java EE se divide em 4 camadas básicas:</a:t>
             </a:r>
           </a:p>
@@ -9711,72 +9940,47 @@
               <a:t>Camada Cliente </a:t>
             </a:r>
             <a:r>
-              <a:rPr lang="pt-BR" sz="2300" b="1" dirty="0" smtClean="0">
+              <a:rPr lang="pt-BR" sz="2300" b="1" dirty="0">
                 <a:sym typeface="Wingdings" panose="05000000000000000000" pitchFamily="2" charset="2"/>
               </a:rPr>
               <a:t></a:t>
             </a:r>
             <a:r>
-              <a:rPr lang="pt-BR" sz="2300" dirty="0" smtClean="0"/>
+              <a:rPr lang="pt-BR" sz="2300" dirty="0"/>
               <a:t> Roda no browser;</a:t>
             </a:r>
           </a:p>
           <a:p>
             <a:r>
-              <a:rPr lang="pt-BR" sz="2300" b="1" dirty="0" smtClean="0"/>
-              <a:t>Camada </a:t>
-            </a:r>
-            <a:r>
               <a:rPr lang="pt-BR" sz="2300" b="1" dirty="0"/>
-              <a:t>Web </a:t>
-            </a:r>
-            <a:r>
-              <a:rPr lang="pt-BR" sz="2300" b="1" dirty="0" smtClean="0">
+              <a:t>Camada Web </a:t>
+            </a:r>
+            <a:r>
+              <a:rPr lang="pt-BR" sz="2300" b="1" dirty="0">
                 <a:sym typeface="Wingdings" panose="05000000000000000000" pitchFamily="2" charset="2"/>
               </a:rPr>
               <a:t></a:t>
             </a:r>
             <a:r>
-              <a:rPr lang="pt-BR" sz="2300" dirty="0" smtClean="0"/>
-              <a:t> Servidor </a:t>
-            </a:r>
-            <a:r>
               <a:rPr lang="pt-BR" sz="2300" dirty="0"/>
-              <a:t>de aplicações</a:t>
-            </a:r>
-            <a:r>
-              <a:rPr lang="pt-BR" sz="2300" dirty="0" smtClean="0"/>
-              <a:t>;</a:t>
-            </a:r>
-          </a:p>
-          <a:p>
-            <a:r>
-              <a:rPr lang="pt-BR" sz="2300" dirty="0" smtClean="0"/>
-              <a:t>Camada </a:t>
-            </a:r>
+              <a:t> Servidor de aplicações;</a:t>
+            </a:r>
+          </a:p>
+          <a:p>
             <a:r>
               <a:rPr lang="pt-BR" sz="2300" dirty="0"/>
-              <a:t>de negócios </a:t>
-            </a:r>
-            <a:r>
-              <a:rPr lang="pt-BR" sz="2300" dirty="0" smtClean="0">
+              <a:t>Camada de negócios </a:t>
+            </a:r>
+            <a:r>
+              <a:rPr lang="pt-BR" sz="2300" dirty="0">
                 <a:sym typeface="Wingdings" panose="05000000000000000000" pitchFamily="2" charset="2"/>
               </a:rPr>
               <a:t></a:t>
             </a:r>
             <a:r>
-              <a:rPr lang="pt-BR" sz="2300" dirty="0" smtClean="0"/>
-              <a:t> Servidor </a:t>
-            </a:r>
-            <a:r>
               <a:rPr lang="pt-BR" sz="2300" dirty="0"/>
-              <a:t>de aplicações</a:t>
-            </a:r>
-            <a:r>
-              <a:rPr lang="pt-BR" sz="2300" dirty="0" smtClean="0"/>
-              <a:t>;</a:t>
-            </a:r>
-            <a:endParaRPr lang="pt-BR" sz="2300" dirty="0"/>
+              <a:t> Servidor de aplicações;</a:t>
+            </a:r>
           </a:p>
           <a:p>
             <a:r>
@@ -9784,18 +9988,14 @@
               <a:t>Camada de dados </a:t>
             </a:r>
             <a:r>
-              <a:rPr lang="pt-BR" sz="2300" b="1" dirty="0" smtClean="0">
+              <a:rPr lang="pt-BR" sz="2300" b="1" dirty="0">
                 <a:sym typeface="Wingdings" panose="05000000000000000000" pitchFamily="2" charset="2"/>
               </a:rPr>
               <a:t></a:t>
             </a:r>
             <a:r>
-              <a:rPr lang="pt-BR" sz="2300" dirty="0" smtClean="0"/>
-              <a:t> </a:t>
-            </a:r>
-            <a:r>
               <a:rPr lang="pt-BR" sz="2300" dirty="0"/>
-              <a:t>Banco de dados e sistemas externos;</a:t>
+              <a:t> Banco de dados e sistemas externos;</a:t>
             </a:r>
           </a:p>
           <a:p>
@@ -9854,16 +10054,8 @@
           <a:lstStyle/>
           <a:p>
             <a:r>
-              <a:rPr lang="pt-BR" sz="4000" b="0" dirty="0" smtClean="0"/>
-              <a:t>Resum</a:t>
-            </a:r>
-            <a:r>
               <a:rPr lang="pt-BR" sz="4000" b="0" dirty="0"/>
-              <a:t>o</a:t>
-            </a:r>
-            <a:r>
-              <a:rPr lang="pt-BR" sz="4000" b="0" dirty="0" smtClean="0"/>
-              <a:t>.</a:t>
+              <a:t>Serviços e especificações Java EE.</a:t>
             </a:r>
             <a:endParaRPr lang="pt-BR" sz="4000" dirty="0"/>
           </a:p>
@@ -9955,9 +10147,10 @@
           <a:lstStyle/>
           <a:p>
             <a:r>
-              <a:rPr lang="pt-BR" sz="4000" dirty="0"/>
-              <a:t>EXTRAS:</a:t>
-            </a:r>
+              <a:rPr lang="pt-BR" sz="4000" b="0" dirty="0"/>
+              <a:t>Resumo.</a:t>
+            </a:r>
+            <a:endParaRPr lang="pt-BR" sz="4000" dirty="0"/>
           </a:p>
         </p:txBody>
       </p:sp>
@@ -9996,96 +10189,10 @@
           </a:p>
         </p:txBody>
       </p:sp>
-      <p:sp>
-        <p:nvSpPr>
-          <p:cNvPr id="2" name="Retângulo 1"/>
-          <p:cNvSpPr/>
-          <p:nvPr/>
-        </p:nvSpPr>
-        <p:spPr>
-          <a:xfrm>
-            <a:off x="762000" y="2703016"/>
-            <a:ext cx="7086600" cy="3785652"/>
-          </a:xfrm>
-          <a:prstGeom prst="rect">
-            <a:avLst/>
-          </a:prstGeom>
-        </p:spPr>
-        <p:txBody>
-          <a:bodyPr wrap="square">
-            <a:spAutoFit/>
-          </a:bodyPr>
-          <a:lstStyle/>
-          <a:p>
-            <a:r>
-              <a:rPr lang="pt-BR" sz="2400" b="1" dirty="0"/>
-              <a:t>- Estrutura de controle de decisão.</a:t>
-            </a:r>
-          </a:p>
-          <a:p>
-            <a:r>
-              <a:rPr lang="pt-BR" sz="2400" dirty="0"/>
-              <a:t>	</a:t>
-            </a:r>
-            <a:r>
-              <a:rPr lang="pt-BR" sz="2400" dirty="0">
-                <a:solidFill>
-                  <a:srgbClr val="00B0F0"/>
-                </a:solidFill>
-              </a:rPr>
-              <a:t>https://docs.oracle.com/javase/tutorial/java/nutsandbolts/examples/IfElseDemo.java</a:t>
-            </a:r>
-          </a:p>
-          <a:p>
-            <a:r>
-              <a:rPr lang="pt-BR" sz="2400" dirty="0"/>
-              <a:t>- Estrutura de controle de Fluxo. 	</a:t>
-            </a:r>
-            <a:r>
-              <a:rPr lang="pt-BR" sz="2400" dirty="0">
-                <a:solidFill>
-                  <a:srgbClr val="00B0F0"/>
-                </a:solidFill>
-              </a:rPr>
-              <a:t>https://docs.oracle.com/javase/tutorial/java/nutsandbolts/switch.html</a:t>
-            </a:r>
-          </a:p>
-          <a:p>
-            <a:pPr marL="342900" indent="-342900">
-              <a:buFontTx/>
-              <a:buChar char="-"/>
-            </a:pPr>
-            <a:r>
-              <a:rPr lang="pt-BR" sz="2400" dirty="0"/>
-              <a:t>Controle de interrupção.</a:t>
-            </a:r>
-          </a:p>
-          <a:p>
-            <a:r>
-              <a:rPr lang="pt-BR" sz="2400" dirty="0"/>
-              <a:t>	Interrupção permitem que redirecionemos o fluxo de controle do programa.</a:t>
-            </a:r>
-          </a:p>
-          <a:p>
-            <a:r>
-              <a:rPr lang="pt-BR" sz="2400" dirty="0"/>
-              <a:t>	03 Tipos: break, continue, </a:t>
-            </a:r>
-            <a:r>
-              <a:rPr lang="pt-BR" sz="2400" dirty="0" err="1"/>
-              <a:t>return</a:t>
-            </a:r>
-            <a:r>
-              <a:rPr lang="pt-BR" sz="2400" dirty="0"/>
-              <a:t>.</a:t>
-            </a:r>
-          </a:p>
-        </p:txBody>
-      </p:sp>
     </p:spTree>
     <p:extLst>
       <p:ext uri="{BB962C8B-B14F-4D97-AF65-F5344CB8AC3E}">
-        <p14:creationId xmlns:p14="http://schemas.microsoft.com/office/powerpoint/2010/main" val="1677101322"/>
+        <p14:creationId xmlns:p14="http://schemas.microsoft.com/office/powerpoint/2010/main" val="2027077617"/>
       </p:ext>
     </p:extLst>
   </p:cSld>

--- a/AulasAvancado/src/main/resources/br/com/Aula1/JavaEE.pptx
+++ b/AulasAvancado/src/main/resources/br/com/Aula1/JavaEE.pptx
@@ -5,10 +5,10 @@
     <p:sldMasterId id="2147483648" r:id="rId1"/>
   </p:sldMasterIdLst>
   <p:notesMasterIdLst>
-    <p:notesMasterId r:id="rId13"/>
+    <p:notesMasterId r:id="rId14"/>
   </p:notesMasterIdLst>
   <p:handoutMasterIdLst>
-    <p:handoutMasterId r:id="rId14"/>
+    <p:handoutMasterId r:id="rId15"/>
   </p:handoutMasterIdLst>
   <p:sldIdLst>
     <p:sldId id="257" r:id="rId2"/>
@@ -16,12 +16,13 @@
     <p:sldId id="259" r:id="rId4"/>
     <p:sldId id="283" r:id="rId5"/>
     <p:sldId id="281" r:id="rId6"/>
-    <p:sldId id="273" r:id="rId7"/>
-    <p:sldId id="275" r:id="rId8"/>
-    <p:sldId id="282" r:id="rId9"/>
-    <p:sldId id="284" r:id="rId10"/>
-    <p:sldId id="279" r:id="rId11"/>
-    <p:sldId id="280" r:id="rId12"/>
+    <p:sldId id="285" r:id="rId7"/>
+    <p:sldId id="273" r:id="rId8"/>
+    <p:sldId id="275" r:id="rId9"/>
+    <p:sldId id="286" r:id="rId10"/>
+    <p:sldId id="284" r:id="rId11"/>
+    <p:sldId id="279" r:id="rId12"/>
+    <p:sldId id="280" r:id="rId13"/>
   </p:sldIdLst>
   <p:sldSz cx="9144000" cy="6858000" type="screen4x3"/>
   <p:notesSz cx="6858000" cy="9144000"/>
@@ -120,7 +121,7 @@
   </p:defaultTextStyle>
   <p:extLst>
     <p:ext uri="{EFAFB233-063F-42B5-8137-9DF3F51BA10A}">
-      <p15:sldGuideLst xmlns:p15="http://schemas.microsoft.com/office/powerpoint/2012/main">
+      <p15:sldGuideLst xmlns="" xmlns:p15="http://schemas.microsoft.com/office/powerpoint/2012/main">
         <p15:guide id="1" orient="horz" pos="2160">
           <p15:clr>
             <a:srgbClr val="A4A3A4"/>
@@ -788,65 +789,23 @@
           <a:bodyPr/>
           <a:lstStyle/>
           <a:p>
-            <a:pPr marL="342900" lvl="0" indent="-342900">
+            <a:pPr marL="0" lvl="0" indent="0">
               <a:spcBef>
                 <a:spcPct val="20000"/>
               </a:spcBef>
               <a:buFont typeface="Arial"/>
-              <a:buChar char="•"/>
+              <a:buNone/>
               <a:defRPr lang="pt-BR"/>
             </a:pPr>
-            <a:r>
-              <a:rPr lang="pt-BR" sz="1200" kern="0" dirty="0"/>
-              <a:t>01 - break: Encerra o loop e sai do escopo.</a:t>
-            </a:r>
-          </a:p>
-          <a:p>
-            <a:pPr marL="342900" lvl="0" indent="-342900">
-              <a:spcBef>
-                <a:spcPct val="20000"/>
-              </a:spcBef>
-              <a:buFont typeface="Arial"/>
-              <a:buChar char="•"/>
-              <a:defRPr lang="pt-BR"/>
-            </a:pPr>
-            <a:r>
-              <a:rPr lang="pt-BR" dirty="0"/>
-              <a:t>02 - continue: Quando encontrado, encerra a interação e segue para a próxima interação.</a:t>
-            </a:r>
-          </a:p>
-          <a:p>
-            <a:pPr marL="342900" lvl="0" indent="-342900">
-              <a:spcBef>
-                <a:spcPct val="20000"/>
-              </a:spcBef>
-              <a:buFont typeface="Arial"/>
-              <a:buChar char="•"/>
-              <a:defRPr lang="pt-BR"/>
-            </a:pPr>
-            <a:r>
-              <a:rPr lang="pt-BR" dirty="0"/>
-              <a:t>03 - </a:t>
-            </a:r>
-            <a:r>
-              <a:rPr lang="pt-BR" dirty="0" err="1"/>
-              <a:t>return</a:t>
-            </a:r>
-            <a:r>
-              <a:rPr lang="pt-BR" dirty="0"/>
-              <a:t>: Utilizada para sair de um método. (Está fora do contexto da estrutura de repetição)</a:t>
-            </a:r>
-          </a:p>
-          <a:p>
-            <a:pPr marL="342900" lvl="0" indent="-342900">
-              <a:spcBef>
-                <a:spcPct val="20000"/>
-              </a:spcBef>
-              <a:buFont typeface="Arial"/>
-              <a:buChar char="•"/>
-              <a:defRPr lang="pt-BR"/>
-            </a:pPr>
-            <a:endParaRPr lang="pt-BR" dirty="0"/>
+            <a:endParaRPr lang="pt-BR" sz="1200" b="0" i="0" kern="1200" dirty="0">
+              <a:solidFill>
+                <a:schemeClr val="tx1"/>
+              </a:solidFill>
+              <a:effectLst/>
+              <a:latin typeface="+mn-lt"/>
+              <a:ea typeface="+mn-ea"/>
+              <a:cs typeface="+mn-cs"/>
+            </a:endParaRPr>
           </a:p>
         </p:txBody>
       </p:sp>
@@ -875,6 +834,11 @@
         </p:txBody>
       </p:sp>
     </p:spTree>
+    <p:extLst>
+      <p:ext uri="{BB962C8B-B14F-4D97-AF65-F5344CB8AC3E}">
+        <p14:creationId xmlns:p14="http://schemas.microsoft.com/office/powerpoint/2010/main" val="383213248"/>
+      </p:ext>
+    </p:extLst>
   </p:cSld>
   <p:clrMapOvr>
     <a:masterClrMapping/>
@@ -934,6 +898,56 @@
               <a:buChar char="•"/>
               <a:defRPr lang="pt-BR"/>
             </a:pPr>
+            <a:r>
+              <a:rPr lang="pt-BR" sz="1200" kern="0" dirty="0"/>
+              <a:t>01 - break: Encerra o loop e sai do escopo.</a:t>
+            </a:r>
+          </a:p>
+          <a:p>
+            <a:pPr marL="342900" lvl="0" indent="-342900">
+              <a:spcBef>
+                <a:spcPct val="20000"/>
+              </a:spcBef>
+              <a:buFont typeface="Arial"/>
+              <a:buChar char="•"/>
+              <a:defRPr lang="pt-BR"/>
+            </a:pPr>
+            <a:r>
+              <a:rPr lang="pt-BR" dirty="0"/>
+              <a:t>02 - continue: Quando encontrado, encerra a interação e segue para a próxima interação.</a:t>
+            </a:r>
+          </a:p>
+          <a:p>
+            <a:pPr marL="342900" lvl="0" indent="-342900">
+              <a:spcBef>
+                <a:spcPct val="20000"/>
+              </a:spcBef>
+              <a:buFont typeface="Arial"/>
+              <a:buChar char="•"/>
+              <a:defRPr lang="pt-BR"/>
+            </a:pPr>
+            <a:r>
+              <a:rPr lang="pt-BR" dirty="0"/>
+              <a:t>03 - </a:t>
+            </a:r>
+            <a:r>
+              <a:rPr lang="pt-BR" dirty="0" err="1"/>
+              <a:t>return</a:t>
+            </a:r>
+            <a:r>
+              <a:rPr lang="pt-BR" dirty="0"/>
+              <a:t>: Utilizada para sair de um método. (Está fora do contexto da estrutura de repetição)</a:t>
+            </a:r>
+          </a:p>
+          <a:p>
+            <a:pPr marL="342900" lvl="0" indent="-342900">
+              <a:spcBef>
+                <a:spcPct val="20000"/>
+              </a:spcBef>
+              <a:buFont typeface="Arial"/>
+              <a:buChar char="•"/>
+              <a:defRPr lang="pt-BR"/>
+            </a:pPr>
             <a:endParaRPr lang="pt-BR" dirty="0"/>
           </a:p>
         </p:txBody>
@@ -957,6 +971,94 @@
               <a:rPr lang="pt-BR" smtClean="0"/>
               <a:pPr/>
               <a:t>11</a:t>
+            </a:fld>
+            <a:endParaRPr lang="pt-BR"/>
+          </a:p>
+        </p:txBody>
+      </p:sp>
+    </p:spTree>
+  </p:cSld>
+  <p:clrMapOvr>
+    <a:masterClrMapping/>
+  </p:clrMapOvr>
+</p:notes>
+</file>
+
+<file path=ppt/notesSlides/notesSlide12.xml><?xml version="1.0" encoding="utf-8"?>
+<p:notes xmlns:a="http://schemas.openxmlformats.org/drawingml/2006/main" xmlns:r="http://schemas.openxmlformats.org/officeDocument/2006/relationships" xmlns:p="http://schemas.openxmlformats.org/presentationml/2006/main">
+  <p:cSld>
+    <p:spTree>
+      <p:nvGrpSpPr>
+        <p:cNvPr id="1" name=""/>
+        <p:cNvGrpSpPr/>
+        <p:nvPr/>
+      </p:nvGrpSpPr>
+      <p:grpSpPr>
+        <a:xfrm>
+          <a:off x="0" y="0"/>
+          <a:ext cx="0" cy="0"/>
+          <a:chOff x="0" y="0"/>
+          <a:chExt cx="0" cy="0"/>
+        </a:xfrm>
+      </p:grpSpPr>
+      <p:sp>
+        <p:nvSpPr>
+          <p:cNvPr id="2" name="Rectangle 2"/>
+          <p:cNvSpPr>
+            <a:spLocks noGrp="1" noRot="1" noChangeAspect="1"/>
+          </p:cNvSpPr>
+          <p:nvPr>
+            <p:ph type="sldImg"/>
+          </p:nvPr>
+        </p:nvSpPr>
+        <p:spPr/>
+      </p:sp>
+      <p:sp>
+        <p:nvSpPr>
+          <p:cNvPr id="3" name="Rectangle 3"/>
+          <p:cNvSpPr>
+            <a:spLocks noGrp="1"/>
+          </p:cNvSpPr>
+          <p:nvPr>
+            <p:ph type="body" idx="1"/>
+          </p:nvPr>
+        </p:nvSpPr>
+        <p:spPr/>
+        <p:txBody>
+          <a:bodyPr/>
+          <a:lstStyle/>
+          <a:p>
+            <a:pPr marL="342900" lvl="0" indent="-342900">
+              <a:spcBef>
+                <a:spcPct val="20000"/>
+              </a:spcBef>
+              <a:buFont typeface="Arial"/>
+              <a:buChar char="•"/>
+              <a:defRPr lang="pt-BR"/>
+            </a:pPr>
+            <a:endParaRPr lang="pt-BR" dirty="0"/>
+          </a:p>
+        </p:txBody>
+      </p:sp>
+      <p:sp>
+        <p:nvSpPr>
+          <p:cNvPr id="4" name="Rectangle 4"/>
+          <p:cNvSpPr>
+            <a:spLocks noGrp="1"/>
+          </p:cNvSpPr>
+          <p:nvPr>
+            <p:ph type="sldNum" sz="quarter" idx="10"/>
+          </p:nvPr>
+        </p:nvSpPr>
+        <p:spPr/>
+        <p:txBody>
+          <a:bodyPr/>
+          <a:lstStyle/>
+          <a:p>
+            <a:fld id="{61807874-5299-41B2-A37A-6AA3547857F4}" type="slidenum">
+              <a:rPr lang="pt-BR" smtClean="0"/>
+              <a:pPr/>
+              <a:t>12</a:t>
             </a:fld>
             <a:endParaRPr lang="pt-BR"/>
           </a:p>
@@ -1852,235 +1954,6 @@
               <a:tabLst/>
               <a:defRPr/>
             </a:pPr>
-            <a:r>
-              <a:rPr lang="pt-BR" sz="1200" kern="0" dirty="0"/>
-              <a:t>O</a:t>
-            </a:r>
-            <a:r>
-              <a:rPr lang="pt-BR" sz="1200" kern="0" baseline="0" dirty="0"/>
-              <a:t> que é um Framework </a:t>
-            </a:r>
-            <a:r>
-              <a:rPr lang="pt-BR" sz="1200" dirty="0"/>
-              <a:t>?</a:t>
-            </a:r>
-          </a:p>
-          <a:p>
-            <a:pPr marL="0" marR="0" lvl="0" indent="0" algn="l" defTabSz="914400" rtl="0" eaLnBrk="1" fontAlgn="auto" latinLnBrk="0" hangingPunct="1">
-              <a:lnSpc>
-                <a:spcPct val="100000"/>
-              </a:lnSpc>
-              <a:spcBef>
-                <a:spcPts val="0"/>
-              </a:spcBef>
-              <a:spcAft>
-                <a:spcPts val="0"/>
-              </a:spcAft>
-              <a:buClrTx/>
-              <a:buSzTx/>
-              <a:buFontTx/>
-              <a:buNone/>
-              <a:tabLst/>
-              <a:defRPr/>
-            </a:pPr>
-            <a:r>
-              <a:rPr lang="pt-BR" sz="1200" kern="0" dirty="0"/>
-              <a:t>O que</a:t>
-            </a:r>
-            <a:r>
-              <a:rPr lang="pt-BR" sz="1200" kern="0" baseline="0" dirty="0"/>
-              <a:t> é uma API </a:t>
-            </a:r>
-            <a:r>
-              <a:rPr lang="pt-BR" sz="1200" dirty="0"/>
-              <a:t>?</a:t>
-            </a:r>
-            <a:endParaRPr lang="pt-BR" sz="1200" kern="0" dirty="0"/>
-          </a:p>
-          <a:p>
-            <a:pPr marL="0" marR="0" lvl="0" indent="0" algn="l" defTabSz="914400" rtl="0" eaLnBrk="1" fontAlgn="auto" latinLnBrk="0" hangingPunct="1">
-              <a:lnSpc>
-                <a:spcPct val="100000"/>
-              </a:lnSpc>
-              <a:spcBef>
-                <a:spcPts val="0"/>
-              </a:spcBef>
-              <a:spcAft>
-                <a:spcPts val="0"/>
-              </a:spcAft>
-              <a:buClrTx/>
-              <a:buSzTx/>
-              <a:buFontTx/>
-              <a:buNone/>
-              <a:tabLst/>
-              <a:defRPr/>
-            </a:pPr>
-            <a:r>
-              <a:rPr lang="pt-BR" sz="1200" kern="0" dirty="0"/>
-              <a:t>Chamar atenção</a:t>
-            </a:r>
-            <a:r>
-              <a:rPr lang="pt-BR" sz="1200" kern="0" baseline="0" dirty="0"/>
-              <a:t> para a importância desse ponto para o mercado de trabalho.</a:t>
-            </a:r>
-          </a:p>
-          <a:p>
-            <a:pPr marL="0" marR="0" lvl="0" indent="0" algn="l" defTabSz="914400" rtl="0" eaLnBrk="1" fontAlgn="auto" latinLnBrk="0" hangingPunct="1">
-              <a:lnSpc>
-                <a:spcPct val="100000"/>
-              </a:lnSpc>
-              <a:spcBef>
-                <a:spcPts val="0"/>
-              </a:spcBef>
-              <a:spcAft>
-                <a:spcPts val="0"/>
-              </a:spcAft>
-              <a:buClrTx/>
-              <a:buSzTx/>
-              <a:buFontTx/>
-              <a:buNone/>
-              <a:tabLst/>
-              <a:defRPr/>
-            </a:pPr>
-            <a:endParaRPr lang="pt-BR" sz="1200" kern="0" baseline="0" dirty="0"/>
-          </a:p>
-          <a:p>
-            <a:pPr marL="0" marR="0" lvl="0" indent="0" algn="l" defTabSz="914400" rtl="0" eaLnBrk="1" fontAlgn="auto" latinLnBrk="0" hangingPunct="1">
-              <a:lnSpc>
-                <a:spcPct val="100000"/>
-              </a:lnSpc>
-              <a:spcBef>
-                <a:spcPts val="0"/>
-              </a:spcBef>
-              <a:spcAft>
-                <a:spcPts val="0"/>
-              </a:spcAft>
-              <a:buClrTx/>
-              <a:buSzTx/>
-              <a:buFontTx/>
-              <a:buNone/>
-              <a:tabLst/>
-              <a:defRPr/>
-            </a:pPr>
-            <a:r>
-              <a:rPr lang="pt-BR" sz="1200" kern="0" baseline="0" dirty="0"/>
-              <a:t>Camada web ou front: JSF, JSP, JSTL, JAVA SERVLETS</a:t>
-            </a:r>
-          </a:p>
-          <a:p>
-            <a:pPr marL="0" marR="0" lvl="0" indent="0" algn="l" defTabSz="914400" rtl="0" eaLnBrk="1" fontAlgn="auto" latinLnBrk="0" hangingPunct="1">
-              <a:lnSpc>
-                <a:spcPct val="100000"/>
-              </a:lnSpc>
-              <a:spcBef>
-                <a:spcPts val="0"/>
-              </a:spcBef>
-              <a:spcAft>
-                <a:spcPts val="0"/>
-              </a:spcAft>
-              <a:buClrTx/>
-              <a:buSzTx/>
-              <a:buFontTx/>
-              <a:buNone/>
-              <a:tabLst/>
-              <a:defRPr/>
-            </a:pPr>
-            <a:r>
-              <a:rPr lang="pt-BR" sz="1200" kern="0" baseline="0" dirty="0"/>
-              <a:t>Camada de negócios: EJB</a:t>
-            </a:r>
-          </a:p>
-          <a:p>
-            <a:pPr marL="0" marR="0" lvl="0" indent="0" algn="l" defTabSz="914400" rtl="0" eaLnBrk="1" fontAlgn="auto" latinLnBrk="0" hangingPunct="1">
-              <a:lnSpc>
-                <a:spcPct val="100000"/>
-              </a:lnSpc>
-              <a:spcBef>
-                <a:spcPts val="0"/>
-              </a:spcBef>
-              <a:spcAft>
-                <a:spcPts val="0"/>
-              </a:spcAft>
-              <a:buClrTx/>
-              <a:buSzTx/>
-              <a:buFontTx/>
-              <a:buNone/>
-              <a:tabLst/>
-              <a:defRPr/>
-            </a:pPr>
-            <a:r>
-              <a:rPr lang="pt-BR" sz="1200" kern="0" dirty="0"/>
-              <a:t>Camada de persistência: JPA, JTA, JDBC</a:t>
-            </a:r>
-          </a:p>
-          <a:p>
-            <a:pPr marL="0" marR="0" lvl="0" indent="0" algn="l" defTabSz="914400" rtl="0" eaLnBrk="1" fontAlgn="auto" latinLnBrk="0" hangingPunct="1">
-              <a:lnSpc>
-                <a:spcPct val="100000"/>
-              </a:lnSpc>
-              <a:spcBef>
-                <a:spcPts val="0"/>
-              </a:spcBef>
-              <a:spcAft>
-                <a:spcPts val="0"/>
-              </a:spcAft>
-              <a:buClrTx/>
-              <a:buSzTx/>
-              <a:buFontTx/>
-              <a:buNone/>
-              <a:tabLst/>
-              <a:defRPr/>
-            </a:pPr>
-            <a:r>
-              <a:rPr lang="pt-BR" sz="1200" kern="0" baseline="0" dirty="0"/>
-              <a:t>Camada de serviço: JAX-RS</a:t>
-            </a:r>
-          </a:p>
-          <a:p>
-            <a:pPr marL="0" marR="0" lvl="0" indent="0" algn="l" defTabSz="914400" rtl="0" eaLnBrk="1" fontAlgn="auto" latinLnBrk="0" hangingPunct="1">
-              <a:lnSpc>
-                <a:spcPct val="100000"/>
-              </a:lnSpc>
-              <a:spcBef>
-                <a:spcPts val="0"/>
-              </a:spcBef>
-              <a:spcAft>
-                <a:spcPts val="0"/>
-              </a:spcAft>
-              <a:buClrTx/>
-              <a:buSzTx/>
-              <a:buFontTx/>
-              <a:buNone/>
-              <a:tabLst/>
-              <a:defRPr/>
-            </a:pPr>
-            <a:r>
-              <a:rPr lang="pt-BR" sz="1200" kern="0" baseline="0" dirty="0"/>
-              <a:t>Camada de validação: JAVA BENS VALIDATION</a:t>
-            </a:r>
-          </a:p>
-          <a:p>
-            <a:pPr marL="0" marR="0" lvl="0" indent="0" algn="l" defTabSz="914400" rtl="0" eaLnBrk="1" fontAlgn="auto" latinLnBrk="0" hangingPunct="1">
-              <a:lnSpc>
-                <a:spcPct val="100000"/>
-              </a:lnSpc>
-              <a:spcBef>
-                <a:spcPts val="0"/>
-              </a:spcBef>
-              <a:spcAft>
-                <a:spcPts val="0"/>
-              </a:spcAft>
-              <a:buClrTx/>
-              <a:buSzTx/>
-              <a:buFontTx/>
-              <a:buNone/>
-              <a:tabLst/>
-              <a:defRPr/>
-            </a:pPr>
-            <a:r>
-              <a:rPr lang="pt-BR" sz="1200" kern="0" baseline="0" dirty="0"/>
-              <a:t>Segurança: JAAS</a:t>
-            </a:r>
             <a:endParaRPr lang="pt-BR" sz="1200" kern="0" dirty="0"/>
           </a:p>
         </p:txBody>
@@ -2161,350 +2034,253 @@
           <a:bodyPr/>
           <a:lstStyle/>
           <a:p>
-            <a:pPr marL="1257300" lvl="2" indent="-342900">
+            <a:pPr marL="0" marR="0" lvl="0" indent="0" algn="l" defTabSz="914400" rtl="0" eaLnBrk="1" fontAlgn="auto" latinLnBrk="0" hangingPunct="1">
+              <a:lnSpc>
+                <a:spcPct val="100000"/>
+              </a:lnSpc>
               <a:spcBef>
-                <a:spcPct val="20000"/>
+                <a:spcPts val="0"/>
               </a:spcBef>
-              <a:buFont typeface="Arial"/>
-              <a:buChar char="•"/>
-              <a:defRPr lang="pt-BR"/>
+              <a:spcAft>
+                <a:spcPts val="0"/>
+              </a:spcAft>
+              <a:buClrTx/>
+              <a:buSzTx/>
+              <a:buFontTx/>
+              <a:buNone/>
+              <a:tabLst/>
+              <a:defRPr/>
             </a:pPr>
             <a:r>
-              <a:rPr lang="pt-BR" sz="1000" b="0" i="0" kern="1200" dirty="0">
-                <a:solidFill>
-                  <a:schemeClr val="tx1"/>
-                </a:solidFill>
-                <a:effectLst/>
-                <a:latin typeface="+mn-lt"/>
-                <a:ea typeface="+mn-ea"/>
-                <a:cs typeface="+mn-cs"/>
-              </a:rPr>
-              <a:t>É</a:t>
-            </a:r>
-            <a:r>
-              <a:rPr lang="pt-BR" sz="1000" b="0" i="0" kern="1200" baseline="0" dirty="0">
-                <a:solidFill>
-                  <a:schemeClr val="tx1"/>
-                </a:solidFill>
-                <a:effectLst/>
-                <a:latin typeface="+mn-lt"/>
-                <a:ea typeface="+mn-ea"/>
-                <a:cs typeface="+mn-cs"/>
-              </a:rPr>
-              <a:t> IMPORTANDE ENTENDER AS CAMADAS !</a:t>
-            </a:r>
-            <a:endParaRPr lang="pt-BR" sz="1000" b="0" i="0" kern="1200" dirty="0">
-              <a:solidFill>
-                <a:schemeClr val="tx1"/>
-              </a:solidFill>
-              <a:effectLst/>
-              <a:latin typeface="+mn-lt"/>
-              <a:ea typeface="+mn-ea"/>
-              <a:cs typeface="+mn-cs"/>
-            </a:endParaRPr>
-          </a:p>
-          <a:p>
-            <a:pPr marL="342900" lvl="0" indent="-342900">
+              <a:rPr lang="pt-BR" sz="1200" kern="0" dirty="0"/>
+              <a:t>O</a:t>
+            </a:r>
+            <a:r>
+              <a:rPr lang="pt-BR" sz="1200" kern="0" baseline="0" dirty="0"/>
+              <a:t> que é um Framework </a:t>
+            </a:r>
+            <a:r>
+              <a:rPr lang="pt-BR" sz="1200" dirty="0"/>
+              <a:t>?</a:t>
+            </a:r>
+          </a:p>
+          <a:p>
+            <a:pPr marL="0" marR="0" lvl="0" indent="0" algn="l" defTabSz="914400" rtl="0" eaLnBrk="1" fontAlgn="auto" latinLnBrk="0" hangingPunct="1">
+              <a:lnSpc>
+                <a:spcPct val="100000"/>
+              </a:lnSpc>
               <a:spcBef>
-                <a:spcPct val="20000"/>
+                <a:spcPts val="0"/>
               </a:spcBef>
-              <a:buFont typeface="Arial"/>
-              <a:buChar char="•"/>
-              <a:defRPr lang="pt-BR"/>
+              <a:spcAft>
+                <a:spcPts val="0"/>
+              </a:spcAft>
+              <a:buClrTx/>
+              <a:buSzTx/>
+              <a:buFontTx/>
+              <a:buNone/>
+              <a:tabLst/>
+              <a:defRPr/>
             </a:pPr>
             <a:r>
-              <a:rPr lang="pt-BR" sz="1000" b="0" i="0" kern="1200" dirty="0">
-                <a:solidFill>
-                  <a:schemeClr val="tx1"/>
-                </a:solidFill>
-                <a:effectLst/>
-                <a:latin typeface="+mn-lt"/>
-                <a:ea typeface="+mn-ea"/>
-                <a:cs typeface="+mn-cs"/>
-              </a:rPr>
-              <a:t>Cliente: Estão na camada cliente softwares que rodam dentro do browser web, por exemplo, como páginas HTML, </a:t>
-            </a:r>
-            <a:r>
-              <a:rPr lang="pt-BR" sz="1000" b="0" i="0" kern="1200" dirty="0" err="1">
-                <a:solidFill>
-                  <a:schemeClr val="tx1"/>
-                </a:solidFill>
-                <a:effectLst/>
-                <a:latin typeface="+mn-lt"/>
-                <a:ea typeface="+mn-ea"/>
-                <a:cs typeface="+mn-cs"/>
-              </a:rPr>
-              <a:t>JavaScript</a:t>
-            </a:r>
-            <a:r>
-              <a:rPr lang="pt-BR" sz="1000" b="0" i="0" kern="1200" dirty="0">
-                <a:solidFill>
-                  <a:schemeClr val="tx1"/>
-                </a:solidFill>
-                <a:effectLst/>
-                <a:latin typeface="+mn-lt"/>
-                <a:ea typeface="+mn-ea"/>
-                <a:cs typeface="+mn-cs"/>
-              </a:rPr>
-              <a:t>, CSS, etc. </a:t>
-            </a:r>
-          </a:p>
-          <a:p>
-            <a:pPr marL="342900" lvl="0" indent="-342900">
+              <a:rPr lang="pt-BR" sz="1200" kern="0" dirty="0"/>
+              <a:t>O que</a:t>
+            </a:r>
+            <a:r>
+              <a:rPr lang="pt-BR" sz="1200" kern="0" baseline="0" dirty="0"/>
+              <a:t> é uma API </a:t>
+            </a:r>
+            <a:r>
+              <a:rPr lang="pt-BR" sz="1200" dirty="0"/>
+              <a:t>?</a:t>
+            </a:r>
+            <a:endParaRPr lang="pt-BR" sz="1200" kern="0" dirty="0"/>
+          </a:p>
+          <a:p>
+            <a:pPr marL="0" marR="0" lvl="0" indent="0" algn="l" defTabSz="914400" rtl="0" eaLnBrk="1" fontAlgn="auto" latinLnBrk="0" hangingPunct="1">
+              <a:lnSpc>
+                <a:spcPct val="100000"/>
+              </a:lnSpc>
               <a:spcBef>
-                <a:spcPct val="20000"/>
+                <a:spcPts val="0"/>
               </a:spcBef>
-              <a:buFont typeface="Arial"/>
-              <a:buChar char="•"/>
-              <a:defRPr lang="pt-BR"/>
+              <a:spcAft>
+                <a:spcPts val="0"/>
+              </a:spcAft>
+              <a:buClrTx/>
+              <a:buSzTx/>
+              <a:buFontTx/>
+              <a:buNone/>
+              <a:tabLst/>
+              <a:defRPr/>
             </a:pPr>
             <a:r>
-              <a:rPr lang="pt-BR" sz="1000" dirty="0"/>
-              <a:t>Web: </a:t>
-            </a:r>
-            <a:r>
-              <a:rPr lang="pt-BR" sz="1200" b="0" i="0" kern="1200" dirty="0">
-                <a:solidFill>
-                  <a:schemeClr val="tx1"/>
-                </a:solidFill>
-                <a:effectLst/>
-                <a:latin typeface="+mn-lt"/>
-                <a:ea typeface="+mn-ea"/>
-                <a:cs typeface="+mn-cs"/>
-              </a:rPr>
-              <a:t>Nessa camada estão os </a:t>
-            </a:r>
-            <a:r>
-              <a:rPr lang="pt-BR" sz="1200" b="0" i="0" kern="1200" dirty="0" err="1">
-                <a:solidFill>
-                  <a:schemeClr val="tx1"/>
-                </a:solidFill>
-                <a:effectLst/>
-                <a:latin typeface="+mn-lt"/>
-                <a:ea typeface="+mn-ea"/>
-                <a:cs typeface="+mn-cs"/>
-              </a:rPr>
-              <a:t>JSPs</a:t>
-            </a:r>
-            <a:r>
-              <a:rPr lang="pt-BR" sz="1200" b="0" i="0" kern="1200" dirty="0">
-                <a:solidFill>
-                  <a:schemeClr val="tx1"/>
-                </a:solidFill>
-                <a:effectLst/>
-                <a:latin typeface="+mn-lt"/>
-                <a:ea typeface="+mn-ea"/>
-                <a:cs typeface="+mn-cs"/>
-              </a:rPr>
-              <a:t>, </a:t>
-            </a:r>
-            <a:r>
-              <a:rPr lang="pt-BR" sz="1200" b="0" i="0" kern="1200" dirty="0" err="1">
-                <a:solidFill>
-                  <a:schemeClr val="tx1"/>
-                </a:solidFill>
-                <a:effectLst/>
-                <a:latin typeface="+mn-lt"/>
-                <a:ea typeface="+mn-ea"/>
-                <a:cs typeface="+mn-cs"/>
-              </a:rPr>
-              <a:t>servlets</a:t>
-            </a:r>
-            <a:r>
-              <a:rPr lang="pt-BR" sz="1200" b="0" i="0" kern="1200" dirty="0">
-                <a:solidFill>
-                  <a:schemeClr val="tx1"/>
-                </a:solidFill>
-                <a:effectLst/>
-                <a:latin typeface="+mn-lt"/>
-                <a:ea typeface="+mn-ea"/>
-                <a:cs typeface="+mn-cs"/>
-              </a:rPr>
-              <a:t>, rodam num servidor web como o </a:t>
-            </a:r>
-            <a:r>
-              <a:rPr lang="pt-BR" sz="1200" b="0" i="0" kern="1200" dirty="0" err="1">
-                <a:solidFill>
-                  <a:schemeClr val="tx1"/>
-                </a:solidFill>
-                <a:effectLst/>
-                <a:latin typeface="+mn-lt"/>
-                <a:ea typeface="+mn-ea"/>
-                <a:cs typeface="+mn-cs"/>
-              </a:rPr>
-              <a:t>Tomcat</a:t>
-            </a:r>
-            <a:r>
-              <a:rPr lang="pt-BR" sz="1200" b="0" i="0" kern="1200" dirty="0">
-                <a:solidFill>
-                  <a:schemeClr val="tx1"/>
-                </a:solidFill>
-                <a:effectLst/>
-                <a:latin typeface="+mn-lt"/>
-                <a:ea typeface="+mn-ea"/>
-                <a:cs typeface="+mn-cs"/>
-              </a:rPr>
-              <a:t>, por exemplo. Normalmente, empacotado em um arquivo WAR (Web </a:t>
-            </a:r>
-            <a:r>
-              <a:rPr lang="pt-BR" sz="1200" b="0" i="0" kern="1200" dirty="0" err="1">
-                <a:solidFill>
-                  <a:schemeClr val="tx1"/>
-                </a:solidFill>
-                <a:effectLst/>
-                <a:latin typeface="+mn-lt"/>
-                <a:ea typeface="+mn-ea"/>
-                <a:cs typeface="+mn-cs"/>
-              </a:rPr>
-              <a:t>Archive</a:t>
-            </a:r>
-            <a:r>
-              <a:rPr lang="pt-BR" sz="1200" b="0" i="0" kern="1200" dirty="0">
-                <a:solidFill>
-                  <a:schemeClr val="tx1"/>
-                </a:solidFill>
-                <a:effectLst/>
-                <a:latin typeface="+mn-lt"/>
-                <a:ea typeface="+mn-ea"/>
-                <a:cs typeface="+mn-cs"/>
-              </a:rPr>
-              <a:t>).</a:t>
-            </a:r>
-          </a:p>
-          <a:p>
-            <a:pPr marL="342900" lvl="0" indent="-342900">
+              <a:rPr lang="pt-BR" sz="1200" kern="0" dirty="0"/>
+              <a:t>Chamar atenção</a:t>
+            </a:r>
+            <a:r>
+              <a:rPr lang="pt-BR" sz="1200" kern="0" baseline="0" dirty="0"/>
+              <a:t> para a importância desse ponto para o mercado de trabalho.</a:t>
+            </a:r>
+          </a:p>
+          <a:p>
+            <a:pPr marL="0" marR="0" lvl="0" indent="0" algn="l" defTabSz="914400" rtl="0" eaLnBrk="1" fontAlgn="auto" latinLnBrk="0" hangingPunct="1">
+              <a:lnSpc>
+                <a:spcPct val="100000"/>
+              </a:lnSpc>
               <a:spcBef>
-                <a:spcPct val="20000"/>
+                <a:spcPts val="0"/>
               </a:spcBef>
-              <a:buFont typeface="Arial"/>
-              <a:buChar char="•"/>
-              <a:defRPr lang="pt-BR"/>
+              <a:spcAft>
+                <a:spcPts val="0"/>
+              </a:spcAft>
+              <a:buClrTx/>
+              <a:buSzTx/>
+              <a:buFontTx/>
+              <a:buNone/>
+              <a:tabLst/>
+              <a:defRPr/>
             </a:pPr>
-            <a:r>
-              <a:rPr lang="pt-BR" sz="1200" b="0" i="0" kern="1200" dirty="0">
-                <a:solidFill>
-                  <a:schemeClr val="tx1"/>
-                </a:solidFill>
-                <a:effectLst/>
-                <a:latin typeface="+mn-lt"/>
-                <a:ea typeface="+mn-ea"/>
-                <a:cs typeface="+mn-cs"/>
-              </a:rPr>
-              <a:t>Negócios:</a:t>
-            </a:r>
-            <a:r>
-              <a:rPr lang="pt-BR" sz="1200" b="0" i="0" kern="1200" baseline="0" dirty="0">
-                <a:solidFill>
-                  <a:schemeClr val="tx1"/>
-                </a:solidFill>
-                <a:effectLst/>
-                <a:latin typeface="+mn-lt"/>
-                <a:ea typeface="+mn-ea"/>
-                <a:cs typeface="+mn-cs"/>
-              </a:rPr>
-              <a:t> </a:t>
-            </a:r>
-            <a:r>
-              <a:rPr lang="pt-BR" sz="1200" b="0" i="0" kern="1200" dirty="0">
-                <a:solidFill>
-                  <a:schemeClr val="tx1"/>
-                </a:solidFill>
-                <a:effectLst/>
-                <a:latin typeface="+mn-lt"/>
-                <a:ea typeface="+mn-ea"/>
-                <a:cs typeface="+mn-cs"/>
-              </a:rPr>
-              <a:t>Nessa camada Ficam os </a:t>
-            </a:r>
-            <a:r>
-              <a:rPr lang="pt-BR" sz="1200" b="0" i="0" kern="1200" dirty="0" err="1">
-                <a:solidFill>
-                  <a:schemeClr val="tx1"/>
-                </a:solidFill>
-                <a:effectLst/>
-                <a:latin typeface="+mn-lt"/>
-                <a:ea typeface="+mn-ea"/>
-                <a:cs typeface="+mn-cs"/>
-              </a:rPr>
-              <a:t>EJBs</a:t>
-            </a:r>
-            <a:r>
-              <a:rPr lang="pt-BR" sz="1200" b="0" i="0" kern="1200" dirty="0">
-                <a:solidFill>
-                  <a:schemeClr val="tx1"/>
-                </a:solidFill>
-                <a:effectLst/>
-                <a:latin typeface="+mn-lt"/>
-                <a:ea typeface="+mn-ea"/>
-                <a:cs typeface="+mn-cs"/>
-              </a:rPr>
-              <a:t>, classes de negócio, </a:t>
-            </a:r>
-            <a:r>
-              <a:rPr lang="pt-BR" sz="1200" b="0" i="0" kern="1200" dirty="0" err="1">
-                <a:solidFill>
-                  <a:schemeClr val="tx1"/>
-                </a:solidFill>
-                <a:effectLst/>
-                <a:latin typeface="+mn-lt"/>
-                <a:ea typeface="+mn-ea"/>
-                <a:cs typeface="+mn-cs"/>
-              </a:rPr>
-              <a:t>DAOs</a:t>
-            </a:r>
-            <a:r>
-              <a:rPr lang="pt-BR" sz="1200" b="0" i="0" kern="1200" dirty="0">
-                <a:solidFill>
-                  <a:schemeClr val="tx1"/>
-                </a:solidFill>
-                <a:effectLst/>
-                <a:latin typeface="+mn-lt"/>
-                <a:ea typeface="+mn-ea"/>
-                <a:cs typeface="+mn-cs"/>
-              </a:rPr>
-              <a:t>, classes que acessam sistemas externos, etc.</a:t>
-            </a:r>
-          </a:p>
-          <a:p>
-            <a:pPr marL="342900" lvl="0" indent="-342900">
+            <a:endParaRPr lang="pt-BR" sz="1200" kern="0" baseline="0" dirty="0"/>
+          </a:p>
+          <a:p>
+            <a:pPr marL="0" marR="0" lvl="0" indent="0" algn="l" defTabSz="914400" rtl="0" eaLnBrk="1" fontAlgn="auto" latinLnBrk="0" hangingPunct="1">
+              <a:lnSpc>
+                <a:spcPct val="100000"/>
+              </a:lnSpc>
               <a:spcBef>
-                <a:spcPct val="20000"/>
+                <a:spcPts val="0"/>
               </a:spcBef>
-              <a:buFont typeface="Arial"/>
-              <a:buChar char="•"/>
-              <a:defRPr lang="pt-BR"/>
+              <a:spcAft>
+                <a:spcPts val="0"/>
+              </a:spcAft>
+              <a:buClrTx/>
+              <a:buSzTx/>
+              <a:buFontTx/>
+              <a:buNone/>
+              <a:tabLst/>
+              <a:defRPr/>
             </a:pPr>
             <a:r>
-              <a:rPr lang="pt-BR" sz="1200" b="0" i="0" kern="1200" dirty="0">
-                <a:solidFill>
-                  <a:schemeClr val="tx1"/>
-                </a:solidFill>
-                <a:effectLst/>
-                <a:latin typeface="+mn-lt"/>
-                <a:ea typeface="+mn-ea"/>
-                <a:cs typeface="+mn-cs"/>
-              </a:rPr>
-              <a:t>Dados: Nessa camada ficam as tabelas de bancos de dados, índices e tudo mais que o servidor de banco suporta. </a:t>
-            </a:r>
-          </a:p>
-          <a:p>
-            <a:pPr marL="0" lvl="0" indent="0">
+              <a:rPr lang="pt-BR" sz="1200" kern="0" baseline="0" dirty="0"/>
+              <a:t>Camada web ou front: JSF, JSP, JSTL, JAVA SERVLETS</a:t>
+            </a:r>
+          </a:p>
+          <a:p>
+            <a:pPr marL="0" marR="0" lvl="0" indent="0" algn="l" defTabSz="914400" rtl="0" eaLnBrk="1" fontAlgn="auto" latinLnBrk="0" hangingPunct="1">
+              <a:lnSpc>
+                <a:spcPct val="100000"/>
+              </a:lnSpc>
               <a:spcBef>
-                <a:spcPct val="20000"/>
+                <a:spcPts val="0"/>
               </a:spcBef>
-              <a:buFont typeface="Arial"/>
+              <a:spcAft>
+                <a:spcPts val="0"/>
+              </a:spcAft>
+              <a:buClrTx/>
+              <a:buSzTx/>
+              <a:buFontTx/>
               <a:buNone/>
-              <a:defRPr lang="pt-BR"/>
+              <a:tabLst/>
+              <a:defRPr/>
             </a:pPr>
-            <a:endParaRPr lang="pt-BR" sz="1200" b="0" i="0" kern="1200" dirty="0">
-              <a:solidFill>
-                <a:schemeClr val="tx1"/>
-              </a:solidFill>
-              <a:effectLst/>
-              <a:latin typeface="+mn-lt"/>
-              <a:ea typeface="+mn-ea"/>
-              <a:cs typeface="+mn-cs"/>
-            </a:endParaRPr>
+            <a:r>
+              <a:rPr lang="pt-BR" sz="1200" kern="0" baseline="0" dirty="0"/>
+              <a:t>Camada de negócios: EJB</a:t>
+            </a:r>
+          </a:p>
+          <a:p>
+            <a:pPr marL="0" marR="0" lvl="0" indent="0" algn="l" defTabSz="914400" rtl="0" eaLnBrk="1" fontAlgn="auto" latinLnBrk="0" hangingPunct="1">
+              <a:lnSpc>
+                <a:spcPct val="100000"/>
+              </a:lnSpc>
+              <a:spcBef>
+                <a:spcPts val="0"/>
+              </a:spcBef>
+              <a:spcAft>
+                <a:spcPts val="0"/>
+              </a:spcAft>
+              <a:buClrTx/>
+              <a:buSzTx/>
+              <a:buFontTx/>
+              <a:buNone/>
+              <a:tabLst/>
+              <a:defRPr/>
+            </a:pPr>
+            <a:r>
+              <a:rPr lang="pt-BR" sz="1200" kern="0" dirty="0"/>
+              <a:t>Camada de persistência: JPA, JTA, JDBC</a:t>
+            </a:r>
+          </a:p>
+          <a:p>
+            <a:pPr marL="0" marR="0" lvl="0" indent="0" algn="l" defTabSz="914400" rtl="0" eaLnBrk="1" fontAlgn="auto" latinLnBrk="0" hangingPunct="1">
+              <a:lnSpc>
+                <a:spcPct val="100000"/>
+              </a:lnSpc>
+              <a:spcBef>
+                <a:spcPts val="0"/>
+              </a:spcBef>
+              <a:spcAft>
+                <a:spcPts val="0"/>
+              </a:spcAft>
+              <a:buClrTx/>
+              <a:buSzTx/>
+              <a:buFontTx/>
+              <a:buNone/>
+              <a:tabLst/>
+              <a:defRPr/>
+            </a:pPr>
+            <a:r>
+              <a:rPr lang="pt-BR" sz="1200" kern="0" baseline="0" dirty="0"/>
+              <a:t>Camada de serviço: JAX-RS</a:t>
+            </a:r>
+          </a:p>
+          <a:p>
+            <a:pPr marL="0" marR="0" lvl="0" indent="0" algn="l" defTabSz="914400" rtl="0" eaLnBrk="1" fontAlgn="auto" latinLnBrk="0" hangingPunct="1">
+              <a:lnSpc>
+                <a:spcPct val="100000"/>
+              </a:lnSpc>
+              <a:spcBef>
+                <a:spcPts val="0"/>
+              </a:spcBef>
+              <a:spcAft>
+                <a:spcPts val="0"/>
+              </a:spcAft>
+              <a:buClrTx/>
+              <a:buSzTx/>
+              <a:buFontTx/>
+              <a:buNone/>
+              <a:tabLst/>
+              <a:defRPr/>
+            </a:pPr>
+            <a:r>
+              <a:rPr lang="pt-BR" sz="1200" kern="0" baseline="0" dirty="0"/>
+              <a:t>Camada de validação: JAVA BENS VALIDATION</a:t>
+            </a:r>
+          </a:p>
+          <a:p>
+            <a:pPr marL="0" marR="0" lvl="0" indent="0" algn="l" defTabSz="914400" rtl="0" eaLnBrk="1" fontAlgn="auto" latinLnBrk="0" hangingPunct="1">
+              <a:lnSpc>
+                <a:spcPct val="100000"/>
+              </a:lnSpc>
+              <a:spcBef>
+                <a:spcPts val="0"/>
+              </a:spcBef>
+              <a:spcAft>
+                <a:spcPts val="0"/>
+              </a:spcAft>
+              <a:buClrTx/>
+              <a:buSzTx/>
+              <a:buFontTx/>
+              <a:buNone/>
+              <a:tabLst/>
+              <a:defRPr/>
+            </a:pPr>
+            <a:r>
+              <a:rPr lang="pt-BR" sz="1200" kern="0" baseline="0" dirty="0"/>
+              <a:t>Segurança: JAAS</a:t>
+            </a:r>
+            <a:endParaRPr lang="pt-BR" sz="1200" kern="0" dirty="0"/>
           </a:p>
         </p:txBody>
       </p:sp>
@@ -2584,6 +2360,333 @@
           <a:bodyPr/>
           <a:lstStyle/>
           <a:p>
+            <a:pPr marL="1257300" lvl="2" indent="-342900">
+              <a:spcBef>
+                <a:spcPct val="20000"/>
+              </a:spcBef>
+              <a:buFont typeface="Arial"/>
+              <a:buChar char="•"/>
+              <a:defRPr lang="pt-BR"/>
+            </a:pPr>
+            <a:r>
+              <a:rPr lang="pt-BR" sz="1000" b="0" i="0" kern="1200" dirty="0">
+                <a:solidFill>
+                  <a:schemeClr val="tx1"/>
+                </a:solidFill>
+                <a:effectLst/>
+                <a:latin typeface="+mn-lt"/>
+                <a:ea typeface="+mn-ea"/>
+                <a:cs typeface="+mn-cs"/>
+              </a:rPr>
+              <a:t>É</a:t>
+            </a:r>
+            <a:r>
+              <a:rPr lang="pt-BR" sz="1000" b="0" i="0" kern="1200" baseline="0" dirty="0">
+                <a:solidFill>
+                  <a:schemeClr val="tx1"/>
+                </a:solidFill>
+                <a:effectLst/>
+                <a:latin typeface="+mn-lt"/>
+                <a:ea typeface="+mn-ea"/>
+                <a:cs typeface="+mn-cs"/>
+              </a:rPr>
+              <a:t> IMPORTANDE ENTENDER AS CAMADAS !</a:t>
+            </a:r>
+            <a:endParaRPr lang="pt-BR" sz="1000" b="0" i="0" kern="1200" dirty="0">
+              <a:solidFill>
+                <a:schemeClr val="tx1"/>
+              </a:solidFill>
+              <a:effectLst/>
+              <a:latin typeface="+mn-lt"/>
+              <a:ea typeface="+mn-ea"/>
+              <a:cs typeface="+mn-cs"/>
+            </a:endParaRPr>
+          </a:p>
+          <a:p>
+            <a:pPr marL="342900" lvl="0" indent="-342900">
+              <a:spcBef>
+                <a:spcPct val="20000"/>
+              </a:spcBef>
+              <a:buFont typeface="Arial"/>
+              <a:buChar char="•"/>
+              <a:defRPr lang="pt-BR"/>
+            </a:pPr>
+            <a:r>
+              <a:rPr lang="pt-BR" sz="1000" b="0" i="0" kern="1200" dirty="0">
+                <a:solidFill>
+                  <a:schemeClr val="tx1"/>
+                </a:solidFill>
+                <a:effectLst/>
+                <a:latin typeface="+mn-lt"/>
+                <a:ea typeface="+mn-ea"/>
+                <a:cs typeface="+mn-cs"/>
+              </a:rPr>
+              <a:t>Cliente: Estão na camada cliente softwares que rodam dentro do browser web, por exemplo, como páginas HTML, </a:t>
+            </a:r>
+            <a:r>
+              <a:rPr lang="pt-BR" sz="1000" b="0" i="0" kern="1200" dirty="0" err="1">
+                <a:solidFill>
+                  <a:schemeClr val="tx1"/>
+                </a:solidFill>
+                <a:effectLst/>
+                <a:latin typeface="+mn-lt"/>
+                <a:ea typeface="+mn-ea"/>
+                <a:cs typeface="+mn-cs"/>
+              </a:rPr>
+              <a:t>JavaScript</a:t>
+            </a:r>
+            <a:r>
+              <a:rPr lang="pt-BR" sz="1000" b="0" i="0" kern="1200" dirty="0">
+                <a:solidFill>
+                  <a:schemeClr val="tx1"/>
+                </a:solidFill>
+                <a:effectLst/>
+                <a:latin typeface="+mn-lt"/>
+                <a:ea typeface="+mn-ea"/>
+                <a:cs typeface="+mn-cs"/>
+              </a:rPr>
+              <a:t>, CSS, etc. </a:t>
+            </a:r>
+          </a:p>
+          <a:p>
+            <a:pPr marL="342900" lvl="0" indent="-342900">
+              <a:spcBef>
+                <a:spcPct val="20000"/>
+              </a:spcBef>
+              <a:buFont typeface="Arial"/>
+              <a:buChar char="•"/>
+              <a:defRPr lang="pt-BR"/>
+            </a:pPr>
+            <a:r>
+              <a:rPr lang="pt-BR" sz="1000" dirty="0"/>
+              <a:t>Web: </a:t>
+            </a:r>
+            <a:r>
+              <a:rPr lang="pt-BR" sz="1200" b="0" i="0" kern="1200" dirty="0">
+                <a:solidFill>
+                  <a:schemeClr val="tx1"/>
+                </a:solidFill>
+                <a:effectLst/>
+                <a:latin typeface="+mn-lt"/>
+                <a:ea typeface="+mn-ea"/>
+                <a:cs typeface="+mn-cs"/>
+              </a:rPr>
+              <a:t>Nessa camada estão os </a:t>
+            </a:r>
+            <a:r>
+              <a:rPr lang="pt-BR" sz="1200" b="0" i="0" kern="1200" dirty="0" err="1">
+                <a:solidFill>
+                  <a:schemeClr val="tx1"/>
+                </a:solidFill>
+                <a:effectLst/>
+                <a:latin typeface="+mn-lt"/>
+                <a:ea typeface="+mn-ea"/>
+                <a:cs typeface="+mn-cs"/>
+              </a:rPr>
+              <a:t>JSPs</a:t>
+            </a:r>
+            <a:r>
+              <a:rPr lang="pt-BR" sz="1200" b="0" i="0" kern="1200" dirty="0">
+                <a:solidFill>
+                  <a:schemeClr val="tx1"/>
+                </a:solidFill>
+                <a:effectLst/>
+                <a:latin typeface="+mn-lt"/>
+                <a:ea typeface="+mn-ea"/>
+                <a:cs typeface="+mn-cs"/>
+              </a:rPr>
+              <a:t>, </a:t>
+            </a:r>
+            <a:r>
+              <a:rPr lang="pt-BR" sz="1200" b="0" i="0" kern="1200" dirty="0" err="1">
+                <a:solidFill>
+                  <a:schemeClr val="tx1"/>
+                </a:solidFill>
+                <a:effectLst/>
+                <a:latin typeface="+mn-lt"/>
+                <a:ea typeface="+mn-ea"/>
+                <a:cs typeface="+mn-cs"/>
+              </a:rPr>
+              <a:t>servlets</a:t>
+            </a:r>
+            <a:r>
+              <a:rPr lang="pt-BR" sz="1200" b="0" i="0" kern="1200" dirty="0">
+                <a:solidFill>
+                  <a:schemeClr val="tx1"/>
+                </a:solidFill>
+                <a:effectLst/>
+                <a:latin typeface="+mn-lt"/>
+                <a:ea typeface="+mn-ea"/>
+                <a:cs typeface="+mn-cs"/>
+              </a:rPr>
+              <a:t>, rodam num servidor web como o </a:t>
+            </a:r>
+            <a:r>
+              <a:rPr lang="pt-BR" sz="1200" b="0" i="0" kern="1200" dirty="0" err="1">
+                <a:solidFill>
+                  <a:schemeClr val="tx1"/>
+                </a:solidFill>
+                <a:effectLst/>
+                <a:latin typeface="+mn-lt"/>
+                <a:ea typeface="+mn-ea"/>
+                <a:cs typeface="+mn-cs"/>
+              </a:rPr>
+              <a:t>Tomcat</a:t>
+            </a:r>
+            <a:r>
+              <a:rPr lang="pt-BR" sz="1200" b="0" i="0" kern="1200" dirty="0">
+                <a:solidFill>
+                  <a:schemeClr val="tx1"/>
+                </a:solidFill>
+                <a:effectLst/>
+                <a:latin typeface="+mn-lt"/>
+                <a:ea typeface="+mn-ea"/>
+                <a:cs typeface="+mn-cs"/>
+              </a:rPr>
+              <a:t>, por exemplo. Normalmente, empacotado em um arquivo WAR (Web </a:t>
+            </a:r>
+            <a:r>
+              <a:rPr lang="pt-BR" sz="1200" b="0" i="0" kern="1200" dirty="0" err="1">
+                <a:solidFill>
+                  <a:schemeClr val="tx1"/>
+                </a:solidFill>
+                <a:effectLst/>
+                <a:latin typeface="+mn-lt"/>
+                <a:ea typeface="+mn-ea"/>
+                <a:cs typeface="+mn-cs"/>
+              </a:rPr>
+              <a:t>Archive</a:t>
+            </a:r>
+            <a:r>
+              <a:rPr lang="pt-BR" sz="1200" b="0" i="0" kern="1200" dirty="0">
+                <a:solidFill>
+                  <a:schemeClr val="tx1"/>
+                </a:solidFill>
+                <a:effectLst/>
+                <a:latin typeface="+mn-lt"/>
+                <a:ea typeface="+mn-ea"/>
+                <a:cs typeface="+mn-cs"/>
+              </a:rPr>
+              <a:t>).</a:t>
+            </a:r>
+          </a:p>
+          <a:p>
+            <a:pPr marL="342900" lvl="0" indent="-342900">
+              <a:spcBef>
+                <a:spcPct val="20000"/>
+              </a:spcBef>
+              <a:buFont typeface="Arial"/>
+              <a:buChar char="•"/>
+              <a:defRPr lang="pt-BR"/>
+            </a:pPr>
+            <a:r>
+              <a:rPr lang="pt-BR" sz="1200" b="0" i="0" kern="1200" dirty="0">
+                <a:solidFill>
+                  <a:schemeClr val="tx1"/>
+                </a:solidFill>
+                <a:effectLst/>
+                <a:latin typeface="+mn-lt"/>
+                <a:ea typeface="+mn-ea"/>
+                <a:cs typeface="+mn-cs"/>
+              </a:rPr>
+              <a:t>Negócios:</a:t>
+            </a:r>
+            <a:r>
+              <a:rPr lang="pt-BR" sz="1200" b="0" i="0" kern="1200" baseline="0" dirty="0">
+                <a:solidFill>
+                  <a:schemeClr val="tx1"/>
+                </a:solidFill>
+                <a:effectLst/>
+                <a:latin typeface="+mn-lt"/>
+                <a:ea typeface="+mn-ea"/>
+                <a:cs typeface="+mn-cs"/>
+              </a:rPr>
+              <a:t> </a:t>
+            </a:r>
+            <a:r>
+              <a:rPr lang="pt-BR" sz="1200" b="0" i="0" kern="1200" dirty="0">
+                <a:solidFill>
+                  <a:schemeClr val="tx1"/>
+                </a:solidFill>
+                <a:effectLst/>
+                <a:latin typeface="+mn-lt"/>
+                <a:ea typeface="+mn-ea"/>
+                <a:cs typeface="+mn-cs"/>
+              </a:rPr>
+              <a:t>Nessa camada Ficam os </a:t>
+            </a:r>
+            <a:r>
+              <a:rPr lang="pt-BR" sz="1200" b="0" i="0" kern="1200" dirty="0" err="1">
+                <a:solidFill>
+                  <a:schemeClr val="tx1"/>
+                </a:solidFill>
+                <a:effectLst/>
+                <a:latin typeface="+mn-lt"/>
+                <a:ea typeface="+mn-ea"/>
+                <a:cs typeface="+mn-cs"/>
+              </a:rPr>
+              <a:t>EJBs</a:t>
+            </a:r>
+            <a:r>
+              <a:rPr lang="pt-BR" sz="1200" b="0" i="0" kern="1200" dirty="0">
+                <a:solidFill>
+                  <a:schemeClr val="tx1"/>
+                </a:solidFill>
+                <a:effectLst/>
+                <a:latin typeface="+mn-lt"/>
+                <a:ea typeface="+mn-ea"/>
+                <a:cs typeface="+mn-cs"/>
+              </a:rPr>
+              <a:t>, classes de negócio, </a:t>
+            </a:r>
+            <a:r>
+              <a:rPr lang="pt-BR" sz="1200" b="0" i="0" kern="1200" dirty="0" err="1">
+                <a:solidFill>
+                  <a:schemeClr val="tx1"/>
+                </a:solidFill>
+                <a:effectLst/>
+                <a:latin typeface="+mn-lt"/>
+                <a:ea typeface="+mn-ea"/>
+                <a:cs typeface="+mn-cs"/>
+              </a:rPr>
+              <a:t>DAOs</a:t>
+            </a:r>
+            <a:r>
+              <a:rPr lang="pt-BR" sz="1200" b="0" i="0" kern="1200" dirty="0">
+                <a:solidFill>
+                  <a:schemeClr val="tx1"/>
+                </a:solidFill>
+                <a:effectLst/>
+                <a:latin typeface="+mn-lt"/>
+                <a:ea typeface="+mn-ea"/>
+                <a:cs typeface="+mn-cs"/>
+              </a:rPr>
+              <a:t>, classes que acessam sistemas externos, etc.</a:t>
+            </a:r>
+          </a:p>
+          <a:p>
+            <a:pPr marL="342900" lvl="0" indent="-342900">
+              <a:spcBef>
+                <a:spcPct val="20000"/>
+              </a:spcBef>
+              <a:buFont typeface="Arial"/>
+              <a:buChar char="•"/>
+              <a:defRPr lang="pt-BR"/>
+            </a:pPr>
+            <a:r>
+              <a:rPr lang="pt-BR" sz="1200" b="0" i="0" kern="1200" dirty="0">
+                <a:solidFill>
+                  <a:schemeClr val="tx1"/>
+                </a:solidFill>
+                <a:effectLst/>
+                <a:latin typeface="+mn-lt"/>
+                <a:ea typeface="+mn-ea"/>
+                <a:cs typeface="+mn-cs"/>
+              </a:rPr>
+              <a:t>Dados: Nessa camada ficam as tabelas de bancos de dados, índices e tudo mais que o servidor de banco suporta. </a:t>
+            </a:r>
+          </a:p>
+          <a:p>
             <a:pPr marL="0" lvl="0" indent="0">
               <a:spcBef>
                 <a:spcPct val="20000"/>
@@ -2725,11 +2828,6 @@
         </p:txBody>
       </p:sp>
     </p:spTree>
-    <p:extLst>
-      <p:ext uri="{BB962C8B-B14F-4D97-AF65-F5344CB8AC3E}">
-        <p14:creationId xmlns:p14="http://schemas.microsoft.com/office/powerpoint/2010/main" val="383213248"/>
-      </p:ext>
-    </p:extLst>
   </p:cSld>
   <p:clrMapOvr>
     <a:masterClrMapping/>
@@ -8650,7 +8748,7 @@
           <p:cNvPr id="11" name="Rectangle 8">
             <a:extLst>
               <a:ext uri="{FF2B5EF4-FFF2-40B4-BE49-F238E27FC236}">
-                <a16:creationId xmlns:a16="http://schemas.microsoft.com/office/drawing/2014/main" id="{E1F0AA30-9C1D-4249-8068-4A45331D9230}"/>
+                <a16:creationId xmlns="" xmlns:a16="http://schemas.microsoft.com/office/drawing/2014/main" id="{E1F0AA30-9C1D-4249-8068-4A45331D9230}"/>
               </a:ext>
             </a:extLst>
           </p:cNvPr>
@@ -8856,9 +8954,10 @@
           <a:lstStyle/>
           <a:p>
             <a:r>
-              <a:rPr lang="pt-BR" sz="4000" dirty="0"/>
-              <a:t>EXTRAS:</a:t>
-            </a:r>
+              <a:rPr lang="pt-BR" sz="4000" b="0" dirty="0"/>
+              <a:t>Resumo.</a:t>
+            </a:r>
+            <a:endParaRPr lang="pt-BR" sz="4000" dirty="0"/>
           </a:p>
         </p:txBody>
       </p:sp>
@@ -8885,6 +8984,18 @@
           </a:bodyPr>
           <a:lstStyle/>
           <a:p>
+            <a:pPr lvl="0">
+              <a:spcBef>
+                <a:spcPct val="20000"/>
+              </a:spcBef>
+              <a:defRPr lang="pt-BR"/>
+            </a:pPr>
+            <a:r>
+              <a:rPr lang="pt-BR" sz="2400" kern="0" dirty="0" smtClean="0"/>
+              <a:t>Aprendemos:</a:t>
+            </a:r>
+          </a:p>
+          <a:p>
             <a:pPr marL="342900" lvl="0" indent="-342900">
               <a:spcBef>
                 <a:spcPct val="20000"/>
@@ -8893,92 +9004,77 @@
               <a:buChar char="•"/>
               <a:defRPr lang="pt-BR"/>
             </a:pPr>
-            <a:endParaRPr lang="pt-BR" sz="2400" kern="0" dirty="0"/>
-          </a:p>
-        </p:txBody>
-      </p:sp>
-      <p:sp>
-        <p:nvSpPr>
-          <p:cNvPr id="2" name="Retângulo 1"/>
-          <p:cNvSpPr/>
-          <p:nvPr/>
-        </p:nvSpPr>
-        <p:spPr>
-          <a:xfrm>
-            <a:off x="762000" y="2703016"/>
-            <a:ext cx="7086600" cy="3785652"/>
-          </a:xfrm>
-          <a:prstGeom prst="rect">
-            <a:avLst/>
-          </a:prstGeom>
-        </p:spPr>
-        <p:txBody>
-          <a:bodyPr wrap="square">
-            <a:spAutoFit/>
-          </a:bodyPr>
-          <a:lstStyle/>
-          <a:p>
-            <a:r>
-              <a:rPr lang="pt-BR" sz="2400" b="1" dirty="0"/>
-              <a:t>- Estrutura de controle de decisão.</a:t>
-            </a:r>
-          </a:p>
-          <a:p>
-            <a:r>
-              <a:rPr lang="pt-BR" sz="2400" dirty="0"/>
-              <a:t>	</a:t>
-            </a:r>
-            <a:r>
-              <a:rPr lang="pt-BR" sz="2400" dirty="0">
-                <a:solidFill>
-                  <a:srgbClr val="00B0F0"/>
-                </a:solidFill>
-              </a:rPr>
-              <a:t>https://docs.oracle.com/javase/tutorial/java/nutsandbolts/examples/IfElseDemo.java</a:t>
-            </a:r>
-          </a:p>
-          <a:p>
-            <a:r>
-              <a:rPr lang="pt-BR" sz="2400" dirty="0"/>
-              <a:t>- Estrutura de controle de Fluxo. 	</a:t>
-            </a:r>
-            <a:r>
-              <a:rPr lang="pt-BR" sz="2400" dirty="0">
-                <a:solidFill>
-                  <a:srgbClr val="00B0F0"/>
-                </a:solidFill>
-              </a:rPr>
-              <a:t>https://docs.oracle.com/javase/tutorial/java/nutsandbolts/switch.html</a:t>
-            </a:r>
-          </a:p>
-          <a:p>
-            <a:pPr marL="342900" indent="-342900">
-              <a:buFontTx/>
-              <a:buChar char="-"/>
+            <a:r>
+              <a:rPr lang="pt-BR" sz="2400" kern="0" dirty="0" smtClean="0"/>
+              <a:t>Java EE</a:t>
+            </a:r>
+          </a:p>
+          <a:p>
+            <a:pPr marL="342900" lvl="0" indent="-342900">
+              <a:spcBef>
+                <a:spcPct val="20000"/>
+              </a:spcBef>
+              <a:buFont typeface="Arial"/>
+              <a:buChar char="•"/>
+              <a:defRPr lang="pt-BR"/>
             </a:pPr>
             <a:r>
-              <a:rPr lang="pt-BR" sz="2400" dirty="0"/>
-              <a:t>Controle de interrupção.</a:t>
-            </a:r>
-          </a:p>
-          <a:p>
-            <a:r>
-              <a:rPr lang="pt-BR" sz="2400" dirty="0"/>
-              <a:t>	Interrupção permitem que redirecionemos o fluxo de controle do programa.</a:t>
-            </a:r>
-          </a:p>
-          <a:p>
-            <a:r>
-              <a:rPr lang="pt-BR" sz="2400" dirty="0"/>
-              <a:t>	03 Tipos: break, continue, </a:t>
-            </a:r>
-            <a:r>
-              <a:rPr lang="pt-BR" sz="2400" dirty="0" err="1"/>
-              <a:t>return</a:t>
-            </a:r>
-            <a:r>
-              <a:rPr lang="pt-BR" sz="2400" dirty="0"/>
-              <a:t>.</a:t>
+              <a:rPr lang="pt-BR" sz="2400" kern="0" dirty="0" smtClean="0"/>
+              <a:t>Servidor de aplicação</a:t>
+            </a:r>
+          </a:p>
+          <a:p>
+            <a:pPr marL="342900" lvl="0" indent="-342900">
+              <a:spcBef>
+                <a:spcPct val="20000"/>
+              </a:spcBef>
+              <a:buFont typeface="Arial"/>
+              <a:buChar char="•"/>
+              <a:defRPr lang="pt-BR"/>
+            </a:pPr>
+            <a:r>
+              <a:rPr lang="pt-BR" sz="2400" kern="0" dirty="0" err="1" smtClean="0"/>
+              <a:t>Apis</a:t>
+            </a:r>
+            <a:r>
+              <a:rPr lang="pt-BR" sz="2400" kern="0" dirty="0" smtClean="0"/>
+              <a:t> do Java EE</a:t>
+            </a:r>
+          </a:p>
+          <a:p>
+            <a:pPr marL="342900" lvl="0" indent="-342900">
+              <a:spcBef>
+                <a:spcPct val="20000"/>
+              </a:spcBef>
+              <a:buFont typeface="Arial"/>
+              <a:buChar char="•"/>
+              <a:defRPr lang="pt-BR"/>
+            </a:pPr>
+            <a:r>
+              <a:rPr lang="pt-BR" sz="2400" kern="0" dirty="0" smtClean="0"/>
+              <a:t>Arquitetura de projetos </a:t>
+            </a:r>
+            <a:r>
+              <a:rPr lang="pt-BR" sz="2400" kern="0" dirty="0" err="1" smtClean="0"/>
+              <a:t>java</a:t>
+            </a:r>
+            <a:r>
+              <a:rPr lang="pt-BR" sz="2400" kern="0" dirty="0" smtClean="0"/>
+              <a:t> EE</a:t>
+            </a:r>
+          </a:p>
+          <a:p>
+            <a:pPr marL="342900" lvl="0" indent="-342900">
+              <a:spcBef>
+                <a:spcPct val="20000"/>
+              </a:spcBef>
+              <a:buFont typeface="Arial"/>
+              <a:buChar char="•"/>
+              <a:defRPr lang="pt-BR"/>
+            </a:pPr>
+            <a:r>
+              <a:rPr lang="pt-BR" sz="2400" kern="0" dirty="0" smtClean="0"/>
+              <a:t>Acesso a banco de dados</a:t>
             </a:r>
           </a:p>
         </p:txBody>
@@ -8986,7 +9082,7 @@
     </p:spTree>
     <p:extLst>
       <p:ext uri="{BB962C8B-B14F-4D97-AF65-F5344CB8AC3E}">
-        <p14:creationId xmlns:p14="http://schemas.microsoft.com/office/powerpoint/2010/main" val="1677101322"/>
+        <p14:creationId xmlns:p14="http://schemas.microsoft.com/office/powerpoint/2010/main" val="2027077617"/>
       </p:ext>
     </p:extLst>
   </p:cSld>
@@ -9026,6 +9122,184 @@
             <p:ph type="title"/>
           </p:nvPr>
         </p:nvSpPr>
+        <p:spPr/>
+        <p:txBody>
+          <a:bodyPr>
+            <a:noAutofit/>
+          </a:bodyPr>
+          <a:lstStyle/>
+          <a:p>
+            <a:r>
+              <a:rPr lang="pt-BR" sz="4000" dirty="0"/>
+              <a:t>EXTRAS:</a:t>
+            </a:r>
+          </a:p>
+        </p:txBody>
+      </p:sp>
+      <p:sp>
+        <p:nvSpPr>
+          <p:cNvPr id="4" name="Rectangle 25"/>
+          <p:cNvSpPr txBox="1">
+            <a:spLocks/>
+          </p:cNvSpPr>
+          <p:nvPr/>
+        </p:nvSpPr>
+        <p:spPr>
+          <a:xfrm>
+            <a:off x="762000" y="2924944"/>
+            <a:ext cx="7086600" cy="3456384"/>
+          </a:xfrm>
+          <a:prstGeom prst="rect">
+            <a:avLst/>
+          </a:prstGeom>
+        </p:spPr>
+        <p:txBody>
+          <a:bodyPr vert="horz">
+            <a:noAutofit/>
+          </a:bodyPr>
+          <a:lstStyle/>
+          <a:p>
+            <a:pPr marL="342900" lvl="0" indent="-342900">
+              <a:spcBef>
+                <a:spcPct val="20000"/>
+              </a:spcBef>
+              <a:buFont typeface="Arial"/>
+              <a:buChar char="•"/>
+              <a:defRPr lang="pt-BR"/>
+            </a:pPr>
+            <a:endParaRPr lang="pt-BR" sz="2400" kern="0" dirty="0"/>
+          </a:p>
+        </p:txBody>
+      </p:sp>
+      <p:sp>
+        <p:nvSpPr>
+          <p:cNvPr id="2" name="Retângulo 1"/>
+          <p:cNvSpPr/>
+          <p:nvPr/>
+        </p:nvSpPr>
+        <p:spPr>
+          <a:xfrm>
+            <a:off x="762000" y="2703016"/>
+            <a:ext cx="7086600" cy="3785652"/>
+          </a:xfrm>
+          <a:prstGeom prst="rect">
+            <a:avLst/>
+          </a:prstGeom>
+        </p:spPr>
+        <p:txBody>
+          <a:bodyPr wrap="square">
+            <a:spAutoFit/>
+          </a:bodyPr>
+          <a:lstStyle/>
+          <a:p>
+            <a:r>
+              <a:rPr lang="pt-BR" sz="2400" b="1" dirty="0"/>
+              <a:t>- Estrutura de controle de decisão.</a:t>
+            </a:r>
+          </a:p>
+          <a:p>
+            <a:r>
+              <a:rPr lang="pt-BR" sz="2400" dirty="0"/>
+              <a:t>	</a:t>
+            </a:r>
+            <a:r>
+              <a:rPr lang="pt-BR" sz="2400" dirty="0">
+                <a:solidFill>
+                  <a:srgbClr val="00B0F0"/>
+                </a:solidFill>
+              </a:rPr>
+              <a:t>https://docs.oracle.com/javase/tutorial/java/nutsandbolts/examples/IfElseDemo.java</a:t>
+            </a:r>
+          </a:p>
+          <a:p>
+            <a:r>
+              <a:rPr lang="pt-BR" sz="2400" dirty="0"/>
+              <a:t>- Estrutura de controle de Fluxo. 	</a:t>
+            </a:r>
+            <a:r>
+              <a:rPr lang="pt-BR" sz="2400" dirty="0">
+                <a:solidFill>
+                  <a:srgbClr val="00B0F0"/>
+                </a:solidFill>
+              </a:rPr>
+              <a:t>https://docs.oracle.com/javase/tutorial/java/nutsandbolts/switch.html</a:t>
+            </a:r>
+          </a:p>
+          <a:p>
+            <a:pPr marL="342900" indent="-342900">
+              <a:buFontTx/>
+              <a:buChar char="-"/>
+            </a:pPr>
+            <a:r>
+              <a:rPr lang="pt-BR" sz="2400" dirty="0"/>
+              <a:t>Controle de interrupção.</a:t>
+            </a:r>
+          </a:p>
+          <a:p>
+            <a:r>
+              <a:rPr lang="pt-BR" sz="2400" dirty="0"/>
+              <a:t>	Interrupção permitem que redirecionemos o fluxo de controle do programa.</a:t>
+            </a:r>
+          </a:p>
+          <a:p>
+            <a:r>
+              <a:rPr lang="pt-BR" sz="2400" dirty="0"/>
+              <a:t>	03 Tipos: break, continue, </a:t>
+            </a:r>
+            <a:r>
+              <a:rPr lang="pt-BR" sz="2400" dirty="0" err="1"/>
+              <a:t>return</a:t>
+            </a:r>
+            <a:r>
+              <a:rPr lang="pt-BR" sz="2400" dirty="0"/>
+              <a:t>.</a:t>
+            </a:r>
+          </a:p>
+        </p:txBody>
+      </p:sp>
+    </p:spTree>
+    <p:extLst>
+      <p:ext uri="{BB962C8B-B14F-4D97-AF65-F5344CB8AC3E}">
+        <p14:creationId xmlns:p14="http://schemas.microsoft.com/office/powerpoint/2010/main" val="1677101322"/>
+      </p:ext>
+    </p:extLst>
+  </p:cSld>
+  <p:clrMapOvr>
+    <a:masterClrMapping/>
+  </p:clrMapOvr>
+  <p:transition>
+    <p:fade/>
+  </p:transition>
+</p:sld>
+</file>
+
+<file path=ppt/slides/slide12.xml><?xml version="1.0" encoding="utf-8"?>
+<p:sld xmlns:a="http://schemas.openxmlformats.org/drawingml/2006/main" xmlns:r="http://schemas.openxmlformats.org/officeDocument/2006/relationships" xmlns:p="http://schemas.openxmlformats.org/presentationml/2006/main">
+  <p:cSld>
+    <p:spTree>
+      <p:nvGrpSpPr>
+        <p:cNvPr id="1" name=""/>
+        <p:cNvGrpSpPr/>
+        <p:nvPr/>
+      </p:nvGrpSpPr>
+      <p:grpSpPr>
+        <a:xfrm>
+          <a:off x="0" y="0"/>
+          <a:ext cx="0" cy="0"/>
+          <a:chOff x="0" y="0"/>
+          <a:chExt cx="0" cy="0"/>
+        </a:xfrm>
+      </p:grpSpPr>
+      <p:sp>
+        <p:nvSpPr>
+          <p:cNvPr id="3" name="Rectangle 8"/>
+          <p:cNvSpPr>
+            <a:spLocks noGrp="1"/>
+          </p:cNvSpPr>
+          <p:nvPr>
+            <p:ph type="title"/>
+          </p:nvPr>
+        </p:nvSpPr>
         <p:spPr>
           <a:xfrm>
             <a:off x="228600" y="1676400"/>
@@ -9050,7 +9324,7 @@
           <p:cNvPr id="7" name="Retângulo 6">
             <a:extLst>
               <a:ext uri="{FF2B5EF4-FFF2-40B4-BE49-F238E27FC236}">
-                <a16:creationId xmlns:a16="http://schemas.microsoft.com/office/drawing/2014/main" id="{DE871D51-6822-455D-8B97-7F37D0BA5BB9}"/>
+                <a16:creationId xmlns="" xmlns:a16="http://schemas.microsoft.com/office/drawing/2014/main" id="{DE871D51-6822-455D-8B97-7F37D0BA5BB9}"/>
               </a:ext>
             </a:extLst>
           </p:cNvPr>
@@ -9251,14 +9525,39 @@
           </a:p>
           <a:p>
             <a:r>
+              <a:rPr lang="pt-BR" sz="2400" dirty="0" smtClean="0"/>
+              <a:t>Container e componente.</a:t>
+            </a:r>
+          </a:p>
+          <a:p>
+            <a:r>
+              <a:rPr lang="pt-BR" sz="2400" dirty="0" err="1" smtClean="0"/>
+              <a:t>Apis</a:t>
+            </a:r>
+            <a:r>
+              <a:rPr lang="pt-BR" sz="2400" dirty="0" smtClean="0"/>
+              <a:t> Java EE</a:t>
+            </a:r>
+            <a:endParaRPr lang="pt-BR" sz="2400" dirty="0"/>
+          </a:p>
+          <a:p>
+            <a:r>
               <a:rPr lang="pt-BR" sz="2400" dirty="0"/>
-              <a:t>Entendendo a arquitetura.</a:t>
-            </a:r>
-          </a:p>
-          <a:p>
+              <a:t>Entendendo a arquitetura</a:t>
+            </a:r>
+            <a:r>
+              <a:rPr lang="pt-BR" sz="2400" dirty="0" smtClean="0"/>
+              <a:t>.</a:t>
+            </a:r>
+          </a:p>
+          <a:p>
+            <a:r>
+              <a:rPr lang="pt-BR" sz="2400" dirty="0" smtClean="0"/>
+              <a:t>Vamos </a:t>
+            </a:r>
             <a:r>
               <a:rPr lang="pt-BR" sz="2400" dirty="0"/>
-              <a:t>Vamos ao código !</a:t>
+              <a:t>ao código !</a:t>
             </a:r>
           </a:p>
           <a:p>
@@ -9722,9 +10021,14 @@
           <a:lstStyle/>
           <a:p>
             <a:r>
-              <a:rPr lang="pt-BR" sz="4000" dirty="0"/>
-              <a:t>Quais são as APIS do JAVA EE ?</a:t>
-            </a:r>
+              <a:rPr lang="pt-BR" sz="3800" dirty="0"/>
+              <a:t>O que é um servidor </a:t>
+            </a:r>
+            <a:r>
+              <a:rPr lang="pt-BR" sz="3800" dirty="0" smtClean="0"/>
+              <a:t>Componente ?</a:t>
+            </a:r>
+            <a:endParaRPr lang="pt-BR" sz="3800" dirty="0"/>
           </a:p>
         </p:txBody>
       </p:sp>
@@ -9757,57 +10061,10 @@
               </a:spcBef>
               <a:defRPr lang="pt-BR"/>
             </a:pPr>
-            <a:endParaRPr lang="pt-BR" sz="2400" kern="0" dirty="0">
-              <a:solidFill>
-                <a:srgbClr val="00B0F0"/>
-              </a:solidFill>
-            </a:endParaRPr>
-          </a:p>
-          <a:p>
-            <a:pPr>
-              <a:spcBef>
-                <a:spcPct val="20000"/>
-              </a:spcBef>
-              <a:defRPr lang="pt-BR"/>
-            </a:pPr>
-            <a:endParaRPr lang="pt-BR" sz="2400" kern="0" dirty="0">
-              <a:solidFill>
-                <a:srgbClr val="00B0F0"/>
-              </a:solidFill>
-            </a:endParaRPr>
-          </a:p>
-          <a:p>
-            <a:pPr>
-              <a:spcBef>
-                <a:spcPct val="20000"/>
-              </a:spcBef>
-              <a:defRPr lang="pt-BR"/>
-            </a:pPr>
-            <a:r>
-              <a:rPr lang="pt-BR" sz="2400" kern="0" dirty="0">
-                <a:solidFill>
-                  <a:srgbClr val="00B0F0"/>
-                </a:solidFill>
-              </a:rPr>
-              <a:t>https://docs.oracle.com/javaee/7/api/toc.htm</a:t>
-            </a:r>
-          </a:p>
-          <a:p>
-            <a:pPr lvl="0">
-              <a:spcBef>
-                <a:spcPct val="20000"/>
-              </a:spcBef>
-              <a:defRPr lang="pt-BR"/>
-            </a:pPr>
-            <a:endParaRPr lang="pt-BR" sz="2400" kern="0" dirty="0"/>
-          </a:p>
-          <a:p>
-            <a:pPr lvl="0">
-              <a:spcBef>
-                <a:spcPct val="20000"/>
-              </a:spcBef>
-              <a:defRPr lang="pt-BR"/>
-            </a:pPr>
+            <a:r>
+              <a:rPr lang="pt-BR" sz="2400" dirty="0" smtClean="0"/>
+              <a:t>Componente são os aplicativos desenvolvidos (WAR), que são instalados nos servidores de aplicação.</a:t>
+            </a:r>
             <a:endParaRPr lang="pt-BR" sz="2400" kern="0" dirty="0"/>
           </a:p>
         </p:txBody>
@@ -9815,7 +10072,7 @@
     </p:spTree>
     <p:extLst>
       <p:ext uri="{BB962C8B-B14F-4D97-AF65-F5344CB8AC3E}">
-        <p14:creationId xmlns:p14="http://schemas.microsoft.com/office/powerpoint/2010/main" val="3082416766"/>
+        <p14:creationId xmlns:p14="http://schemas.microsoft.com/office/powerpoint/2010/main" val="667582967"/>
       </p:ext>
     </p:extLst>
   </p:cSld>
@@ -9863,10 +10120,9 @@
           <a:lstStyle/>
           <a:p>
             <a:r>
-              <a:rPr lang="pt-BR" sz="4000" b="0" dirty="0"/>
-              <a:t>Arquitetura de aplicações Java EE.</a:t>
-            </a:r>
-            <a:endParaRPr lang="pt-BR" sz="4000" dirty="0"/>
+              <a:rPr lang="pt-BR" sz="4000" dirty="0"/>
+              <a:t>Quais são as APIS do JAVA EE ?</a:t>
+            </a:r>
           </a:p>
         </p:txBody>
       </p:sp>
@@ -9880,8 +10136,8 @@
         </p:nvSpPr>
         <p:spPr>
           <a:xfrm>
-            <a:off x="762000" y="2924944"/>
-            <a:ext cx="7086600" cy="3456384"/>
+            <a:off x="762000" y="2780928"/>
+            <a:ext cx="7086600" cy="3168352"/>
           </a:xfrm>
           <a:prstGeom prst="rect">
             <a:avLst/>
@@ -9893,120 +10149,71 @@
           </a:bodyPr>
           <a:lstStyle/>
           <a:p>
-            <a:pPr marL="342900" lvl="0" indent="-342900">
+            <a:pPr>
               <a:spcBef>
                 <a:spcPct val="20000"/>
               </a:spcBef>
-              <a:buFont typeface="Arial"/>
-              <a:buChar char="•"/>
+              <a:defRPr lang="pt-BR"/>
+            </a:pPr>
+            <a:endParaRPr lang="pt-BR" sz="2400" kern="0" dirty="0">
+              <a:solidFill>
+                <a:srgbClr val="00B0F0"/>
+              </a:solidFill>
+            </a:endParaRPr>
+          </a:p>
+          <a:p>
+            <a:pPr>
+              <a:spcBef>
+                <a:spcPct val="20000"/>
+              </a:spcBef>
+              <a:defRPr lang="pt-BR"/>
+            </a:pPr>
+            <a:endParaRPr lang="pt-BR" sz="2400" kern="0" dirty="0">
+              <a:solidFill>
+                <a:srgbClr val="00B0F0"/>
+              </a:solidFill>
+            </a:endParaRPr>
+          </a:p>
+          <a:p>
+            <a:pPr>
+              <a:spcBef>
+                <a:spcPct val="20000"/>
+              </a:spcBef>
+              <a:defRPr lang="pt-BR"/>
+            </a:pPr>
+            <a:r>
+              <a:rPr lang="pt-BR" sz="2400" kern="0" dirty="0">
+                <a:solidFill>
+                  <a:srgbClr val="00B0F0"/>
+                </a:solidFill>
+              </a:rPr>
+              <a:t>https://docs.oracle.com/javaee/7/api/toc.htm</a:t>
+            </a:r>
+          </a:p>
+          <a:p>
+            <a:pPr lvl="0">
+              <a:spcBef>
+                <a:spcPct val="20000"/>
+              </a:spcBef>
               <a:defRPr lang="pt-BR"/>
             </a:pPr>
             <a:endParaRPr lang="pt-BR" sz="2400" kern="0" dirty="0"/>
           </a:p>
-        </p:txBody>
-      </p:sp>
-      <p:sp>
-        <p:nvSpPr>
-          <p:cNvPr id="2" name="Retângulo 1"/>
-          <p:cNvSpPr/>
-          <p:nvPr/>
-        </p:nvSpPr>
-        <p:spPr>
-          <a:xfrm>
-            <a:off x="762000" y="2852936"/>
-            <a:ext cx="7086600" cy="2939266"/>
-          </a:xfrm>
-          <a:prstGeom prst="rect">
-            <a:avLst/>
-          </a:prstGeom>
-        </p:spPr>
-        <p:txBody>
-          <a:bodyPr wrap="square">
-            <a:spAutoFit/>
-          </a:bodyPr>
-          <a:lstStyle/>
-          <a:p>
-            <a:r>
-              <a:rPr lang="pt-BR" sz="2300" dirty="0"/>
-              <a:t>Java EE se divide em 4 camadas básicas:</a:t>
-            </a:r>
-          </a:p>
-          <a:p>
-            <a:endParaRPr lang="pt-BR" sz="2300" dirty="0"/>
-          </a:p>
-          <a:p>
-            <a:r>
-              <a:rPr lang="pt-BR" sz="2300" b="1" dirty="0"/>
-              <a:t>Camada Cliente </a:t>
-            </a:r>
-            <a:r>
-              <a:rPr lang="pt-BR" sz="2300" b="1" dirty="0">
-                <a:sym typeface="Wingdings" panose="05000000000000000000" pitchFamily="2" charset="2"/>
-              </a:rPr>
-              <a:t></a:t>
-            </a:r>
-            <a:r>
-              <a:rPr lang="pt-BR" sz="2300" dirty="0"/>
-              <a:t> Roda no browser;</a:t>
-            </a:r>
-          </a:p>
-          <a:p>
-            <a:r>
-              <a:rPr lang="pt-BR" sz="2300" b="1" dirty="0"/>
-              <a:t>Camada Web </a:t>
-            </a:r>
-            <a:r>
-              <a:rPr lang="pt-BR" sz="2300" b="1" dirty="0">
-                <a:sym typeface="Wingdings" panose="05000000000000000000" pitchFamily="2" charset="2"/>
-              </a:rPr>
-              <a:t></a:t>
-            </a:r>
-            <a:r>
-              <a:rPr lang="pt-BR" sz="2300" dirty="0"/>
-              <a:t> Servidor de aplicações;</a:t>
-            </a:r>
-          </a:p>
-          <a:p>
-            <a:r>
-              <a:rPr lang="pt-BR" sz="2300" dirty="0"/>
-              <a:t>Camada de negócios </a:t>
-            </a:r>
-            <a:r>
-              <a:rPr lang="pt-BR" sz="2300" dirty="0">
-                <a:sym typeface="Wingdings" panose="05000000000000000000" pitchFamily="2" charset="2"/>
-              </a:rPr>
-              <a:t></a:t>
-            </a:r>
-            <a:r>
-              <a:rPr lang="pt-BR" sz="2300" dirty="0"/>
-              <a:t> Servidor de aplicações;</a:t>
-            </a:r>
-          </a:p>
-          <a:p>
-            <a:r>
-              <a:rPr lang="pt-BR" sz="2300" b="1" dirty="0"/>
-              <a:t>Camada de dados </a:t>
-            </a:r>
-            <a:r>
-              <a:rPr lang="pt-BR" sz="2300" b="1" dirty="0">
-                <a:sym typeface="Wingdings" panose="05000000000000000000" pitchFamily="2" charset="2"/>
-              </a:rPr>
-              <a:t></a:t>
-            </a:r>
-            <a:r>
-              <a:rPr lang="pt-BR" sz="2300" dirty="0"/>
-              <a:t> Banco de dados e sistemas externos;</a:t>
-            </a:r>
-          </a:p>
-          <a:p>
-            <a:endParaRPr lang="pt-BR" sz="2400" dirty="0"/>
+          <a:p>
+            <a:pPr lvl="0">
+              <a:spcBef>
+                <a:spcPct val="20000"/>
+              </a:spcBef>
+              <a:defRPr lang="pt-BR"/>
+            </a:pPr>
+            <a:endParaRPr lang="pt-BR" sz="2400" kern="0" dirty="0"/>
           </a:p>
         </p:txBody>
       </p:sp>
     </p:spTree>
     <p:extLst>
       <p:ext uri="{BB962C8B-B14F-4D97-AF65-F5344CB8AC3E}">
-        <p14:creationId xmlns:p14="http://schemas.microsoft.com/office/powerpoint/2010/main" val="1696800455"/>
+        <p14:creationId xmlns:p14="http://schemas.microsoft.com/office/powerpoint/2010/main" val="3082416766"/>
       </p:ext>
     </p:extLst>
   </p:cSld>
@@ -10055,7 +10262,7 @@
           <a:p>
             <a:r>
               <a:rPr lang="pt-BR" sz="4000" b="0" dirty="0"/>
-              <a:t>Serviços e especificações Java EE.</a:t>
+              <a:t>Arquitetura de aplicações Java EE.</a:t>
             </a:r>
             <a:endParaRPr lang="pt-BR" sz="4000" dirty="0"/>
           </a:p>
@@ -10096,10 +10303,108 @@
           </a:p>
         </p:txBody>
       </p:sp>
+      <p:sp>
+        <p:nvSpPr>
+          <p:cNvPr id="2" name="Retângulo 1"/>
+          <p:cNvSpPr/>
+          <p:nvPr/>
+        </p:nvSpPr>
+        <p:spPr>
+          <a:xfrm>
+            <a:off x="762000" y="2852936"/>
+            <a:ext cx="7086600" cy="2939266"/>
+          </a:xfrm>
+          <a:prstGeom prst="rect">
+            <a:avLst/>
+          </a:prstGeom>
+        </p:spPr>
+        <p:txBody>
+          <a:bodyPr wrap="square">
+            <a:spAutoFit/>
+          </a:bodyPr>
+          <a:lstStyle/>
+          <a:p>
+            <a:r>
+              <a:rPr lang="pt-BR" sz="2300" dirty="0"/>
+              <a:t>Java EE se divide em 4 camadas básicas:</a:t>
+            </a:r>
+          </a:p>
+          <a:p>
+            <a:endParaRPr lang="pt-BR" sz="2300" dirty="0"/>
+          </a:p>
+          <a:p>
+            <a:r>
+              <a:rPr lang="pt-BR" sz="2300" b="1" dirty="0"/>
+              <a:t>Camada Cliente </a:t>
+            </a:r>
+            <a:r>
+              <a:rPr lang="pt-BR" sz="2300" b="1" dirty="0">
+                <a:sym typeface="Wingdings" panose="05000000000000000000" pitchFamily="2" charset="2"/>
+              </a:rPr>
+              <a:t></a:t>
+            </a:r>
+            <a:r>
+              <a:rPr lang="pt-BR" sz="2300" dirty="0"/>
+              <a:t> Roda no browser;</a:t>
+            </a:r>
+          </a:p>
+          <a:p>
+            <a:r>
+              <a:rPr lang="pt-BR" sz="2300" b="1" dirty="0"/>
+              <a:t>Camada Web </a:t>
+            </a:r>
+            <a:r>
+              <a:rPr lang="pt-BR" sz="2300" b="1" dirty="0">
+                <a:sym typeface="Wingdings" panose="05000000000000000000" pitchFamily="2" charset="2"/>
+              </a:rPr>
+              <a:t></a:t>
+            </a:r>
+            <a:r>
+              <a:rPr lang="pt-BR" sz="2300" dirty="0"/>
+              <a:t> Servidor de aplicações;</a:t>
+            </a:r>
+          </a:p>
+          <a:p>
+            <a:r>
+              <a:rPr lang="pt-BR" sz="2300" dirty="0"/>
+              <a:t>Camada de negócios </a:t>
+            </a:r>
+            <a:r>
+              <a:rPr lang="pt-BR" sz="2300" dirty="0">
+                <a:sym typeface="Wingdings" panose="05000000000000000000" pitchFamily="2" charset="2"/>
+              </a:rPr>
+              <a:t></a:t>
+            </a:r>
+            <a:r>
+              <a:rPr lang="pt-BR" sz="2300" dirty="0"/>
+              <a:t> Servidor de aplicações;</a:t>
+            </a:r>
+          </a:p>
+          <a:p>
+            <a:r>
+              <a:rPr lang="pt-BR" sz="2300" b="1" dirty="0"/>
+              <a:t>Camada de dados </a:t>
+            </a:r>
+            <a:r>
+              <a:rPr lang="pt-BR" sz="2300" b="1" dirty="0">
+                <a:sym typeface="Wingdings" panose="05000000000000000000" pitchFamily="2" charset="2"/>
+              </a:rPr>
+              <a:t></a:t>
+            </a:r>
+            <a:r>
+              <a:rPr lang="pt-BR" sz="2300" dirty="0"/>
+              <a:t> Banco de dados e sistemas externos;</a:t>
+            </a:r>
+          </a:p>
+          <a:p>
+            <a:endParaRPr lang="pt-BR" sz="2400" dirty="0"/>
+          </a:p>
+        </p:txBody>
+      </p:sp>
     </p:spTree>
     <p:extLst>
       <p:ext uri="{BB962C8B-B14F-4D97-AF65-F5344CB8AC3E}">
-        <p14:creationId xmlns:p14="http://schemas.microsoft.com/office/powerpoint/2010/main" val="3043299201"/>
+        <p14:creationId xmlns:p14="http://schemas.microsoft.com/office/powerpoint/2010/main" val="1696800455"/>
       </p:ext>
     </p:extLst>
   </p:cSld>
@@ -10147,8 +10452,8 @@
           <a:lstStyle/>
           <a:p>
             <a:r>
-              <a:rPr lang="pt-BR" sz="4000" b="0" dirty="0"/>
-              <a:t>Resumo.</a:t>
+              <a:rPr lang="pt-BR" sz="4000" b="0" dirty="0" smtClean="0"/>
+              <a:t>Acesso ao banco de dados.</a:t>
             </a:r>
             <a:endParaRPr lang="pt-BR" sz="4000" dirty="0"/>
           </a:p>
@@ -10189,10 +10494,108 @@
           </a:p>
         </p:txBody>
       </p:sp>
+      <p:sp>
+        <p:nvSpPr>
+          <p:cNvPr id="2" name="Retângulo 1"/>
+          <p:cNvSpPr/>
+          <p:nvPr/>
+        </p:nvSpPr>
+        <p:spPr>
+          <a:xfrm>
+            <a:off x="762000" y="2852936"/>
+            <a:ext cx="7086600" cy="2939266"/>
+          </a:xfrm>
+          <a:prstGeom prst="rect">
+            <a:avLst/>
+          </a:prstGeom>
+        </p:spPr>
+        <p:txBody>
+          <a:bodyPr wrap="square">
+            <a:spAutoFit/>
+          </a:bodyPr>
+          <a:lstStyle/>
+          <a:p>
+            <a:r>
+              <a:rPr lang="pt-BR" sz="2300" dirty="0"/>
+              <a:t>Java EE se divide em 4 camadas básicas:</a:t>
+            </a:r>
+          </a:p>
+          <a:p>
+            <a:endParaRPr lang="pt-BR" sz="2300" dirty="0"/>
+          </a:p>
+          <a:p>
+            <a:r>
+              <a:rPr lang="pt-BR" sz="2300" b="1" dirty="0"/>
+              <a:t>Camada Cliente </a:t>
+            </a:r>
+            <a:r>
+              <a:rPr lang="pt-BR" sz="2300" b="1" dirty="0">
+                <a:sym typeface="Wingdings" panose="05000000000000000000" pitchFamily="2" charset="2"/>
+              </a:rPr>
+              <a:t></a:t>
+            </a:r>
+            <a:r>
+              <a:rPr lang="pt-BR" sz="2300" dirty="0"/>
+              <a:t> Roda no browser;</a:t>
+            </a:r>
+          </a:p>
+          <a:p>
+            <a:r>
+              <a:rPr lang="pt-BR" sz="2300" b="1" dirty="0"/>
+              <a:t>Camada Web </a:t>
+            </a:r>
+            <a:r>
+              <a:rPr lang="pt-BR" sz="2300" b="1" dirty="0">
+                <a:sym typeface="Wingdings" panose="05000000000000000000" pitchFamily="2" charset="2"/>
+              </a:rPr>
+              <a:t></a:t>
+            </a:r>
+            <a:r>
+              <a:rPr lang="pt-BR" sz="2300" dirty="0"/>
+              <a:t> Servidor de aplicações;</a:t>
+            </a:r>
+          </a:p>
+          <a:p>
+            <a:r>
+              <a:rPr lang="pt-BR" sz="2300" dirty="0"/>
+              <a:t>Camada de negócios </a:t>
+            </a:r>
+            <a:r>
+              <a:rPr lang="pt-BR" sz="2300" dirty="0">
+                <a:sym typeface="Wingdings" panose="05000000000000000000" pitchFamily="2" charset="2"/>
+              </a:rPr>
+              <a:t></a:t>
+            </a:r>
+            <a:r>
+              <a:rPr lang="pt-BR" sz="2300" dirty="0"/>
+              <a:t> Servidor de aplicações;</a:t>
+            </a:r>
+          </a:p>
+          <a:p>
+            <a:r>
+              <a:rPr lang="pt-BR" sz="2300" b="1" dirty="0"/>
+              <a:t>Camada de dados </a:t>
+            </a:r>
+            <a:r>
+              <a:rPr lang="pt-BR" sz="2300" b="1" dirty="0">
+                <a:sym typeface="Wingdings" panose="05000000000000000000" pitchFamily="2" charset="2"/>
+              </a:rPr>
+              <a:t></a:t>
+            </a:r>
+            <a:r>
+              <a:rPr lang="pt-BR" sz="2300" dirty="0"/>
+              <a:t> Banco de dados e sistemas externos;</a:t>
+            </a:r>
+          </a:p>
+          <a:p>
+            <a:endParaRPr lang="pt-BR" sz="2400" dirty="0"/>
+          </a:p>
+        </p:txBody>
+      </p:sp>
     </p:spTree>
     <p:extLst>
       <p:ext uri="{BB962C8B-B14F-4D97-AF65-F5344CB8AC3E}">
-        <p14:creationId xmlns:p14="http://schemas.microsoft.com/office/powerpoint/2010/main" val="2027077617"/>
+        <p14:creationId xmlns:p14="http://schemas.microsoft.com/office/powerpoint/2010/main" val="2557285388"/>
       </p:ext>
     </p:extLst>
   </p:cSld>

--- a/AulasAvancado/src/main/resources/br/com/Aula1/JavaEE.pptx
+++ b/AulasAvancado/src/main/resources/br/com/Aula1/JavaEE.pptx
@@ -21,8 +21,8 @@
     <p:sldId id="275" r:id="rId9"/>
     <p:sldId id="286" r:id="rId10"/>
     <p:sldId id="284" r:id="rId11"/>
-    <p:sldId id="279" r:id="rId12"/>
-    <p:sldId id="280" r:id="rId13"/>
+    <p:sldId id="280" r:id="rId12"/>
+    <p:sldId id="287" r:id="rId13"/>
   </p:sldIdLst>
   <p:sldSz cx="9144000" cy="6858000" type="screen4x3"/>
   <p:notesSz cx="6858000" cy="9144000"/>
@@ -121,7 +121,7 @@
   </p:defaultTextStyle>
   <p:extLst>
     <p:ext uri="{EFAFB233-063F-42B5-8137-9DF3F51BA10A}">
-      <p15:sldGuideLst xmlns="" xmlns:p15="http://schemas.microsoft.com/office/powerpoint/2012/main">
+      <p15:sldGuideLst xmlns:p15="http://schemas.microsoft.com/office/powerpoint/2012/main">
         <p15:guide id="1" orient="horz" pos="2160">
           <p15:clr>
             <a:srgbClr val="A4A3A4"/>
@@ -223,7 +223,7 @@
             <a:fld id="{54D4857D-62A5-486B-9129-468003D7E020}" type="datetimeFigureOut">
               <a:rPr lang="pt-BR" smtClean="0"/>
               <a:pPr/>
-              <a:t>08/10/2018</a:t>
+              <a:t>09/10/2018</a:t>
             </a:fld>
             <a:endParaRPr lang="pt-BR"/>
           </a:p>
@@ -393,7 +393,7 @@
           <a:p>
             <a:fld id="{2D2EF2CE-B28C-4ED4-8FD0-48BB3F48846A}" type="datetimeFigureOut">
               <a:pPr/>
-              <a:t>08/10/2018</a:t>
+              <a:t>09/10/2018</a:t>
             </a:fld>
             <a:endParaRPr lang="pt-BR"/>
           </a:p>
@@ -898,56 +898,6 @@
               <a:buChar char="•"/>
               <a:defRPr lang="pt-BR"/>
             </a:pPr>
-            <a:r>
-              <a:rPr lang="pt-BR" sz="1200" kern="0" dirty="0"/>
-              <a:t>01 - break: Encerra o loop e sai do escopo.</a:t>
-            </a:r>
-          </a:p>
-          <a:p>
-            <a:pPr marL="342900" lvl="0" indent="-342900">
-              <a:spcBef>
-                <a:spcPct val="20000"/>
-              </a:spcBef>
-              <a:buFont typeface="Arial"/>
-              <a:buChar char="•"/>
-              <a:defRPr lang="pt-BR"/>
-            </a:pPr>
-            <a:r>
-              <a:rPr lang="pt-BR" dirty="0"/>
-              <a:t>02 - continue: Quando encontrado, encerra a interação e segue para a próxima interação.</a:t>
-            </a:r>
-          </a:p>
-          <a:p>
-            <a:pPr marL="342900" lvl="0" indent="-342900">
-              <a:spcBef>
-                <a:spcPct val="20000"/>
-              </a:spcBef>
-              <a:buFont typeface="Arial"/>
-              <a:buChar char="•"/>
-              <a:defRPr lang="pt-BR"/>
-            </a:pPr>
-            <a:r>
-              <a:rPr lang="pt-BR" dirty="0"/>
-              <a:t>03 - </a:t>
-            </a:r>
-            <a:r>
-              <a:rPr lang="pt-BR" dirty="0" err="1"/>
-              <a:t>return</a:t>
-            </a:r>
-            <a:r>
-              <a:rPr lang="pt-BR" dirty="0"/>
-              <a:t>: Utilizada para sair de um método. (Está fora do contexto da estrutura de repetição)</a:t>
-            </a:r>
-          </a:p>
-          <a:p>
-            <a:pPr marL="342900" lvl="0" indent="-342900">
-              <a:spcBef>
-                <a:spcPct val="20000"/>
-              </a:spcBef>
-              <a:buFont typeface="Arial"/>
-              <a:buChar char="•"/>
-              <a:defRPr lang="pt-BR"/>
-            </a:pPr>
             <a:endParaRPr lang="pt-BR" dirty="0"/>
           </a:p>
         </p:txBody>
@@ -977,6 +927,11 @@
         </p:txBody>
       </p:sp>
     </p:spTree>
+    <p:extLst>
+      <p:ext uri="{BB962C8B-B14F-4D97-AF65-F5344CB8AC3E}">
+        <p14:creationId xmlns:p14="http://schemas.microsoft.com/office/powerpoint/2010/main" val="2477212209"/>
+      </p:ext>
+    </p:extLst>
   </p:cSld>
   <p:clrMapOvr>
     <a:masterClrMapping/>
@@ -1067,7 +1022,7 @@
     </p:spTree>
     <p:extLst>
       <p:ext uri="{BB962C8B-B14F-4D97-AF65-F5344CB8AC3E}">
-        <p14:creationId xmlns:p14="http://schemas.microsoft.com/office/powerpoint/2010/main" val="2477212209"/>
+        <p14:creationId xmlns:p14="http://schemas.microsoft.com/office/powerpoint/2010/main" val="3649887134"/>
       </p:ext>
     </p:extLst>
   </p:cSld>
@@ -3648,7 +3603,7 @@
             <a:fld id="{8F67D422-08A8-451B-9A67-21962FC4B660}" type="datetimeFigureOut">
               <a:rPr kumimoji="0" lang="pt-BR" sz="1100"/>
               <a:pPr algn="r"/>
-              <a:t>08/10/2018</a:t>
+              <a:t>09/10/2018</a:t>
             </a:fld>
             <a:endParaRPr kumimoji="0" lang="pt-BR"/>
           </a:p>
@@ -3870,7 +3825,7 @@
             <a:fld id="{8F67D422-08A8-451B-9A67-21962FC4B660}" type="datetimeFigureOut">
               <a:rPr kumimoji="0" lang="pt-BR" sz="1100"/>
               <a:pPr algn="r"/>
-              <a:t>08/10/2018</a:t>
+              <a:t>09/10/2018</a:t>
             </a:fld>
             <a:endParaRPr kumimoji="0" lang="pt-BR"/>
           </a:p>
@@ -3987,7 +3942,7 @@
             <a:fld id="{8F67D422-08A8-451B-9A67-21962FC4B660}" type="datetimeFigureOut">
               <a:rPr kumimoji="0" lang="pt-BR" sz="1100"/>
               <a:pPr algn="r"/>
-              <a:t>08/10/2018</a:t>
+              <a:t>09/10/2018</a:t>
             </a:fld>
             <a:endParaRPr kumimoji="0" lang="pt-BR"/>
           </a:p>
@@ -4152,7 +4107,7 @@
           <a:p>
             <a:fld id="{1BEBB2CB-903D-46EF-8227-E770ED8FF514}" type="datetimeFigureOut">
               <a:pPr/>
-              <a:t>08/10/2018</a:t>
+              <a:t>09/10/2018</a:t>
             </a:fld>
             <a:endParaRPr kumimoji="0" lang="pt-BR"/>
           </a:p>
@@ -4630,7 +4585,7 @@
           <a:p>
             <a:fld id="{1BEBB2CB-903D-46EF-8227-E770ED8FF514}" type="datetimeFigureOut">
               <a:pPr/>
-              <a:t>08/10/2018</a:t>
+              <a:t>09/10/2018</a:t>
             </a:fld>
             <a:endParaRPr kumimoji="0" lang="pt-BR"/>
           </a:p>
@@ -5238,7 +5193,7 @@
           <a:p>
             <a:fld id="{1BEBB2CB-903D-46EF-8227-E770ED8FF514}" type="datetimeFigureOut">
               <a:pPr/>
-              <a:t>08/10/2018</a:t>
+              <a:t>09/10/2018</a:t>
             </a:fld>
             <a:endParaRPr kumimoji="0" lang="pt-BR"/>
           </a:p>
@@ -5633,7 +5588,7 @@
           <a:p>
             <a:fld id="{1BEBB2CB-903D-46EF-8227-E770ED8FF514}" type="datetimeFigureOut">
               <a:pPr/>
-              <a:t>08/10/2018</a:t>
+              <a:t>09/10/2018</a:t>
             </a:fld>
             <a:endParaRPr kumimoji="0" lang="pt-BR"/>
           </a:p>
@@ -6424,7 +6379,7 @@
           <a:p>
             <a:fld id="{1BEBB2CB-903D-46EF-8227-E770ED8FF514}" type="datetimeFigureOut">
               <a:pPr/>
-              <a:t>08/10/2018</a:t>
+              <a:t>09/10/2018</a:t>
             </a:fld>
             <a:endParaRPr kumimoji="0" lang="pt-BR"/>
           </a:p>
@@ -7518,7 +7473,7 @@
             <a:fld id="{8F67D422-08A8-451B-9A67-21962FC4B660}" type="datetimeFigureOut">
               <a:rPr kumimoji="0" lang="pt-BR" sz="1100"/>
               <a:pPr algn="r"/>
-              <a:t>08/10/2018</a:t>
+              <a:t>09/10/2018</a:t>
             </a:fld>
             <a:endParaRPr kumimoji="0" lang="pt-BR" sz="1050"/>
           </a:p>
@@ -8748,7 +8703,7 @@
           <p:cNvPr id="11" name="Rectangle 8">
             <a:extLst>
               <a:ext uri="{FF2B5EF4-FFF2-40B4-BE49-F238E27FC236}">
-                <a16:creationId xmlns="" xmlns:a16="http://schemas.microsoft.com/office/drawing/2014/main" id="{E1F0AA30-9C1D-4249-8068-4A45331D9230}"/>
+                <a16:creationId xmlns:a16="http://schemas.microsoft.com/office/drawing/2014/main" id="{E1F0AA30-9C1D-4249-8068-4A45331D9230}"/>
               </a:ext>
             </a:extLst>
           </p:cNvPr>
@@ -8991,7 +8946,7 @@
               <a:defRPr lang="pt-BR"/>
             </a:pPr>
             <a:r>
-              <a:rPr lang="pt-BR" sz="2400" kern="0" dirty="0" smtClean="0"/>
+              <a:rPr lang="pt-BR" sz="2400" kern="0" dirty="0"/>
               <a:t>Aprendemos:</a:t>
             </a:r>
           </a:p>
@@ -9005,7 +8960,7 @@
               <a:defRPr lang="pt-BR"/>
             </a:pPr>
             <a:r>
-              <a:rPr lang="pt-BR" sz="2400" kern="0" dirty="0" smtClean="0"/>
+              <a:rPr lang="pt-BR" sz="2400" kern="0" dirty="0"/>
               <a:t>Java EE</a:t>
             </a:r>
           </a:p>
@@ -9019,7 +8974,7 @@
               <a:defRPr lang="pt-BR"/>
             </a:pPr>
             <a:r>
-              <a:rPr lang="pt-BR" sz="2400" kern="0" dirty="0" smtClean="0"/>
+              <a:rPr lang="pt-BR" sz="2400" kern="0" dirty="0"/>
               <a:t>Servidor de aplicação</a:t>
             </a:r>
           </a:p>
@@ -9033,11 +8988,11 @@
               <a:defRPr lang="pt-BR"/>
             </a:pPr>
             <a:r>
-              <a:rPr lang="pt-BR" sz="2400" kern="0" dirty="0" err="1" smtClean="0"/>
+              <a:rPr lang="pt-BR" sz="2400" kern="0" dirty="0" err="1"/>
               <a:t>Apis</a:t>
             </a:r>
             <a:r>
-              <a:rPr lang="pt-BR" sz="2400" kern="0" dirty="0" smtClean="0"/>
+              <a:rPr lang="pt-BR" sz="2400" kern="0" dirty="0"/>
               <a:t> do Java EE</a:t>
             </a:r>
           </a:p>
@@ -9051,15 +9006,15 @@
               <a:defRPr lang="pt-BR"/>
             </a:pPr>
             <a:r>
-              <a:rPr lang="pt-BR" sz="2400" kern="0" dirty="0" smtClean="0"/>
+              <a:rPr lang="pt-BR" sz="2400" kern="0" dirty="0"/>
               <a:t>Arquitetura de projetos </a:t>
             </a:r>
             <a:r>
-              <a:rPr lang="pt-BR" sz="2400" kern="0" dirty="0" err="1" smtClean="0"/>
+              <a:rPr lang="pt-BR" sz="2400" kern="0" dirty="0" err="1"/>
               <a:t>java</a:t>
             </a:r>
             <a:r>
-              <a:rPr lang="pt-BR" sz="2400" kern="0" dirty="0" smtClean="0"/>
+              <a:rPr lang="pt-BR" sz="2400" kern="0" dirty="0"/>
               <a:t> EE</a:t>
             </a:r>
           </a:p>
@@ -9073,7 +9028,7 @@
               <a:defRPr lang="pt-BR"/>
             </a:pPr>
             <a:r>
-              <a:rPr lang="pt-BR" sz="2400" kern="0" dirty="0" smtClean="0"/>
+              <a:rPr lang="pt-BR" sz="2400" kern="0" dirty="0"/>
               <a:t>Acesso a banco de dados</a:t>
             </a:r>
           </a:p>
@@ -9122,7 +9077,12 @@
             <p:ph type="title"/>
           </p:nvPr>
         </p:nvSpPr>
-        <p:spPr/>
+        <p:spPr>
+          <a:xfrm>
+            <a:off x="228600" y="1676400"/>
+            <a:ext cx="8229600" cy="1143000"/>
+          </a:xfrm>
+        </p:spPr>
         <p:txBody>
           <a:bodyPr>
             <a:noAutofit/>
@@ -9131,128 +9091,155 @@
           <a:p>
             <a:r>
               <a:rPr lang="pt-BR" sz="4000" dirty="0"/>
-              <a:t>EXTRAS:</a:t>
-            </a:r>
-          </a:p>
-        </p:txBody>
-      </p:sp>
-      <p:sp>
-        <p:nvSpPr>
-          <p:cNvPr id="4" name="Rectangle 25"/>
-          <p:cNvSpPr txBox="1">
-            <a:spLocks/>
-          </p:cNvSpPr>
+              <a:t>EXERCÍCIOS:</a:t>
+            </a:r>
+          </a:p>
+        </p:txBody>
+      </p:sp>
+      <p:sp>
+        <p:nvSpPr>
+          <p:cNvPr id="7" name="Retângulo 6">
+            <a:extLst>
+              <a:ext uri="{FF2B5EF4-FFF2-40B4-BE49-F238E27FC236}">
+                <a16:creationId xmlns:a16="http://schemas.microsoft.com/office/drawing/2014/main" id="{DE871D51-6822-455D-8B97-7F37D0BA5BB9}"/>
+              </a:ext>
+            </a:extLst>
+          </p:cNvPr>
+          <p:cNvSpPr/>
           <p:nvPr/>
         </p:nvSpPr>
         <p:spPr>
           <a:xfrm>
-            <a:off x="762000" y="2924944"/>
-            <a:ext cx="7086600" cy="3456384"/>
+            <a:off x="685800" y="2703016"/>
+            <a:ext cx="7772400" cy="4154984"/>
           </a:xfrm>
           <a:prstGeom prst="rect">
             <a:avLst/>
           </a:prstGeom>
         </p:spPr>
         <p:txBody>
-          <a:bodyPr vert="horz">
-            <a:noAutofit/>
-          </a:bodyPr>
-          <a:lstStyle/>
-          <a:p>
-            <a:pPr marL="342900" lvl="0" indent="-342900">
-              <a:spcBef>
-                <a:spcPct val="20000"/>
-              </a:spcBef>
-              <a:buFont typeface="Arial"/>
-              <a:buChar char="•"/>
-              <a:defRPr lang="pt-BR"/>
-            </a:pPr>
-            <a:endParaRPr lang="pt-BR" sz="2400" kern="0" dirty="0"/>
-          </a:p>
-        </p:txBody>
-      </p:sp>
-      <p:sp>
-        <p:nvSpPr>
-          <p:cNvPr id="2" name="Retângulo 1"/>
-          <p:cNvSpPr/>
-          <p:nvPr/>
-        </p:nvSpPr>
-        <p:spPr>
-          <a:xfrm>
-            <a:off x="762000" y="2703016"/>
-            <a:ext cx="7086600" cy="3785652"/>
-          </a:xfrm>
-          <a:prstGeom prst="rect">
-            <a:avLst/>
-          </a:prstGeom>
-        </p:spPr>
-        <p:txBody>
           <a:bodyPr wrap="square">
             <a:spAutoFit/>
           </a:bodyPr>
           <a:lstStyle/>
           <a:p>
+            <a:pPr marL="457200" indent="-457200">
+              <a:buAutoNum type="arabicParenR"/>
+            </a:pPr>
             <a:r>
               <a:rPr lang="pt-BR" sz="2400" b="1" dirty="0"/>
-              <a:t>- Estrutura de controle de decisão.</a:t>
-            </a:r>
-          </a:p>
-          <a:p>
-            <a:r>
-              <a:rPr lang="pt-BR" sz="2400" dirty="0"/>
-              <a:t>	</a:t>
-            </a:r>
-            <a:r>
-              <a:rPr lang="pt-BR" sz="2400" dirty="0">
-                <a:solidFill>
-                  <a:srgbClr val="00B0F0"/>
-                </a:solidFill>
-              </a:rPr>
-              <a:t>https://docs.oracle.com/javase/tutorial/java/nutsandbolts/examples/IfElseDemo.java</a:t>
-            </a:r>
-          </a:p>
-          <a:p>
-            <a:r>
-              <a:rPr lang="pt-BR" sz="2400" dirty="0"/>
-              <a:t>- Estrutura de controle de Fluxo. 	</a:t>
-            </a:r>
-            <a:r>
-              <a:rPr lang="pt-BR" sz="2400" dirty="0">
-                <a:solidFill>
-                  <a:srgbClr val="00B0F0"/>
-                </a:solidFill>
-              </a:rPr>
-              <a:t>https://docs.oracle.com/javase/tutorial/java/nutsandbolts/switch.html</a:t>
-            </a:r>
-          </a:p>
-          <a:p>
-            <a:pPr marL="342900" indent="-342900">
-              <a:buFontTx/>
-              <a:buChar char="-"/>
-            </a:pPr>
-            <a:r>
-              <a:rPr lang="pt-BR" sz="2400" dirty="0"/>
-              <a:t>Controle de interrupção.</a:t>
-            </a:r>
-          </a:p>
-          <a:p>
-            <a:r>
-              <a:rPr lang="pt-BR" sz="2400" dirty="0"/>
-              <a:t>	Interrupção permitem que redirecionemos o fluxo de controle do programa.</a:t>
-            </a:r>
-          </a:p>
-          <a:p>
-            <a:r>
-              <a:rPr lang="pt-BR" sz="2400" dirty="0"/>
-              <a:t>	03 Tipos: break, continue, </a:t>
-            </a:r>
-            <a:r>
-              <a:rPr lang="pt-BR" sz="2400" dirty="0" err="1"/>
-              <a:t>return</a:t>
-            </a:r>
-            <a:r>
-              <a:rPr lang="pt-BR" sz="2400" dirty="0"/>
-              <a:t>.</a:t>
+              <a:t>Com um projeto </a:t>
+            </a:r>
+            <a:r>
+              <a:rPr lang="pt-BR" sz="2400" b="1" dirty="0" err="1"/>
+              <a:t>maven</a:t>
+            </a:r>
+            <a:r>
+              <a:rPr lang="pt-BR" sz="2400" b="1" dirty="0"/>
+              <a:t>, crie uma </a:t>
+            </a:r>
+            <a:r>
+              <a:rPr lang="pt-BR" sz="2400" b="1" dirty="0" err="1"/>
+              <a:t>servlet</a:t>
+            </a:r>
+            <a:r>
+              <a:rPr lang="pt-BR" sz="2400" b="1" dirty="0"/>
+              <a:t> com anotação @</a:t>
+            </a:r>
+            <a:r>
+              <a:rPr lang="pt-BR" sz="2400" b="1" dirty="0" err="1"/>
+              <a:t>WebServlet</a:t>
+            </a:r>
+            <a:r>
+              <a:rPr lang="pt-BR" sz="2400" b="1" dirty="0"/>
+              <a:t> no seu </a:t>
+            </a:r>
+            <a:r>
+              <a:rPr lang="pt-BR" sz="2400" b="1" dirty="0" err="1"/>
+              <a:t>controller</a:t>
+            </a:r>
+            <a:r>
+              <a:rPr lang="pt-BR" sz="2400" b="1" dirty="0"/>
+              <a:t> e faça uma chamada via HTTP para retornar dados na resposta.</a:t>
+            </a:r>
+          </a:p>
+          <a:p>
+            <a:r>
+              <a:rPr lang="pt-BR" sz="2400" b="1" dirty="0"/>
+              <a:t>Informações úteis:</a:t>
+            </a:r>
+          </a:p>
+          <a:p>
+            <a:r>
+              <a:rPr lang="pt-BR" sz="2400" b="1" dirty="0"/>
+              <a:t>	Versão do </a:t>
+            </a:r>
+            <a:r>
+              <a:rPr lang="pt-BR" sz="2400" b="1" dirty="0" err="1"/>
+              <a:t>java</a:t>
+            </a:r>
+            <a:r>
+              <a:rPr lang="pt-BR" sz="2400" b="1" dirty="0"/>
+              <a:t>: 1.8 </a:t>
+            </a:r>
+          </a:p>
+          <a:p>
+            <a:r>
+              <a:rPr lang="pt-BR" sz="2400" b="1" dirty="0"/>
+              <a:t>	Eclipse: </a:t>
+            </a:r>
+            <a:r>
+              <a:rPr lang="pt-BR" sz="2400" b="1" dirty="0" err="1"/>
+              <a:t>SimRel</a:t>
+            </a:r>
+            <a:r>
+              <a:rPr lang="pt-BR" sz="2400" b="1" dirty="0"/>
+              <a:t> 2018‑09 </a:t>
+            </a:r>
+          </a:p>
+          <a:p>
+            <a:r>
+              <a:rPr lang="pt-BR" sz="2400" b="1" dirty="0"/>
+              <a:t>	Servidor de aplicação: </a:t>
+            </a:r>
+            <a:r>
+              <a:rPr lang="pt-BR" sz="2400" b="1" dirty="0" err="1"/>
+              <a:t>Wildfly</a:t>
+            </a:r>
+            <a:r>
+              <a:rPr lang="pt-BR" sz="2400" b="1" dirty="0"/>
+              <a:t> 12.0.0.Final </a:t>
+            </a:r>
+          </a:p>
+          <a:p>
+            <a:r>
+              <a:rPr lang="pt-BR" sz="2400" b="1" dirty="0"/>
+              <a:t>	Gerenciador de dependência: </a:t>
+            </a:r>
+            <a:r>
+              <a:rPr lang="pt-BR" sz="2400" b="1" dirty="0" err="1"/>
+              <a:t>Maven</a:t>
+            </a:r>
+            <a:endParaRPr lang="pt-BR" sz="2400" b="1" dirty="0"/>
+          </a:p>
+          <a:p>
+            <a:r>
+              <a:rPr lang="pt-BR" sz="2400" b="1" dirty="0"/>
+              <a:t>	APIS Utilizadas: </a:t>
+            </a:r>
+            <a:r>
+              <a:rPr lang="pt-BR" sz="2400" b="1" dirty="0" err="1"/>
+              <a:t>javaee-api</a:t>
+            </a:r>
+            <a:r>
+              <a:rPr lang="pt-BR" sz="2400" b="1" dirty="0"/>
+              <a:t> versão 8.0</a:t>
+            </a:r>
+          </a:p>
+          <a:p>
+            <a:r>
+              <a:rPr lang="pt-BR" sz="2400" b="1" dirty="0"/>
+              <a:t>	Padrão de projeto: MVC</a:t>
             </a:r>
           </a:p>
         </p:txBody>
@@ -9260,7 +9247,7 @@
     </p:spTree>
     <p:extLst>
       <p:ext uri="{BB962C8B-B14F-4D97-AF65-F5344CB8AC3E}">
-        <p14:creationId xmlns:p14="http://schemas.microsoft.com/office/powerpoint/2010/main" val="1677101322"/>
+        <p14:creationId xmlns:p14="http://schemas.microsoft.com/office/powerpoint/2010/main" val="1832021912"/>
       </p:ext>
     </p:extLst>
   </p:cSld>
@@ -9324,7 +9311,7 @@
           <p:cNvPr id="7" name="Retângulo 6">
             <a:extLst>
               <a:ext uri="{FF2B5EF4-FFF2-40B4-BE49-F238E27FC236}">
-                <a16:creationId xmlns="" xmlns:a16="http://schemas.microsoft.com/office/drawing/2014/main" id="{DE871D51-6822-455D-8B97-7F37D0BA5BB9}"/>
+                <a16:creationId xmlns:a16="http://schemas.microsoft.com/office/drawing/2014/main" id="{DE871D51-6822-455D-8B97-7F37D0BA5BB9}"/>
               </a:ext>
             </a:extLst>
           </p:cNvPr>
@@ -9334,7 +9321,7 @@
         <p:spPr>
           <a:xfrm>
             <a:off x="685800" y="2703016"/>
-            <a:ext cx="7772400" cy="3785652"/>
+            <a:ext cx="7772400" cy="1569660"/>
           </a:xfrm>
           <a:prstGeom prst="rect">
             <a:avLst/>
@@ -9347,74 +9334,20 @@
           <a:lstStyle/>
           <a:p>
             <a:pPr marL="457200" indent="-457200">
-              <a:buAutoNum type="arabicParenR"/>
+              <a:buFont typeface="+mj-lt"/>
+              <a:buAutoNum type="arabicParenR" startAt="2"/>
             </a:pPr>
             <a:r>
               <a:rPr lang="pt-BR" sz="2400" b="1" dirty="0"/>
-              <a:t>Crie 3 loops que informe números sequencias de 0 até 100.</a:t>
-            </a:r>
-          </a:p>
-          <a:p>
-            <a:pPr marL="914400" lvl="1" indent="-457200">
-              <a:buAutoNum type="alphaLcParenR"/>
-            </a:pPr>
-            <a:r>
-              <a:rPr lang="pt-BR" sz="2400" b="1" dirty="0" err="1"/>
-              <a:t>While</a:t>
-            </a:r>
-            <a:endParaRPr lang="pt-BR" sz="2400" b="1" dirty="0"/>
-          </a:p>
-          <a:p>
-            <a:pPr marL="914400" lvl="1" indent="-457200">
-              <a:buAutoNum type="alphaLcParenR"/>
-            </a:pPr>
-            <a:r>
-              <a:rPr lang="pt-BR" sz="2400" b="1" dirty="0"/>
-              <a:t>Do-</a:t>
-            </a:r>
-            <a:r>
-              <a:rPr lang="pt-BR" sz="2400" b="1" dirty="0" err="1"/>
-              <a:t>while</a:t>
-            </a:r>
-            <a:endParaRPr lang="pt-BR" sz="2400" b="1" dirty="0"/>
-          </a:p>
-          <a:p>
-            <a:pPr marL="914400" lvl="1" indent="-457200">
-              <a:buAutoNum type="alphaLcParenR"/>
-            </a:pPr>
-            <a:r>
-              <a:rPr lang="pt-BR" sz="2400" b="1" dirty="0"/>
-              <a:t>For </a:t>
-            </a:r>
-          </a:p>
-          <a:p>
-            <a:pPr marL="457200" indent="-457200">
-              <a:buAutoNum type="arabicParenR"/>
-            </a:pPr>
-            <a:endParaRPr lang="pt-BR" sz="2400" b="1" dirty="0"/>
-          </a:p>
-          <a:p>
-            <a:pPr marL="457200" indent="-457200">
-              <a:buFontTx/>
-              <a:buAutoNum type="arabicParenR"/>
-            </a:pPr>
-            <a:r>
-              <a:rPr lang="pt-BR" sz="2400" b="1" dirty="0"/>
-              <a:t>Crie um gerador de número aleatório de 0 a 10, após isso faça um loop e peça para usuário tentar acertar o número gerado em 5 tentativas. </a:t>
-            </a:r>
-          </a:p>
-          <a:p>
-            <a:pPr marL="457200" indent="-457200">
-              <a:buAutoNum type="arabicParenR"/>
-            </a:pPr>
-            <a:endParaRPr lang="pt-BR" sz="2400" b="1" dirty="0"/>
+              <a:t>Com seu projeto criado, simule um retorno do banco através da camada DAO do seu projeto e use CDI para injetar as dependências e retornar os dados.</a:t>
+            </a:r>
           </a:p>
         </p:txBody>
       </p:sp>
     </p:spTree>
     <p:extLst>
       <p:ext uri="{BB962C8B-B14F-4D97-AF65-F5344CB8AC3E}">
-        <p14:creationId xmlns:p14="http://schemas.microsoft.com/office/powerpoint/2010/main" val="1832021912"/>
+        <p14:creationId xmlns:p14="http://schemas.microsoft.com/office/powerpoint/2010/main" val="3169650742"/>
       </p:ext>
     </p:extLst>
   </p:cSld>
@@ -9525,39 +9458,30 @@
           </a:p>
           <a:p>
             <a:r>
-              <a:rPr lang="pt-BR" sz="2400" dirty="0" smtClean="0"/>
+              <a:rPr lang="pt-BR" sz="2400" dirty="0"/>
               <a:t>Container e componente.</a:t>
             </a:r>
           </a:p>
           <a:p>
             <a:r>
-              <a:rPr lang="pt-BR" sz="2400" dirty="0" err="1" smtClean="0"/>
+              <a:rPr lang="pt-BR" sz="2400" dirty="0" err="1"/>
               <a:t>Apis</a:t>
             </a:r>
             <a:r>
-              <a:rPr lang="pt-BR" sz="2400" dirty="0" smtClean="0"/>
+              <a:rPr lang="pt-BR" sz="2400" dirty="0"/>
               <a:t> Java EE</a:t>
             </a:r>
-            <a:endParaRPr lang="pt-BR" sz="2400" dirty="0"/>
           </a:p>
           <a:p>
             <a:r>
               <a:rPr lang="pt-BR" sz="2400" dirty="0"/>
-              <a:t>Entendendo a arquitetura</a:t>
-            </a:r>
-            <a:r>
-              <a:rPr lang="pt-BR" sz="2400" dirty="0" smtClean="0"/>
-              <a:t>.</a:t>
-            </a:r>
-          </a:p>
-          <a:p>
-            <a:r>
-              <a:rPr lang="pt-BR" sz="2400" dirty="0" smtClean="0"/>
-              <a:t>Vamos </a:t>
-            </a:r>
+              <a:t>Entendendo a arquitetura.</a:t>
+            </a:r>
+          </a:p>
+          <a:p>
             <a:r>
               <a:rPr lang="pt-BR" sz="2400" dirty="0"/>
-              <a:t>ao código !</a:t>
+              <a:t>Vamos ao código !</a:t>
             </a:r>
           </a:p>
           <a:p>
@@ -10022,13 +9946,8 @@
           <a:p>
             <a:r>
               <a:rPr lang="pt-BR" sz="3800" dirty="0"/>
-              <a:t>O que é um servidor </a:t>
-            </a:r>
-            <a:r>
-              <a:rPr lang="pt-BR" sz="3800" dirty="0" smtClean="0"/>
-              <a:t>Componente ?</a:t>
-            </a:r>
-            <a:endParaRPr lang="pt-BR" sz="3800" dirty="0"/>
+              <a:t>O que é um servidor Componente ?</a:t>
+            </a:r>
           </a:p>
         </p:txBody>
       </p:sp>
@@ -10062,7 +9981,7 @@
               <a:defRPr lang="pt-BR"/>
             </a:pPr>
             <a:r>
-              <a:rPr lang="pt-BR" sz="2400" dirty="0" smtClean="0"/>
+              <a:rPr lang="pt-BR" sz="2400" dirty="0"/>
               <a:t>Componente são os aplicativos desenvolvidos (WAR), que são instalados nos servidores de aplicação.</a:t>
             </a:r>
             <a:endParaRPr lang="pt-BR" sz="2400" kern="0" dirty="0"/>
@@ -10190,24 +10109,6 @@
               <a:t>https://docs.oracle.com/javaee/7/api/toc.htm</a:t>
             </a:r>
           </a:p>
-          <a:p>
-            <a:pPr lvl="0">
-              <a:spcBef>
-                <a:spcPct val="20000"/>
-              </a:spcBef>
-              <a:defRPr lang="pt-BR"/>
-            </a:pPr>
-            <a:endParaRPr lang="pt-BR" sz="2400" kern="0" dirty="0"/>
-          </a:p>
-          <a:p>
-            <a:pPr lvl="0">
-              <a:spcBef>
-                <a:spcPct val="20000"/>
-              </a:spcBef>
-              <a:defRPr lang="pt-BR"/>
-            </a:pPr>
-            <a:endParaRPr lang="pt-BR" sz="2400" kern="0" dirty="0"/>
-          </a:p>
         </p:txBody>
       </p:sp>
     </p:spTree>
@@ -10452,7 +10353,7 @@
           <a:lstStyle/>
           <a:p>
             <a:r>
-              <a:rPr lang="pt-BR" sz="4000" b="0" dirty="0" smtClean="0"/>
+              <a:rPr lang="pt-BR" sz="4000" b="0" dirty="0"/>
               <a:t>Acesso ao banco de dados.</a:t>
             </a:r>
             <a:endParaRPr lang="pt-BR" sz="4000" dirty="0"/>

--- a/AulasAvancado/src/main/resources/br/com/Aula1/JavaEE.pptx
+++ b/AulasAvancado/src/main/resources/br/com/Aula1/JavaEE.pptx
@@ -5,10 +5,10 @@
     <p:sldMasterId id="2147483648" r:id="rId1"/>
   </p:sldMasterIdLst>
   <p:notesMasterIdLst>
-    <p:notesMasterId r:id="rId13"/>
+    <p:notesMasterId r:id="rId16"/>
   </p:notesMasterIdLst>
   <p:handoutMasterIdLst>
-    <p:handoutMasterId r:id="rId14"/>
+    <p:handoutMasterId r:id="rId17"/>
   </p:handoutMasterIdLst>
   <p:sldIdLst>
     <p:sldId id="257" r:id="rId2"/>
@@ -18,10 +18,13 @@
     <p:sldId id="281" r:id="rId6"/>
     <p:sldId id="285" r:id="rId7"/>
     <p:sldId id="273" r:id="rId8"/>
-    <p:sldId id="275" r:id="rId9"/>
-    <p:sldId id="284" r:id="rId10"/>
-    <p:sldId id="280" r:id="rId11"/>
-    <p:sldId id="287" r:id="rId12"/>
+    <p:sldId id="288" r:id="rId9"/>
+    <p:sldId id="289" r:id="rId10"/>
+    <p:sldId id="290" r:id="rId11"/>
+    <p:sldId id="275" r:id="rId12"/>
+    <p:sldId id="284" r:id="rId13"/>
+    <p:sldId id="280" r:id="rId14"/>
+    <p:sldId id="287" r:id="rId15"/>
   </p:sldIdLst>
   <p:sldSz cx="9144000" cy="6858000" type="screen4x3"/>
   <p:notesSz cx="6858000" cy="9144000"/>
@@ -120,7 +123,7 @@
   </p:defaultTextStyle>
   <p:extLst>
     <p:ext uri="{EFAFB233-063F-42B5-8137-9DF3F51BA10A}">
-      <p15:sldGuideLst xmlns:p15="http://schemas.microsoft.com/office/powerpoint/2012/main" xmlns="">
+      <p15:sldGuideLst xmlns="" xmlns:p15="http://schemas.microsoft.com/office/powerpoint/2012/main">
         <p15:guide id="1" orient="horz" pos="2160">
           <p15:clr>
             <a:srgbClr val="A4A3A4"/>
@@ -222,7 +225,7 @@
             <a:fld id="{54D4857D-62A5-486B-9129-468003D7E020}" type="datetimeFigureOut">
               <a:rPr lang="pt-BR" smtClean="0"/>
               <a:pPr/>
-              <a:t>09/10/2018</a:t>
+              <a:t>12/10/2018</a:t>
             </a:fld>
             <a:endParaRPr lang="pt-BR"/>
           </a:p>
@@ -392,7 +395,7 @@
           <a:p>
             <a:fld id="{2D2EF2CE-B28C-4ED4-8FD0-48BB3F48846A}" type="datetimeFigureOut">
               <a:pPr/>
-              <a:t>09/10/2018</a:t>
+              <a:t>12/10/2018</a:t>
             </a:fld>
             <a:endParaRPr lang="pt-BR"/>
           </a:p>
@@ -788,15 +791,320 @@
           <a:bodyPr/>
           <a:lstStyle/>
           <a:p>
-            <a:pPr marL="342900" lvl="0" indent="-342900">
+            <a:pPr marL="0" marR="0" lvl="0" indent="0" algn="l" defTabSz="914400" rtl="0" eaLnBrk="1" fontAlgn="auto" latinLnBrk="0" hangingPunct="1">
+              <a:lnSpc>
+                <a:spcPct val="100000"/>
+              </a:lnSpc>
               <a:spcBef>
-                <a:spcPct val="20000"/>
+                <a:spcPts val="0"/>
               </a:spcBef>
-              <a:buFont typeface="Arial"/>
-              <a:buChar char="•"/>
-              <a:defRPr lang="pt-BR"/>
+              <a:spcAft>
+                <a:spcPts val="0"/>
+              </a:spcAft>
+              <a:buClrTx/>
+              <a:buSzTx/>
+              <a:buFontTx/>
+              <a:buNone/>
+              <a:tabLst/>
+              <a:defRPr/>
             </a:pPr>
-            <a:endParaRPr lang="pt-BR" dirty="0"/>
+            <a:r>
+              <a:rPr lang="pt-BR" sz="1200" kern="0" dirty="0" smtClean="0"/>
+              <a:t>Para um servidor permitir acesso a um </a:t>
+            </a:r>
+            <a:r>
+              <a:rPr lang="pt-BR" sz="1200" kern="0" dirty="0" err="1" smtClean="0"/>
+              <a:t>datasource</a:t>
+            </a:r>
+            <a:r>
+              <a:rPr lang="pt-BR" sz="1200" kern="0" dirty="0" smtClean="0"/>
+              <a:t>,</a:t>
+            </a:r>
+            <a:r>
+              <a:rPr lang="pt-BR" sz="1200" kern="0" baseline="0" dirty="0" smtClean="0"/>
+              <a:t> ele deve ter um nome JNDI publicado no serviço. Sabendo o nome, pode ser feito o </a:t>
+            </a:r>
+            <a:r>
+              <a:rPr lang="pt-BR" sz="1200" kern="0" baseline="0" dirty="0" err="1" smtClean="0"/>
+              <a:t>lookup</a:t>
+            </a:r>
+            <a:r>
+              <a:rPr lang="pt-BR" sz="1200" kern="0" baseline="0" dirty="0" smtClean="0"/>
+              <a:t> e obter um </a:t>
+            </a:r>
+            <a:r>
+              <a:rPr lang="pt-BR" sz="1200" kern="0" baseline="0" dirty="0" err="1" smtClean="0"/>
+              <a:t>datasource</a:t>
+            </a:r>
+            <a:r>
+              <a:rPr lang="pt-BR" sz="1200" kern="0" baseline="0" dirty="0" smtClean="0"/>
+              <a:t> do servidor, que envia conexões via JDBC.</a:t>
+            </a:r>
+          </a:p>
+          <a:p>
+            <a:pPr marL="0" marR="0" lvl="0" indent="0" algn="l" defTabSz="914400" rtl="0" eaLnBrk="1" fontAlgn="auto" latinLnBrk="0" hangingPunct="1">
+              <a:lnSpc>
+                <a:spcPct val="100000"/>
+              </a:lnSpc>
+              <a:spcBef>
+                <a:spcPts val="0"/>
+              </a:spcBef>
+              <a:spcAft>
+                <a:spcPts val="0"/>
+              </a:spcAft>
+              <a:buClrTx/>
+              <a:buSzTx/>
+              <a:buFontTx/>
+              <a:buNone/>
+              <a:tabLst/>
+              <a:defRPr/>
+            </a:pPr>
+            <a:endParaRPr lang="pt-BR" sz="1200" kern="0" baseline="0" dirty="0" smtClean="0"/>
+          </a:p>
+          <a:p>
+            <a:r>
+              <a:rPr lang="pt-BR" sz="1200" kern="0" baseline="0" dirty="0" smtClean="0"/>
+              <a:t>São </a:t>
+            </a:r>
+            <a:r>
+              <a:rPr lang="pt-BR" sz="1200" b="0" i="0" u="none" strike="noStrike" kern="1200" baseline="0" dirty="0" smtClean="0">
+                <a:solidFill>
+                  <a:schemeClr val="tx1"/>
+                </a:solidFill>
+                <a:latin typeface="+mn-lt"/>
+                <a:ea typeface="+mn-ea"/>
+                <a:cs typeface="+mn-cs"/>
+              </a:rPr>
+              <a:t>usados para conectar JDBC a partir de </a:t>
+            </a:r>
+            <a:r>
+              <a:rPr lang="pt-BR" sz="1200" b="0" i="0" u="none" strike="noStrike" kern="1200" baseline="0" dirty="0" err="1" smtClean="0">
+                <a:solidFill>
+                  <a:schemeClr val="tx1"/>
+                </a:solidFill>
+                <a:latin typeface="+mn-lt"/>
+                <a:ea typeface="+mn-ea"/>
+                <a:cs typeface="+mn-cs"/>
+              </a:rPr>
+              <a:t>servlets</a:t>
+            </a:r>
+            <a:r>
+              <a:rPr lang="pt-BR" sz="1200" b="0" i="0" u="none" strike="noStrike" kern="1200" baseline="0" dirty="0" smtClean="0">
+                <a:solidFill>
+                  <a:schemeClr val="tx1"/>
+                </a:solidFill>
+                <a:latin typeface="+mn-lt"/>
+                <a:ea typeface="+mn-ea"/>
+                <a:cs typeface="+mn-cs"/>
+              </a:rPr>
+              <a:t> e para configurar serviços de persistência JPA.</a:t>
+            </a:r>
+          </a:p>
+          <a:p>
+            <a:endParaRPr lang="pt-BR" sz="1200" b="0" i="0" u="none" strike="noStrike" kern="1200" baseline="0" dirty="0" smtClean="0">
+              <a:solidFill>
+                <a:schemeClr val="tx1"/>
+              </a:solidFill>
+              <a:latin typeface="+mn-lt"/>
+              <a:ea typeface="+mn-ea"/>
+              <a:cs typeface="+mn-cs"/>
+            </a:endParaRPr>
+          </a:p>
+          <a:p>
+            <a:r>
+              <a:rPr lang="pt-BR" sz="1200" b="0" i="0" u="none" strike="noStrike" kern="1200" baseline="0" dirty="0" smtClean="0">
+                <a:solidFill>
+                  <a:schemeClr val="tx1"/>
+                </a:solidFill>
+                <a:latin typeface="+mn-lt"/>
+                <a:ea typeface="+mn-ea"/>
+                <a:cs typeface="+mn-cs"/>
+              </a:rPr>
+              <a:t>Mensageria: </a:t>
+            </a:r>
+            <a:r>
+              <a:rPr lang="pt-BR" sz="1200" b="0" i="0" kern="1200" dirty="0" smtClean="0">
+                <a:solidFill>
+                  <a:schemeClr val="tx1"/>
+                </a:solidFill>
+                <a:effectLst/>
+                <a:latin typeface="+mn-lt"/>
+                <a:ea typeface="+mn-ea"/>
+                <a:cs typeface="+mn-cs"/>
+              </a:rPr>
+              <a:t>Em poucas palavras, a Mensageria ou </a:t>
+            </a:r>
+            <a:r>
+              <a:rPr lang="pt-BR" sz="1200" b="0" i="0" kern="1200" dirty="0" err="1" smtClean="0">
+                <a:solidFill>
+                  <a:schemeClr val="tx1"/>
+                </a:solidFill>
+                <a:effectLst/>
+                <a:latin typeface="+mn-lt"/>
+                <a:ea typeface="+mn-ea"/>
+                <a:cs typeface="+mn-cs"/>
+              </a:rPr>
+              <a:t>Messaging</a:t>
+            </a:r>
+            <a:r>
+              <a:rPr lang="pt-BR" sz="1200" b="0" i="0" kern="1200" dirty="0" smtClean="0">
+                <a:solidFill>
+                  <a:schemeClr val="tx1"/>
+                </a:solidFill>
+                <a:effectLst/>
+                <a:latin typeface="+mn-lt"/>
+                <a:ea typeface="+mn-ea"/>
+                <a:cs typeface="+mn-cs"/>
+              </a:rPr>
+              <a:t> consiste na utilização de mensagens para estabelecer a comunicação síncrona ou assíncrona entre aplicações.</a:t>
+            </a:r>
+            <a:endParaRPr lang="pt-BR" sz="1200" b="0" i="0" u="none" strike="noStrike" kern="1200" baseline="0" dirty="0" smtClean="0">
+              <a:solidFill>
+                <a:schemeClr val="tx1"/>
+              </a:solidFill>
+              <a:latin typeface="+mn-lt"/>
+              <a:ea typeface="+mn-ea"/>
+              <a:cs typeface="+mn-cs"/>
+            </a:endParaRPr>
+          </a:p>
+          <a:p>
+            <a:r>
+              <a:rPr lang="pt-BR" sz="1200" b="0" i="0" u="none" strike="noStrike" kern="1200" baseline="0" dirty="0" smtClean="0">
+                <a:solidFill>
+                  <a:schemeClr val="tx1"/>
+                </a:solidFill>
+                <a:latin typeface="+mn-lt"/>
+                <a:ea typeface="+mn-ea"/>
+                <a:cs typeface="+mn-cs"/>
+              </a:rPr>
+              <a:t>JDBC (</a:t>
+            </a:r>
+            <a:r>
+              <a:rPr lang="pt-BR" sz="1200" b="0" i="0" kern="1200" dirty="0" smtClean="0">
+                <a:solidFill>
+                  <a:schemeClr val="tx1"/>
+                </a:solidFill>
+                <a:effectLst/>
+                <a:latin typeface="+mn-lt"/>
+                <a:ea typeface="+mn-ea"/>
+                <a:cs typeface="+mn-cs"/>
+              </a:rPr>
+              <a:t>Java </a:t>
+            </a:r>
+            <a:r>
+              <a:rPr lang="pt-BR" sz="1200" b="0" i="0" kern="1200" dirty="0" err="1" smtClean="0">
+                <a:solidFill>
+                  <a:schemeClr val="tx1"/>
+                </a:solidFill>
+                <a:effectLst/>
+                <a:latin typeface="+mn-lt"/>
+                <a:ea typeface="+mn-ea"/>
+                <a:cs typeface="+mn-cs"/>
+              </a:rPr>
+              <a:t>Database</a:t>
+            </a:r>
+            <a:r>
+              <a:rPr lang="pt-BR" sz="1200" b="0" i="0" kern="1200" dirty="0" smtClean="0">
+                <a:solidFill>
+                  <a:schemeClr val="tx1"/>
+                </a:solidFill>
+                <a:effectLst/>
+                <a:latin typeface="+mn-lt"/>
+                <a:ea typeface="+mn-ea"/>
+                <a:cs typeface="+mn-cs"/>
+              </a:rPr>
+              <a:t> </a:t>
+            </a:r>
+            <a:r>
+              <a:rPr lang="pt-BR" sz="1200" b="0" i="0" kern="1200" dirty="0" err="1" smtClean="0">
+                <a:solidFill>
+                  <a:schemeClr val="tx1"/>
+                </a:solidFill>
+                <a:effectLst/>
+                <a:latin typeface="+mn-lt"/>
+                <a:ea typeface="+mn-ea"/>
+                <a:cs typeface="+mn-cs"/>
+              </a:rPr>
+              <a:t>Connectivity</a:t>
+            </a:r>
+            <a:r>
+              <a:rPr lang="pt-BR" sz="1200" b="0" i="0" u="none" strike="noStrike" kern="1200" baseline="0" dirty="0" smtClean="0">
+                <a:solidFill>
+                  <a:schemeClr val="tx1"/>
+                </a:solidFill>
+                <a:latin typeface="+mn-lt"/>
+                <a:ea typeface="+mn-ea"/>
+                <a:cs typeface="+mn-cs"/>
+              </a:rPr>
+              <a:t>) API </a:t>
+            </a:r>
+            <a:r>
+              <a:rPr lang="pt-BR" sz="1200" b="0" i="0" u="none" strike="noStrike" kern="1200" baseline="0" dirty="0" err="1" smtClean="0">
+                <a:solidFill>
+                  <a:schemeClr val="tx1"/>
+                </a:solidFill>
+                <a:latin typeface="+mn-lt"/>
+                <a:ea typeface="+mn-ea"/>
+                <a:cs typeface="+mn-cs"/>
+              </a:rPr>
+              <a:t>java</a:t>
+            </a:r>
+            <a:r>
+              <a:rPr lang="pt-BR" sz="1200" b="0" i="0" u="none" strike="noStrike" kern="1200" baseline="0" dirty="0" smtClean="0">
+                <a:solidFill>
+                  <a:schemeClr val="tx1"/>
+                </a:solidFill>
+                <a:latin typeface="+mn-lt"/>
+                <a:ea typeface="+mn-ea"/>
+                <a:cs typeface="+mn-cs"/>
+              </a:rPr>
+              <a:t> </a:t>
+            </a:r>
+            <a:r>
+              <a:rPr lang="pt-BR" sz="1200" b="0" i="0" u="none" strike="noStrike" kern="1200" baseline="0" dirty="0" err="1" smtClean="0">
+                <a:solidFill>
+                  <a:schemeClr val="tx1"/>
+                </a:solidFill>
+                <a:latin typeface="+mn-lt"/>
+                <a:ea typeface="+mn-ea"/>
+                <a:cs typeface="+mn-cs"/>
+              </a:rPr>
+              <a:t>ee</a:t>
+            </a:r>
+            <a:r>
+              <a:rPr lang="pt-BR" sz="1200" b="0" i="0" u="none" strike="noStrike" kern="1200" baseline="0" dirty="0" smtClean="0">
+                <a:solidFill>
+                  <a:schemeClr val="tx1"/>
+                </a:solidFill>
+                <a:latin typeface="+mn-lt"/>
+                <a:ea typeface="+mn-ea"/>
+                <a:cs typeface="+mn-cs"/>
+              </a:rPr>
+              <a:t> que envia instruções do </a:t>
+            </a:r>
+            <a:r>
+              <a:rPr lang="pt-BR" sz="1200" b="0" i="0" u="none" strike="noStrike" kern="1200" baseline="0" dirty="0" err="1" smtClean="0">
+                <a:solidFill>
+                  <a:schemeClr val="tx1"/>
+                </a:solidFill>
+                <a:latin typeface="+mn-lt"/>
+                <a:ea typeface="+mn-ea"/>
+                <a:cs typeface="+mn-cs"/>
+              </a:rPr>
+              <a:t>java</a:t>
+            </a:r>
+            <a:r>
+              <a:rPr lang="pt-BR" sz="1200" b="0" i="0" u="none" strike="noStrike" kern="1200" baseline="0" dirty="0" smtClean="0">
+                <a:solidFill>
+                  <a:schemeClr val="tx1"/>
+                </a:solidFill>
+                <a:latin typeface="+mn-lt"/>
+                <a:ea typeface="+mn-ea"/>
+                <a:cs typeface="+mn-cs"/>
+              </a:rPr>
+              <a:t> para o banco.</a:t>
+            </a:r>
+            <a:endParaRPr lang="pt-BR" sz="1200" kern="0" dirty="0"/>
           </a:p>
         </p:txBody>
       </p:sp>
@@ -825,11 +1133,6 @@
         </p:txBody>
       </p:sp>
     </p:spTree>
-    <p:extLst>
-      <p:ext uri="{BB962C8B-B14F-4D97-AF65-F5344CB8AC3E}">
-        <p14:creationId xmlns:p14="http://schemas.microsoft.com/office/powerpoint/2010/main" val="2477212209"/>
-      </p:ext>
-    </p:extLst>
   </p:cSld>
   <p:clrMapOvr>
     <a:masterClrMapping/>
@@ -881,6 +1184,530 @@
           <a:bodyPr/>
           <a:lstStyle/>
           <a:p>
+            <a:pPr marL="1257300" lvl="2" indent="-342900">
+              <a:spcBef>
+                <a:spcPct val="20000"/>
+              </a:spcBef>
+              <a:buFont typeface="Arial"/>
+              <a:buChar char="•"/>
+              <a:defRPr lang="pt-BR"/>
+            </a:pPr>
+            <a:r>
+              <a:rPr lang="pt-BR" sz="1000" b="0" i="0" kern="1200" dirty="0">
+                <a:solidFill>
+                  <a:schemeClr val="tx1"/>
+                </a:solidFill>
+                <a:effectLst/>
+                <a:latin typeface="+mn-lt"/>
+                <a:ea typeface="+mn-ea"/>
+                <a:cs typeface="+mn-cs"/>
+              </a:rPr>
+              <a:t>É</a:t>
+            </a:r>
+            <a:r>
+              <a:rPr lang="pt-BR" sz="1000" b="0" i="0" kern="1200" baseline="0" dirty="0">
+                <a:solidFill>
+                  <a:schemeClr val="tx1"/>
+                </a:solidFill>
+                <a:effectLst/>
+                <a:latin typeface="+mn-lt"/>
+                <a:ea typeface="+mn-ea"/>
+                <a:cs typeface="+mn-cs"/>
+              </a:rPr>
+              <a:t> IMPORTANDE ENTENDER AS CAMADAS !</a:t>
+            </a:r>
+            <a:endParaRPr lang="pt-BR" sz="1000" b="0" i="0" kern="1200" dirty="0">
+              <a:solidFill>
+                <a:schemeClr val="tx1"/>
+              </a:solidFill>
+              <a:effectLst/>
+              <a:latin typeface="+mn-lt"/>
+              <a:ea typeface="+mn-ea"/>
+              <a:cs typeface="+mn-cs"/>
+            </a:endParaRPr>
+          </a:p>
+          <a:p>
+            <a:pPr marL="342900" lvl="0" indent="-342900">
+              <a:spcBef>
+                <a:spcPct val="20000"/>
+              </a:spcBef>
+              <a:buFont typeface="Arial"/>
+              <a:buChar char="•"/>
+              <a:defRPr lang="pt-BR"/>
+            </a:pPr>
+            <a:r>
+              <a:rPr lang="pt-BR" sz="1000" b="0" i="0" kern="1200" dirty="0">
+                <a:solidFill>
+                  <a:schemeClr val="tx1"/>
+                </a:solidFill>
+                <a:effectLst/>
+                <a:latin typeface="+mn-lt"/>
+                <a:ea typeface="+mn-ea"/>
+                <a:cs typeface="+mn-cs"/>
+              </a:rPr>
+              <a:t>Cliente: Estão na camada cliente softwares que rodam dentro do browser web, por exemplo, como páginas HTML, </a:t>
+            </a:r>
+            <a:r>
+              <a:rPr lang="pt-BR" sz="1000" b="0" i="0" kern="1200" dirty="0" err="1">
+                <a:solidFill>
+                  <a:schemeClr val="tx1"/>
+                </a:solidFill>
+                <a:effectLst/>
+                <a:latin typeface="+mn-lt"/>
+                <a:ea typeface="+mn-ea"/>
+                <a:cs typeface="+mn-cs"/>
+              </a:rPr>
+              <a:t>JavaScript</a:t>
+            </a:r>
+            <a:r>
+              <a:rPr lang="pt-BR" sz="1000" b="0" i="0" kern="1200" dirty="0">
+                <a:solidFill>
+                  <a:schemeClr val="tx1"/>
+                </a:solidFill>
+                <a:effectLst/>
+                <a:latin typeface="+mn-lt"/>
+                <a:ea typeface="+mn-ea"/>
+                <a:cs typeface="+mn-cs"/>
+              </a:rPr>
+              <a:t>, CSS, etc. </a:t>
+            </a:r>
+          </a:p>
+          <a:p>
+            <a:pPr marL="342900" lvl="0" indent="-342900">
+              <a:spcBef>
+                <a:spcPct val="20000"/>
+              </a:spcBef>
+              <a:buFont typeface="Arial"/>
+              <a:buChar char="•"/>
+              <a:defRPr lang="pt-BR"/>
+            </a:pPr>
+            <a:r>
+              <a:rPr lang="pt-BR" sz="1000" dirty="0"/>
+              <a:t>Web: </a:t>
+            </a:r>
+            <a:r>
+              <a:rPr lang="pt-BR" sz="1200" b="0" i="0" kern="1200" dirty="0">
+                <a:solidFill>
+                  <a:schemeClr val="tx1"/>
+                </a:solidFill>
+                <a:effectLst/>
+                <a:latin typeface="+mn-lt"/>
+                <a:ea typeface="+mn-ea"/>
+                <a:cs typeface="+mn-cs"/>
+              </a:rPr>
+              <a:t>Nessa camada estão os </a:t>
+            </a:r>
+            <a:r>
+              <a:rPr lang="pt-BR" sz="1200" b="0" i="0" kern="1200" dirty="0" err="1">
+                <a:solidFill>
+                  <a:schemeClr val="tx1"/>
+                </a:solidFill>
+                <a:effectLst/>
+                <a:latin typeface="+mn-lt"/>
+                <a:ea typeface="+mn-ea"/>
+                <a:cs typeface="+mn-cs"/>
+              </a:rPr>
+              <a:t>JSPs</a:t>
+            </a:r>
+            <a:r>
+              <a:rPr lang="pt-BR" sz="1200" b="0" i="0" kern="1200" dirty="0">
+                <a:solidFill>
+                  <a:schemeClr val="tx1"/>
+                </a:solidFill>
+                <a:effectLst/>
+                <a:latin typeface="+mn-lt"/>
+                <a:ea typeface="+mn-ea"/>
+                <a:cs typeface="+mn-cs"/>
+              </a:rPr>
+              <a:t>, </a:t>
+            </a:r>
+            <a:r>
+              <a:rPr lang="pt-BR" sz="1200" b="0" i="0" kern="1200" dirty="0" err="1">
+                <a:solidFill>
+                  <a:schemeClr val="tx1"/>
+                </a:solidFill>
+                <a:effectLst/>
+                <a:latin typeface="+mn-lt"/>
+                <a:ea typeface="+mn-ea"/>
+                <a:cs typeface="+mn-cs"/>
+              </a:rPr>
+              <a:t>servlets</a:t>
+            </a:r>
+            <a:r>
+              <a:rPr lang="pt-BR" sz="1200" b="0" i="0" kern="1200" dirty="0">
+                <a:solidFill>
+                  <a:schemeClr val="tx1"/>
+                </a:solidFill>
+                <a:effectLst/>
+                <a:latin typeface="+mn-lt"/>
+                <a:ea typeface="+mn-ea"/>
+                <a:cs typeface="+mn-cs"/>
+              </a:rPr>
+              <a:t>, rodam num servidor web como o </a:t>
+            </a:r>
+            <a:r>
+              <a:rPr lang="pt-BR" sz="1200" b="0" i="0" kern="1200" dirty="0" err="1">
+                <a:solidFill>
+                  <a:schemeClr val="tx1"/>
+                </a:solidFill>
+                <a:effectLst/>
+                <a:latin typeface="+mn-lt"/>
+                <a:ea typeface="+mn-ea"/>
+                <a:cs typeface="+mn-cs"/>
+              </a:rPr>
+              <a:t>Tomcat</a:t>
+            </a:r>
+            <a:r>
+              <a:rPr lang="pt-BR" sz="1200" b="0" i="0" kern="1200" dirty="0">
+                <a:solidFill>
+                  <a:schemeClr val="tx1"/>
+                </a:solidFill>
+                <a:effectLst/>
+                <a:latin typeface="+mn-lt"/>
+                <a:ea typeface="+mn-ea"/>
+                <a:cs typeface="+mn-cs"/>
+              </a:rPr>
+              <a:t>, por exemplo. Normalmente, empacotado em um arquivo WAR (Web </a:t>
+            </a:r>
+            <a:r>
+              <a:rPr lang="pt-BR" sz="1200" b="0" i="0" kern="1200" dirty="0" err="1">
+                <a:solidFill>
+                  <a:schemeClr val="tx1"/>
+                </a:solidFill>
+                <a:effectLst/>
+                <a:latin typeface="+mn-lt"/>
+                <a:ea typeface="+mn-ea"/>
+                <a:cs typeface="+mn-cs"/>
+              </a:rPr>
+              <a:t>Archive</a:t>
+            </a:r>
+            <a:r>
+              <a:rPr lang="pt-BR" sz="1200" b="0" i="0" kern="1200" dirty="0">
+                <a:solidFill>
+                  <a:schemeClr val="tx1"/>
+                </a:solidFill>
+                <a:effectLst/>
+                <a:latin typeface="+mn-lt"/>
+                <a:ea typeface="+mn-ea"/>
+                <a:cs typeface="+mn-cs"/>
+              </a:rPr>
+              <a:t>).</a:t>
+            </a:r>
+          </a:p>
+          <a:p>
+            <a:pPr marL="342900" lvl="0" indent="-342900">
+              <a:spcBef>
+                <a:spcPct val="20000"/>
+              </a:spcBef>
+              <a:buFont typeface="Arial"/>
+              <a:buChar char="•"/>
+              <a:defRPr lang="pt-BR"/>
+            </a:pPr>
+            <a:r>
+              <a:rPr lang="pt-BR" sz="1200" b="0" i="0" kern="1200" dirty="0">
+                <a:solidFill>
+                  <a:schemeClr val="tx1"/>
+                </a:solidFill>
+                <a:effectLst/>
+                <a:latin typeface="+mn-lt"/>
+                <a:ea typeface="+mn-ea"/>
+                <a:cs typeface="+mn-cs"/>
+              </a:rPr>
+              <a:t>Negócios:</a:t>
+            </a:r>
+            <a:r>
+              <a:rPr lang="pt-BR" sz="1200" b="0" i="0" kern="1200" baseline="0" dirty="0">
+                <a:solidFill>
+                  <a:schemeClr val="tx1"/>
+                </a:solidFill>
+                <a:effectLst/>
+                <a:latin typeface="+mn-lt"/>
+                <a:ea typeface="+mn-ea"/>
+                <a:cs typeface="+mn-cs"/>
+              </a:rPr>
+              <a:t> </a:t>
+            </a:r>
+            <a:r>
+              <a:rPr lang="pt-BR" sz="1200" b="0" i="0" kern="1200" dirty="0">
+                <a:solidFill>
+                  <a:schemeClr val="tx1"/>
+                </a:solidFill>
+                <a:effectLst/>
+                <a:latin typeface="+mn-lt"/>
+                <a:ea typeface="+mn-ea"/>
+                <a:cs typeface="+mn-cs"/>
+              </a:rPr>
+              <a:t>Nessa camada Ficam os </a:t>
+            </a:r>
+            <a:r>
+              <a:rPr lang="pt-BR" sz="1200" b="0" i="0" kern="1200" dirty="0" err="1">
+                <a:solidFill>
+                  <a:schemeClr val="tx1"/>
+                </a:solidFill>
+                <a:effectLst/>
+                <a:latin typeface="+mn-lt"/>
+                <a:ea typeface="+mn-ea"/>
+                <a:cs typeface="+mn-cs"/>
+              </a:rPr>
+              <a:t>EJBs</a:t>
+            </a:r>
+            <a:r>
+              <a:rPr lang="pt-BR" sz="1200" b="0" i="0" kern="1200" dirty="0">
+                <a:solidFill>
+                  <a:schemeClr val="tx1"/>
+                </a:solidFill>
+                <a:effectLst/>
+                <a:latin typeface="+mn-lt"/>
+                <a:ea typeface="+mn-ea"/>
+                <a:cs typeface="+mn-cs"/>
+              </a:rPr>
+              <a:t>, classes de negócio, </a:t>
+            </a:r>
+            <a:r>
+              <a:rPr lang="pt-BR" sz="1200" b="0" i="0" kern="1200" dirty="0" err="1">
+                <a:solidFill>
+                  <a:schemeClr val="tx1"/>
+                </a:solidFill>
+                <a:effectLst/>
+                <a:latin typeface="+mn-lt"/>
+                <a:ea typeface="+mn-ea"/>
+                <a:cs typeface="+mn-cs"/>
+              </a:rPr>
+              <a:t>DAOs</a:t>
+            </a:r>
+            <a:r>
+              <a:rPr lang="pt-BR" sz="1200" b="0" i="0" kern="1200" dirty="0">
+                <a:solidFill>
+                  <a:schemeClr val="tx1"/>
+                </a:solidFill>
+                <a:effectLst/>
+                <a:latin typeface="+mn-lt"/>
+                <a:ea typeface="+mn-ea"/>
+                <a:cs typeface="+mn-cs"/>
+              </a:rPr>
+              <a:t>, classes que acessam sistemas externos, etc.</a:t>
+            </a:r>
+          </a:p>
+          <a:p>
+            <a:pPr marL="342900" lvl="0" indent="-342900">
+              <a:spcBef>
+                <a:spcPct val="20000"/>
+              </a:spcBef>
+              <a:buFont typeface="Arial"/>
+              <a:buChar char="•"/>
+              <a:defRPr lang="pt-BR"/>
+            </a:pPr>
+            <a:r>
+              <a:rPr lang="pt-BR" sz="1200" b="0" i="0" kern="1200" dirty="0">
+                <a:solidFill>
+                  <a:schemeClr val="tx1"/>
+                </a:solidFill>
+                <a:effectLst/>
+                <a:latin typeface="+mn-lt"/>
+                <a:ea typeface="+mn-ea"/>
+                <a:cs typeface="+mn-cs"/>
+              </a:rPr>
+              <a:t>Dados: Nessa camada ficam as tabelas de bancos de dados, índices e tudo mais que o servidor de banco suporta. </a:t>
+            </a:r>
+          </a:p>
+          <a:p>
+            <a:pPr marL="0" lvl="0" indent="0">
+              <a:spcBef>
+                <a:spcPct val="20000"/>
+              </a:spcBef>
+              <a:buFont typeface="Arial"/>
+              <a:buNone/>
+              <a:defRPr lang="pt-BR"/>
+            </a:pPr>
+            <a:endParaRPr lang="pt-BR" sz="1200" b="0" i="0" kern="1200" dirty="0">
+              <a:solidFill>
+                <a:schemeClr val="tx1"/>
+              </a:solidFill>
+              <a:effectLst/>
+              <a:latin typeface="+mn-lt"/>
+              <a:ea typeface="+mn-ea"/>
+              <a:cs typeface="+mn-cs"/>
+            </a:endParaRPr>
+          </a:p>
+        </p:txBody>
+      </p:sp>
+      <p:sp>
+        <p:nvSpPr>
+          <p:cNvPr id="4" name="Rectangle 4"/>
+          <p:cNvSpPr>
+            <a:spLocks noGrp="1"/>
+          </p:cNvSpPr>
+          <p:nvPr>
+            <p:ph type="sldNum" sz="quarter" idx="10"/>
+          </p:nvPr>
+        </p:nvSpPr>
+        <p:spPr/>
+        <p:txBody>
+          <a:bodyPr/>
+          <a:lstStyle/>
+          <a:p>
+            <a:fld id="{61807874-5299-41B2-A37A-6AA3547857F4}" type="slidenum">
+              <a:rPr lang="pt-BR" smtClean="0"/>
+              <a:pPr/>
+              <a:t>11</a:t>
+            </a:fld>
+            <a:endParaRPr lang="pt-BR"/>
+          </a:p>
+        </p:txBody>
+      </p:sp>
+    </p:spTree>
+  </p:cSld>
+  <p:clrMapOvr>
+    <a:masterClrMapping/>
+  </p:clrMapOvr>
+</p:notes>
+</file>
+
+<file path=ppt/notesSlides/notesSlide12.xml><?xml version="1.0" encoding="utf-8"?>
+<p:notes xmlns:a="http://schemas.openxmlformats.org/drawingml/2006/main" xmlns:r="http://schemas.openxmlformats.org/officeDocument/2006/relationships" xmlns:p="http://schemas.openxmlformats.org/presentationml/2006/main">
+  <p:cSld>
+    <p:spTree>
+      <p:nvGrpSpPr>
+        <p:cNvPr id="1" name=""/>
+        <p:cNvGrpSpPr/>
+        <p:nvPr/>
+      </p:nvGrpSpPr>
+      <p:grpSpPr>
+        <a:xfrm>
+          <a:off x="0" y="0"/>
+          <a:ext cx="0" cy="0"/>
+          <a:chOff x="0" y="0"/>
+          <a:chExt cx="0" cy="0"/>
+        </a:xfrm>
+      </p:grpSpPr>
+      <p:sp>
+        <p:nvSpPr>
+          <p:cNvPr id="2" name="Rectangle 2"/>
+          <p:cNvSpPr>
+            <a:spLocks noGrp="1" noRot="1" noChangeAspect="1"/>
+          </p:cNvSpPr>
+          <p:nvPr>
+            <p:ph type="sldImg"/>
+          </p:nvPr>
+        </p:nvSpPr>
+        <p:spPr/>
+      </p:sp>
+      <p:sp>
+        <p:nvSpPr>
+          <p:cNvPr id="3" name="Rectangle 3"/>
+          <p:cNvSpPr>
+            <a:spLocks noGrp="1"/>
+          </p:cNvSpPr>
+          <p:nvPr>
+            <p:ph type="body" idx="1"/>
+          </p:nvPr>
+        </p:nvSpPr>
+        <p:spPr/>
+        <p:txBody>
+          <a:bodyPr/>
+          <a:lstStyle/>
+          <a:p>
+            <a:pPr marL="0" lvl="0" indent="0">
+              <a:spcBef>
+                <a:spcPct val="20000"/>
+              </a:spcBef>
+              <a:buFont typeface="Arial"/>
+              <a:buNone/>
+              <a:defRPr lang="pt-BR"/>
+            </a:pPr>
+            <a:endParaRPr lang="pt-BR" sz="1200" b="0" i="0" kern="1200" dirty="0">
+              <a:solidFill>
+                <a:schemeClr val="tx1"/>
+              </a:solidFill>
+              <a:effectLst/>
+              <a:latin typeface="+mn-lt"/>
+              <a:ea typeface="+mn-ea"/>
+              <a:cs typeface="+mn-cs"/>
+            </a:endParaRPr>
+          </a:p>
+        </p:txBody>
+      </p:sp>
+      <p:sp>
+        <p:nvSpPr>
+          <p:cNvPr id="4" name="Rectangle 4"/>
+          <p:cNvSpPr>
+            <a:spLocks noGrp="1"/>
+          </p:cNvSpPr>
+          <p:nvPr>
+            <p:ph type="sldNum" sz="quarter" idx="10"/>
+          </p:nvPr>
+        </p:nvSpPr>
+        <p:spPr/>
+        <p:txBody>
+          <a:bodyPr/>
+          <a:lstStyle/>
+          <a:p>
+            <a:fld id="{61807874-5299-41B2-A37A-6AA3547857F4}" type="slidenum">
+              <a:rPr lang="pt-BR" smtClean="0"/>
+              <a:pPr/>
+              <a:t>12</a:t>
+            </a:fld>
+            <a:endParaRPr lang="pt-BR"/>
+          </a:p>
+        </p:txBody>
+      </p:sp>
+    </p:spTree>
+    <p:extLst>
+      <p:ext uri="{BB962C8B-B14F-4D97-AF65-F5344CB8AC3E}">
+        <p14:creationId xmlns:p14="http://schemas.microsoft.com/office/powerpoint/2010/main" val="383213248"/>
+      </p:ext>
+    </p:extLst>
+  </p:cSld>
+  <p:clrMapOvr>
+    <a:masterClrMapping/>
+  </p:clrMapOvr>
+</p:notes>
+</file>
+
+<file path=ppt/notesSlides/notesSlide13.xml><?xml version="1.0" encoding="utf-8"?>
+<p:notes xmlns:a="http://schemas.openxmlformats.org/drawingml/2006/main" xmlns:r="http://schemas.openxmlformats.org/officeDocument/2006/relationships" xmlns:p="http://schemas.openxmlformats.org/presentationml/2006/main">
+  <p:cSld>
+    <p:spTree>
+      <p:nvGrpSpPr>
+        <p:cNvPr id="1" name=""/>
+        <p:cNvGrpSpPr/>
+        <p:nvPr/>
+      </p:nvGrpSpPr>
+      <p:grpSpPr>
+        <a:xfrm>
+          <a:off x="0" y="0"/>
+          <a:ext cx="0" cy="0"/>
+          <a:chOff x="0" y="0"/>
+          <a:chExt cx="0" cy="0"/>
+        </a:xfrm>
+      </p:grpSpPr>
+      <p:sp>
+        <p:nvSpPr>
+          <p:cNvPr id="2" name="Rectangle 2"/>
+          <p:cNvSpPr>
+            <a:spLocks noGrp="1" noRot="1" noChangeAspect="1"/>
+          </p:cNvSpPr>
+          <p:nvPr>
+            <p:ph type="sldImg"/>
+          </p:nvPr>
+        </p:nvSpPr>
+        <p:spPr/>
+      </p:sp>
+      <p:sp>
+        <p:nvSpPr>
+          <p:cNvPr id="3" name="Rectangle 3"/>
+          <p:cNvSpPr>
+            <a:spLocks noGrp="1"/>
+          </p:cNvSpPr>
+          <p:nvPr>
+            <p:ph type="body" idx="1"/>
+          </p:nvPr>
+        </p:nvSpPr>
+        <p:spPr/>
+        <p:txBody>
+          <a:bodyPr/>
+          <a:lstStyle/>
+          <a:p>
             <a:pPr marL="342900" lvl="0" indent="-342900">
               <a:spcBef>
                 <a:spcPct val="20000"/>
@@ -911,7 +1738,100 @@
             <a:fld id="{61807874-5299-41B2-A37A-6AA3547857F4}" type="slidenum">
               <a:rPr lang="pt-BR" smtClean="0"/>
               <a:pPr/>
-              <a:t>11</a:t>
+              <a:t>13</a:t>
+            </a:fld>
+            <a:endParaRPr lang="pt-BR"/>
+          </a:p>
+        </p:txBody>
+      </p:sp>
+    </p:spTree>
+    <p:extLst>
+      <p:ext uri="{BB962C8B-B14F-4D97-AF65-F5344CB8AC3E}">
+        <p14:creationId xmlns:p14="http://schemas.microsoft.com/office/powerpoint/2010/main" val="2477212209"/>
+      </p:ext>
+    </p:extLst>
+  </p:cSld>
+  <p:clrMapOvr>
+    <a:masterClrMapping/>
+  </p:clrMapOvr>
+</p:notes>
+</file>
+
+<file path=ppt/notesSlides/notesSlide14.xml><?xml version="1.0" encoding="utf-8"?>
+<p:notes xmlns:a="http://schemas.openxmlformats.org/drawingml/2006/main" xmlns:r="http://schemas.openxmlformats.org/officeDocument/2006/relationships" xmlns:p="http://schemas.openxmlformats.org/presentationml/2006/main">
+  <p:cSld>
+    <p:spTree>
+      <p:nvGrpSpPr>
+        <p:cNvPr id="1" name=""/>
+        <p:cNvGrpSpPr/>
+        <p:nvPr/>
+      </p:nvGrpSpPr>
+      <p:grpSpPr>
+        <a:xfrm>
+          <a:off x="0" y="0"/>
+          <a:ext cx="0" cy="0"/>
+          <a:chOff x="0" y="0"/>
+          <a:chExt cx="0" cy="0"/>
+        </a:xfrm>
+      </p:grpSpPr>
+      <p:sp>
+        <p:nvSpPr>
+          <p:cNvPr id="2" name="Rectangle 2"/>
+          <p:cNvSpPr>
+            <a:spLocks noGrp="1" noRot="1" noChangeAspect="1"/>
+          </p:cNvSpPr>
+          <p:nvPr>
+            <p:ph type="sldImg"/>
+          </p:nvPr>
+        </p:nvSpPr>
+        <p:spPr/>
+      </p:sp>
+      <p:sp>
+        <p:nvSpPr>
+          <p:cNvPr id="3" name="Rectangle 3"/>
+          <p:cNvSpPr>
+            <a:spLocks noGrp="1"/>
+          </p:cNvSpPr>
+          <p:nvPr>
+            <p:ph type="body" idx="1"/>
+          </p:nvPr>
+        </p:nvSpPr>
+        <p:spPr/>
+        <p:txBody>
+          <a:bodyPr/>
+          <a:lstStyle/>
+          <a:p>
+            <a:pPr marL="342900" lvl="0" indent="-342900">
+              <a:spcBef>
+                <a:spcPct val="20000"/>
+              </a:spcBef>
+              <a:buFont typeface="Arial"/>
+              <a:buChar char="•"/>
+              <a:defRPr lang="pt-BR"/>
+            </a:pPr>
+            <a:endParaRPr lang="pt-BR" dirty="0"/>
+          </a:p>
+        </p:txBody>
+      </p:sp>
+      <p:sp>
+        <p:nvSpPr>
+          <p:cNvPr id="4" name="Rectangle 4"/>
+          <p:cNvSpPr>
+            <a:spLocks noGrp="1"/>
+          </p:cNvSpPr>
+          <p:nvPr>
+            <p:ph type="sldNum" sz="quarter" idx="10"/>
+          </p:nvPr>
+        </p:nvSpPr>
+        <p:spPr/>
+        <p:txBody>
+          <a:bodyPr/>
+          <a:lstStyle/>
+          <a:p>
+            <a:fld id="{61807874-5299-41B2-A37A-6AA3547857F4}" type="slidenum">
+              <a:rPr lang="pt-BR" smtClean="0"/>
+              <a:pPr/>
+              <a:t>14</a:t>
             </a:fld>
             <a:endParaRPr lang="pt-BR"/>
           </a:p>
@@ -1695,22 +2615,92 @@
               <a:defRPr/>
             </a:pPr>
             <a:r>
-              <a:rPr lang="pt-BR" sz="1200" kern="0" dirty="0"/>
+              <a:rPr lang="pt-BR" sz="900" kern="0" dirty="0"/>
               <a:t>Explicar</a:t>
             </a:r>
             <a:r>
-              <a:rPr lang="pt-BR" sz="1200" kern="0" baseline="0" dirty="0"/>
+              <a:rPr lang="pt-BR" sz="900" kern="0" baseline="0" dirty="0"/>
               <a:t> que nós desenvolvemos a aplicação na IDE (eclipse), geramos um WAR (empacotamento dos códigos compilados) esse arquivo é “Instalado” em um servidor, que disponibiliza acesso via Browser </a:t>
             </a:r>
             <a:r>
-              <a:rPr lang="pt-BR" sz="1200" kern="0" baseline="0" dirty="0" err="1"/>
+              <a:rPr lang="pt-BR" sz="900" kern="0" baseline="0" dirty="0" err="1"/>
               <a:t>http</a:t>
             </a:r>
             <a:r>
-              <a:rPr lang="pt-BR" sz="1200" kern="0" baseline="0" dirty="0"/>
+              <a:rPr lang="pt-BR" sz="900" kern="0" baseline="0" dirty="0" smtClean="0"/>
               <a:t>.</a:t>
             </a:r>
-            <a:endParaRPr lang="pt-BR" sz="1200" kern="0" dirty="0"/>
+          </a:p>
+          <a:p>
+            <a:pPr marL="0" marR="0" lvl="0" indent="0" algn="l" defTabSz="914400" rtl="0" eaLnBrk="1" fontAlgn="auto" latinLnBrk="0" hangingPunct="1">
+              <a:lnSpc>
+                <a:spcPct val="100000"/>
+              </a:lnSpc>
+              <a:spcBef>
+                <a:spcPts val="0"/>
+              </a:spcBef>
+              <a:spcAft>
+                <a:spcPts val="0"/>
+              </a:spcAft>
+              <a:buClrTx/>
+              <a:buSzTx/>
+              <a:buFontTx/>
+              <a:buNone/>
+              <a:tabLst/>
+              <a:defRPr/>
+            </a:pPr>
+            <a:endParaRPr lang="pt-BR" sz="900" kern="0" baseline="0" dirty="0" smtClean="0"/>
+          </a:p>
+          <a:p>
+            <a:r>
+              <a:rPr lang="pt-BR" sz="1200" b="0" i="0" u="none" strike="noStrike" kern="1200" baseline="0" dirty="0" smtClean="0">
+                <a:solidFill>
+                  <a:schemeClr val="tx1"/>
+                </a:solidFill>
+                <a:latin typeface="+mn-lt"/>
+                <a:ea typeface="+mn-ea"/>
+                <a:cs typeface="+mn-cs"/>
+              </a:rPr>
+              <a:t>Servidores Java EE fornecem dois tipos de containers:</a:t>
+            </a:r>
+          </a:p>
+          <a:p>
+            <a:r>
+              <a:rPr lang="pt-BR" sz="1200" b="0" i="0" u="none" strike="noStrike" kern="1200" baseline="0" dirty="0" smtClean="0">
+                <a:solidFill>
+                  <a:schemeClr val="tx1"/>
+                </a:solidFill>
+                <a:latin typeface="+mn-lt"/>
+                <a:ea typeface="+mn-ea"/>
+                <a:cs typeface="+mn-cs"/>
+              </a:rPr>
+              <a:t>• Container Web</a:t>
+            </a:r>
+          </a:p>
+          <a:p>
+            <a:r>
+              <a:rPr lang="pt-BR" sz="1200" b="0" i="0" u="none" strike="noStrike" kern="1200" baseline="0" dirty="0" smtClean="0">
+                <a:solidFill>
+                  <a:schemeClr val="tx1"/>
+                </a:solidFill>
+                <a:latin typeface="+mn-lt"/>
+                <a:ea typeface="+mn-ea"/>
+                <a:cs typeface="+mn-cs"/>
+              </a:rPr>
+              <a:t>• Container para Enterprise Java </a:t>
+            </a:r>
+            <a:r>
+              <a:rPr lang="pt-BR" sz="1200" b="0" i="0" u="none" strike="noStrike" kern="1200" baseline="0" dirty="0" err="1" smtClean="0">
+                <a:solidFill>
+                  <a:schemeClr val="tx1"/>
+                </a:solidFill>
+                <a:latin typeface="+mn-lt"/>
+                <a:ea typeface="+mn-ea"/>
+                <a:cs typeface="+mn-cs"/>
+              </a:rPr>
+              <a:t>Beans</a:t>
+            </a:r>
+            <a:endParaRPr lang="pt-BR" sz="900" kern="0" dirty="0"/>
           </a:p>
         </p:txBody>
       </p:sp>
@@ -1905,16 +2895,16 @@
               <a:defRPr/>
             </a:pPr>
             <a:r>
+              <a:rPr lang="pt-BR" sz="1200" kern="0" dirty="0" smtClean="0"/>
+              <a:t>Chamar </a:t>
+            </a:r>
+            <a:r>
               <a:rPr lang="pt-BR" sz="1200" kern="0" dirty="0"/>
-              <a:t>O</a:t>
+              <a:t>atenção</a:t>
             </a:r>
             <a:r>
               <a:rPr lang="pt-BR" sz="1200" kern="0" baseline="0" dirty="0"/>
-              <a:t> que é um Framework </a:t>
-            </a:r>
-            <a:r>
-              <a:rPr lang="pt-BR" sz="1200" dirty="0"/>
-              <a:t>?</a:t>
+              <a:t> para a importância desse ponto para o mercado de trabalho.</a:t>
             </a:r>
           </a:p>
           <a:p>
@@ -1935,19 +2925,7 @@
               <a:tabLst/>
               <a:defRPr/>
             </a:pPr>
-            <a:r>
-              <a:rPr lang="pt-BR" sz="1200" kern="0" dirty="0"/>
-              <a:t>O que</a:t>
-            </a:r>
-            <a:r>
-              <a:rPr lang="pt-BR" sz="1200" kern="0" baseline="0" dirty="0"/>
-              <a:t> é uma API </a:t>
-            </a:r>
-            <a:r>
-              <a:rPr lang="pt-BR" sz="1200" dirty="0"/>
-              <a:t>?</a:t>
-            </a:r>
-            <a:endParaRPr lang="pt-BR" sz="1200" kern="0" dirty="0"/>
+            <a:endParaRPr lang="pt-BR" sz="1200" kern="0" baseline="0" dirty="0" smtClean="0"/>
           </a:p>
           <a:p>
             <a:pPr marL="0" marR="0" lvl="0" indent="0" algn="l" defTabSz="914400" rtl="0" eaLnBrk="1" fontAlgn="auto" latinLnBrk="0" hangingPunct="1">
@@ -1968,13 +2946,14 @@
               <a:defRPr/>
             </a:pPr>
             <a:r>
-              <a:rPr lang="pt-BR" sz="1200" kern="0" dirty="0"/>
-              <a:t>Chamar atenção</a:t>
-            </a:r>
-            <a:r>
-              <a:rPr lang="pt-BR" sz="1200" kern="0" baseline="0" dirty="0"/>
-              <a:t> para a importância desse ponto para o mercado de trabalho.</a:t>
-            </a:r>
+              <a:rPr lang="pt-BR" sz="1200" kern="0" baseline="0" dirty="0" err="1" smtClean="0"/>
+              <a:t>Apis</a:t>
+            </a:r>
+            <a:r>
+              <a:rPr lang="pt-BR" sz="1200" kern="0" baseline="0" dirty="0" smtClean="0"/>
+              <a:t> do Java EE:</a:t>
+            </a:r>
+            <a:endParaRPr lang="pt-BR" sz="1200" kern="0" baseline="0" dirty="0"/>
           </a:p>
           <a:p>
             <a:pPr marL="0" marR="0" lvl="0" indent="0" algn="l" defTabSz="914400" rtl="0" eaLnBrk="1" fontAlgn="auto" latinLnBrk="0" hangingPunct="1">
@@ -1994,7 +2973,10 @@
               <a:tabLst/>
               <a:defRPr/>
             </a:pPr>
-            <a:endParaRPr lang="pt-BR" sz="1200" kern="0" baseline="0" dirty="0"/>
+            <a:r>
+              <a:rPr lang="pt-BR" sz="1200" kern="0" baseline="0" dirty="0"/>
+              <a:t>Camada web ou front: JSF, JSP, JSTL, JAVA SERVLETS</a:t>
+            </a:r>
           </a:p>
           <a:p>
             <a:pPr marL="0" marR="0" lvl="0" indent="0" algn="l" defTabSz="914400" rtl="0" eaLnBrk="1" fontAlgn="auto" latinLnBrk="0" hangingPunct="1">
@@ -2016,7 +2998,7 @@
             </a:pPr>
             <a:r>
               <a:rPr lang="pt-BR" sz="1200" kern="0" baseline="0" dirty="0"/>
-              <a:t>Camada web ou front: JSF, JSP, JSTL, JAVA SERVLETS</a:t>
+              <a:t>Camada de negócios: EJB</a:t>
             </a:r>
           </a:p>
           <a:p>
@@ -2038,8 +3020,8 @@
               <a:defRPr/>
             </a:pPr>
             <a:r>
-              <a:rPr lang="pt-BR" sz="1200" kern="0" baseline="0" dirty="0"/>
-              <a:t>Camada de negócios: EJB</a:t>
+              <a:rPr lang="pt-BR" sz="1200" kern="0" dirty="0"/>
+              <a:t>Camada de persistência: JPA, JTA, JDBC</a:t>
             </a:r>
           </a:p>
           <a:p>
@@ -2061,8 +3043,8 @@
               <a:defRPr/>
             </a:pPr>
             <a:r>
-              <a:rPr lang="pt-BR" sz="1200" kern="0" dirty="0"/>
-              <a:t>Camada de persistência: JPA, JTA, JDBC</a:t>
+              <a:rPr lang="pt-BR" sz="1200" kern="0" baseline="0" dirty="0"/>
+              <a:t>Camada de serviço: JAX-RS</a:t>
             </a:r>
           </a:p>
           <a:p>
@@ -2085,7 +3067,7 @@
             </a:pPr>
             <a:r>
               <a:rPr lang="pt-BR" sz="1200" kern="0" baseline="0" dirty="0"/>
-              <a:t>Camada de serviço: JAX-RS</a:t>
+              <a:t>Camada de validação: JAVA BENS VALIDATION</a:t>
             </a:r>
           </a:p>
           <a:p>
@@ -2108,7 +3090,11 @@
             </a:pPr>
             <a:r>
               <a:rPr lang="pt-BR" sz="1200" kern="0" baseline="0" dirty="0"/>
-              <a:t>Camada de validação: JAVA BENS VALIDATION</a:t>
+              <a:t>Segurança: </a:t>
+            </a:r>
+            <a:r>
+              <a:rPr lang="pt-BR" sz="1200" kern="0" baseline="0" dirty="0" smtClean="0"/>
+              <a:t>JAAS</a:t>
             </a:r>
           </a:p>
           <a:p>
@@ -2129,9 +3115,399 @@
               <a:tabLst/>
               <a:defRPr/>
             </a:pPr>
-            <a:r>
-              <a:rPr lang="pt-BR" sz="1200" kern="0" baseline="0" dirty="0"/>
-              <a:t>Segurança: JAAS</a:t>
+            <a:endParaRPr lang="pt-BR" sz="1200" kern="0" baseline="0" dirty="0" smtClean="0"/>
+          </a:p>
+          <a:p>
+            <a:r>
+              <a:rPr lang="pt-BR" sz="1200" b="0" i="0" u="none" strike="noStrike" kern="1200" baseline="0" dirty="0" smtClean="0">
+                <a:solidFill>
+                  <a:schemeClr val="tx1"/>
+                </a:solidFill>
+                <a:latin typeface="+mn-lt"/>
+                <a:ea typeface="+mn-ea"/>
+                <a:cs typeface="+mn-cs"/>
+              </a:rPr>
+              <a:t>Além dessas </a:t>
+            </a:r>
+            <a:r>
+              <a:rPr lang="pt-BR" sz="1200" b="0" i="0" u="none" strike="noStrike" kern="1200" baseline="0" dirty="0" err="1" smtClean="0">
+                <a:solidFill>
+                  <a:schemeClr val="tx1"/>
+                </a:solidFill>
+                <a:latin typeface="+mn-lt"/>
+                <a:ea typeface="+mn-ea"/>
+                <a:cs typeface="+mn-cs"/>
+              </a:rPr>
+              <a:t>APIs</a:t>
+            </a:r>
+            <a:r>
+              <a:rPr lang="pt-BR" sz="1200" b="0" i="0" u="none" strike="noStrike" kern="1200" baseline="0" dirty="0" smtClean="0">
+                <a:solidFill>
+                  <a:schemeClr val="tx1"/>
+                </a:solidFill>
+                <a:latin typeface="+mn-lt"/>
+                <a:ea typeface="+mn-ea"/>
+                <a:cs typeface="+mn-cs"/>
+              </a:rPr>
+              <a:t>, servidores também oferecem serviços que são acessíveis através de </a:t>
+            </a:r>
+            <a:r>
+              <a:rPr lang="pt-BR" sz="1200" b="0" i="0" u="none" strike="noStrike" kern="1200" baseline="0" dirty="0" err="1" smtClean="0">
+                <a:solidFill>
+                  <a:schemeClr val="tx1"/>
+                </a:solidFill>
+                <a:latin typeface="+mn-lt"/>
+                <a:ea typeface="+mn-ea"/>
+                <a:cs typeface="+mn-cs"/>
+              </a:rPr>
+              <a:t>APIs</a:t>
+            </a:r>
+            <a:endParaRPr lang="pt-BR" sz="1200" b="0" i="0" u="none" strike="noStrike" kern="1200" baseline="0" dirty="0" smtClean="0">
+              <a:solidFill>
+                <a:schemeClr val="tx1"/>
+              </a:solidFill>
+              <a:latin typeface="+mn-lt"/>
+              <a:ea typeface="+mn-ea"/>
+              <a:cs typeface="+mn-cs"/>
+            </a:endParaRPr>
+          </a:p>
+          <a:p>
+            <a:r>
+              <a:rPr lang="pt-BR" sz="1200" b="0" i="0" u="none" strike="noStrike" kern="1200" baseline="0" dirty="0" smtClean="0">
+                <a:solidFill>
+                  <a:schemeClr val="tx1"/>
+                </a:solidFill>
+                <a:latin typeface="+mn-lt"/>
+                <a:ea typeface="+mn-ea"/>
+                <a:cs typeface="+mn-cs"/>
+              </a:rPr>
+              <a:t>do Java SE 8:</a:t>
+            </a:r>
+          </a:p>
+          <a:p>
+            <a:endParaRPr lang="pt-BR" sz="1200" b="0" i="0" u="none" strike="noStrike" kern="1200" baseline="0" dirty="0" smtClean="0">
+              <a:solidFill>
+                <a:schemeClr val="tx1"/>
+              </a:solidFill>
+              <a:latin typeface="+mn-lt"/>
+              <a:ea typeface="+mn-ea"/>
+              <a:cs typeface="+mn-cs"/>
+            </a:endParaRPr>
+          </a:p>
+          <a:p>
+            <a:r>
+              <a:rPr lang="pt-BR" sz="1200" b="0" i="0" u="none" strike="noStrike" kern="1200" baseline="0" dirty="0" smtClean="0">
+                <a:solidFill>
+                  <a:schemeClr val="tx1"/>
+                </a:solidFill>
+                <a:latin typeface="+mn-lt"/>
+                <a:ea typeface="+mn-ea"/>
+                <a:cs typeface="+mn-cs"/>
+              </a:rPr>
+              <a:t>• JDBC</a:t>
+            </a:r>
+          </a:p>
+          <a:p>
+            <a:r>
+              <a:rPr lang="pt-BR" sz="1200" b="0" i="0" u="none" strike="noStrike" kern="1200" baseline="0" dirty="0" smtClean="0">
+                <a:solidFill>
+                  <a:schemeClr val="tx1"/>
+                </a:solidFill>
+                <a:latin typeface="+mn-lt"/>
+                <a:ea typeface="+mn-ea"/>
+                <a:cs typeface="+mn-cs"/>
+              </a:rPr>
+              <a:t>• JNDI – para acesso a serviços de nomes e registro de serviços</a:t>
+            </a:r>
+          </a:p>
+          <a:p>
+            <a:r>
+              <a:rPr lang="pt-BR" sz="1200" b="0" i="0" u="none" strike="noStrike" kern="1200" baseline="0" dirty="0" smtClean="0">
+                <a:solidFill>
+                  <a:schemeClr val="tx1"/>
+                </a:solidFill>
+                <a:latin typeface="+mn-lt"/>
+                <a:ea typeface="+mn-ea"/>
+                <a:cs typeface="+mn-cs"/>
+              </a:rPr>
+              <a:t>• </a:t>
+            </a:r>
+            <a:r>
+              <a:rPr lang="pt-BR" sz="1200" b="0" i="0" u="none" strike="noStrike" kern="1200" baseline="0" dirty="0" err="1" smtClean="0">
+                <a:solidFill>
+                  <a:schemeClr val="tx1"/>
+                </a:solidFill>
+                <a:latin typeface="+mn-lt"/>
+                <a:ea typeface="+mn-ea"/>
+                <a:cs typeface="+mn-cs"/>
+              </a:rPr>
+              <a:t>JavaBeans</a:t>
+            </a:r>
+            <a:r>
+              <a:rPr lang="pt-BR" sz="1200" b="0" i="0" u="none" strike="noStrike" kern="1200" baseline="0" dirty="0" smtClean="0">
+                <a:solidFill>
+                  <a:schemeClr val="tx1"/>
+                </a:solidFill>
+                <a:latin typeface="+mn-lt"/>
+                <a:ea typeface="+mn-ea"/>
+                <a:cs typeface="+mn-cs"/>
+              </a:rPr>
+              <a:t> </a:t>
+            </a:r>
+            <a:r>
+              <a:rPr lang="pt-BR" sz="1200" b="0" i="0" u="none" strike="noStrike" kern="1200" baseline="0" dirty="0" err="1" smtClean="0">
+                <a:solidFill>
+                  <a:schemeClr val="tx1"/>
+                </a:solidFill>
+                <a:latin typeface="+mn-lt"/>
+                <a:ea typeface="+mn-ea"/>
+                <a:cs typeface="+mn-cs"/>
+              </a:rPr>
+              <a:t>Activation</a:t>
+            </a:r>
+            <a:r>
+              <a:rPr lang="pt-BR" sz="1200" b="0" i="0" u="none" strike="noStrike" kern="1200" baseline="0" dirty="0" smtClean="0">
+                <a:solidFill>
+                  <a:schemeClr val="tx1"/>
+                </a:solidFill>
+                <a:latin typeface="+mn-lt"/>
+                <a:ea typeface="+mn-ea"/>
+                <a:cs typeface="+mn-cs"/>
+              </a:rPr>
+              <a:t> Framework</a:t>
+            </a:r>
+          </a:p>
+          <a:p>
+            <a:r>
+              <a:rPr lang="pt-BR" sz="1200" b="0" i="0" u="none" strike="noStrike" kern="1200" baseline="0" dirty="0" smtClean="0">
+                <a:solidFill>
+                  <a:schemeClr val="tx1"/>
+                </a:solidFill>
+                <a:latin typeface="+mn-lt"/>
+                <a:ea typeface="+mn-ea"/>
+                <a:cs typeface="+mn-cs"/>
+              </a:rPr>
+              <a:t>• JAXP – API para processamento XML</a:t>
+            </a:r>
+          </a:p>
+          <a:p>
+            <a:r>
+              <a:rPr lang="pt-BR" sz="1200" b="0" i="0" u="none" strike="noStrike" kern="1200" baseline="0" dirty="0" smtClean="0">
+                <a:solidFill>
+                  <a:schemeClr val="tx1"/>
+                </a:solidFill>
+                <a:latin typeface="+mn-lt"/>
+                <a:ea typeface="+mn-ea"/>
+                <a:cs typeface="+mn-cs"/>
+              </a:rPr>
+              <a:t>• JAXB – API de mapeamento Objeto-XML</a:t>
+            </a:r>
+          </a:p>
+          <a:p>
+            <a:r>
+              <a:rPr lang="pt-BR" sz="1200" b="0" i="0" u="none" strike="noStrike" kern="1200" baseline="0" dirty="0" smtClean="0">
+                <a:solidFill>
+                  <a:schemeClr val="tx1"/>
+                </a:solidFill>
+                <a:latin typeface="+mn-lt"/>
+                <a:ea typeface="+mn-ea"/>
+                <a:cs typeface="+mn-cs"/>
+              </a:rPr>
+              <a:t>• JAX-WS – API para construção de Web Services SOAP</a:t>
+            </a:r>
+          </a:p>
+          <a:p>
+            <a:r>
+              <a:rPr lang="pt-BR" sz="1200" b="0" i="0" u="none" strike="noStrike" kern="1200" baseline="0" dirty="0" smtClean="0">
+                <a:solidFill>
+                  <a:schemeClr val="tx1"/>
+                </a:solidFill>
+                <a:latin typeface="+mn-lt"/>
+                <a:ea typeface="+mn-ea"/>
+                <a:cs typeface="+mn-cs"/>
+              </a:rPr>
+              <a:t>• SAAJ – API para construir mensagens SOAP</a:t>
+            </a:r>
+          </a:p>
+          <a:p>
+            <a:r>
+              <a:rPr lang="pt-BR" sz="1200" b="0" i="0" u="none" strike="noStrike" kern="1200" baseline="0" dirty="0" smtClean="0">
+                <a:solidFill>
+                  <a:schemeClr val="tx1"/>
+                </a:solidFill>
+                <a:latin typeface="+mn-lt"/>
+                <a:ea typeface="+mn-ea"/>
+                <a:cs typeface="+mn-cs"/>
+              </a:rPr>
+              <a:t>• JAAS – Serviço de autenticação e autorização</a:t>
+            </a:r>
+          </a:p>
+          <a:p>
+            <a:r>
+              <a:rPr lang="pt-BR" sz="1200" b="0" i="0" u="none" strike="noStrike" kern="1200" baseline="0" dirty="0" smtClean="0">
+                <a:solidFill>
+                  <a:schemeClr val="tx1"/>
+                </a:solidFill>
+                <a:latin typeface="+mn-lt"/>
+                <a:ea typeface="+mn-ea"/>
+                <a:cs typeface="+mn-cs"/>
+              </a:rPr>
+              <a:t>• Common </a:t>
+            </a:r>
+            <a:r>
+              <a:rPr lang="pt-BR" sz="1200" b="0" i="0" u="none" strike="noStrike" kern="1200" baseline="0" dirty="0" err="1" smtClean="0">
+                <a:solidFill>
+                  <a:schemeClr val="tx1"/>
+                </a:solidFill>
+                <a:latin typeface="+mn-lt"/>
+                <a:ea typeface="+mn-ea"/>
+                <a:cs typeface="+mn-cs"/>
+              </a:rPr>
+              <a:t>Anotations</a:t>
+            </a:r>
+            <a:r>
+              <a:rPr lang="pt-BR" sz="1200" b="0" i="0" u="none" strike="noStrike" kern="1200" baseline="0" dirty="0" smtClean="0">
+                <a:solidFill>
+                  <a:schemeClr val="tx1"/>
+                </a:solidFill>
+                <a:latin typeface="+mn-lt"/>
+                <a:ea typeface="+mn-ea"/>
+                <a:cs typeface="+mn-cs"/>
+              </a:rPr>
+              <a:t> – Anotações comuns</a:t>
+            </a:r>
+          </a:p>
+          <a:p>
+            <a:endParaRPr lang="pt-BR" sz="1200" b="0" i="0" u="none" strike="noStrike" kern="1200" baseline="0" dirty="0" smtClean="0">
+              <a:solidFill>
+                <a:schemeClr val="tx1"/>
+              </a:solidFill>
+              <a:latin typeface="+mn-lt"/>
+              <a:ea typeface="+mn-ea"/>
+              <a:cs typeface="+mn-cs"/>
+            </a:endParaRPr>
+          </a:p>
+          <a:p>
+            <a:r>
+              <a:rPr lang="pt-BR" sz="1200" b="0" i="0" u="none" strike="noStrike" kern="1200" baseline="0" dirty="0" smtClean="0">
+                <a:solidFill>
+                  <a:schemeClr val="tx1"/>
+                </a:solidFill>
+                <a:latin typeface="+mn-lt"/>
+                <a:ea typeface="+mn-ea"/>
+                <a:cs typeface="+mn-cs"/>
+              </a:rPr>
+              <a:t>Vários desses serviços precisam ser configurados e ativados através de ferramentas do</a:t>
+            </a:r>
+          </a:p>
+          <a:p>
+            <a:r>
+              <a:rPr lang="pt-BR" sz="1200" b="0" i="0" u="none" strike="noStrike" kern="1200" baseline="0" dirty="0" smtClean="0">
+                <a:solidFill>
+                  <a:schemeClr val="tx1"/>
+                </a:solidFill>
+                <a:latin typeface="+mn-lt"/>
+                <a:ea typeface="+mn-ea"/>
+                <a:cs typeface="+mn-cs"/>
+              </a:rPr>
+              <a:t>servidor, para que possam ser usados pelos componentes através de interfaces independentes</a:t>
+            </a:r>
+          </a:p>
+          <a:p>
+            <a:r>
+              <a:rPr lang="pt-BR" sz="1200" b="0" i="0" u="none" strike="noStrike" kern="1200" baseline="0" dirty="0" smtClean="0">
+                <a:solidFill>
+                  <a:schemeClr val="tx1"/>
+                </a:solidFill>
+                <a:latin typeface="+mn-lt"/>
+                <a:ea typeface="+mn-ea"/>
+                <a:cs typeface="+mn-cs"/>
+              </a:rPr>
+              <a:t>de fabricante. Este tutorial assume que existe um servidor de aplicações completamente</a:t>
+            </a:r>
+          </a:p>
+          <a:p>
+            <a:r>
+              <a:rPr lang="pt-BR" sz="1200" b="0" i="0" u="none" strike="noStrike" kern="1200" baseline="0" dirty="0" smtClean="0">
+                <a:solidFill>
+                  <a:schemeClr val="tx1"/>
+                </a:solidFill>
+                <a:latin typeface="+mn-lt"/>
+                <a:ea typeface="+mn-ea"/>
+                <a:cs typeface="+mn-cs"/>
+              </a:rPr>
+              <a:t>compatível com todas as especificações Java EE 8 instalado e configurado para implantar</a:t>
+            </a:r>
+          </a:p>
+          <a:p>
+            <a:r>
+              <a:rPr lang="pt-BR" sz="1200" b="0" i="0" u="none" strike="noStrike" kern="1200" baseline="0" dirty="0" smtClean="0">
+                <a:solidFill>
+                  <a:schemeClr val="tx1"/>
+                </a:solidFill>
+                <a:latin typeface="+mn-lt"/>
+                <a:ea typeface="+mn-ea"/>
+                <a:cs typeface="+mn-cs"/>
+              </a:rPr>
+              <a:t>aplicações. Os módulos seguintes não exploram detalhes de um servidor específico, mas</a:t>
+            </a:r>
+          </a:p>
+          <a:p>
+            <a:r>
+              <a:rPr lang="pt-BR" sz="1200" b="0" i="0" u="none" strike="noStrike" kern="1200" baseline="0" dirty="0" smtClean="0">
+                <a:solidFill>
+                  <a:schemeClr val="tx1"/>
+                </a:solidFill>
+                <a:latin typeface="+mn-lt"/>
+                <a:ea typeface="+mn-ea"/>
+                <a:cs typeface="+mn-cs"/>
+              </a:rPr>
+              <a:t>restringem-se às especificações Java EE 8.</a:t>
+            </a:r>
+          </a:p>
+          <a:p>
+            <a:endParaRPr lang="pt-BR" sz="1200" b="0" i="0" u="none" strike="noStrike" kern="1200" baseline="0" dirty="0" smtClean="0">
+              <a:solidFill>
+                <a:schemeClr val="tx1"/>
+              </a:solidFill>
+              <a:latin typeface="+mn-lt"/>
+              <a:ea typeface="+mn-ea"/>
+              <a:cs typeface="+mn-cs"/>
+            </a:endParaRPr>
+          </a:p>
+          <a:p>
+            <a:r>
+              <a:rPr lang="pt-BR" sz="1200" b="0" i="0" u="none" strike="noStrike" kern="1200" baseline="0" dirty="0" smtClean="0">
+                <a:solidFill>
+                  <a:schemeClr val="tx1"/>
+                </a:solidFill>
+                <a:latin typeface="+mn-lt"/>
+                <a:ea typeface="+mn-ea"/>
+                <a:cs typeface="+mn-cs"/>
+              </a:rPr>
+              <a:t>Usado como base </a:t>
+            </a:r>
+            <a:r>
+              <a:rPr lang="pt-BR" sz="1200" b="0" i="0" u="none" strike="noStrike" kern="1200" baseline="0" dirty="0" err="1" smtClean="0">
+                <a:solidFill>
+                  <a:schemeClr val="tx1"/>
+                </a:solidFill>
+                <a:latin typeface="+mn-lt"/>
+                <a:ea typeface="+mn-ea"/>
+                <a:cs typeface="+mn-cs"/>
+              </a:rPr>
+              <a:t>Wildfly</a:t>
+            </a:r>
+            <a:r>
+              <a:rPr lang="pt-BR" sz="1200" b="0" i="0" u="none" strike="noStrike" kern="1200" baseline="0" dirty="0" smtClean="0">
+                <a:solidFill>
+                  <a:schemeClr val="tx1"/>
+                </a:solidFill>
+                <a:latin typeface="+mn-lt"/>
+                <a:ea typeface="+mn-ea"/>
+                <a:cs typeface="+mn-cs"/>
+              </a:rPr>
+              <a:t> 12</a:t>
             </a:r>
             <a:endParaRPr lang="pt-BR" sz="1200" kern="0" dirty="0"/>
           </a:p>
@@ -2213,49 +3589,6 @@
           <a:bodyPr/>
           <a:lstStyle/>
           <a:p>
-            <a:pPr marL="1257300" lvl="2" indent="-342900">
-              <a:spcBef>
-                <a:spcPct val="20000"/>
-              </a:spcBef>
-              <a:buFont typeface="Arial"/>
-              <a:buChar char="•"/>
-              <a:defRPr lang="pt-BR"/>
-            </a:pPr>
-            <a:r>
-              <a:rPr lang="pt-BR" sz="1000" b="0" i="0" kern="1200" dirty="0">
-                <a:solidFill>
-                  <a:schemeClr val="tx1"/>
-                </a:solidFill>
-                <a:effectLst/>
-                <a:latin typeface="+mn-lt"/>
-                <a:ea typeface="+mn-ea"/>
-                <a:cs typeface="+mn-cs"/>
-              </a:rPr>
-              <a:t>É</a:t>
-            </a:r>
-            <a:r>
-              <a:rPr lang="pt-BR" sz="1000" b="0" i="0" kern="1200" baseline="0" dirty="0">
-                <a:solidFill>
-                  <a:schemeClr val="tx1"/>
-                </a:solidFill>
-                <a:effectLst/>
-                <a:latin typeface="+mn-lt"/>
-                <a:ea typeface="+mn-ea"/>
-                <a:cs typeface="+mn-cs"/>
-              </a:rPr>
-              <a:t> IMPORTANDE ENTENDER AS CAMADAS !</a:t>
-            </a:r>
-            <a:endParaRPr lang="pt-BR" sz="1000" b="0" i="0" kern="1200" dirty="0">
-              <a:solidFill>
-                <a:schemeClr val="tx1"/>
-              </a:solidFill>
-              <a:effectLst/>
-              <a:latin typeface="+mn-lt"/>
-              <a:ea typeface="+mn-ea"/>
-              <a:cs typeface="+mn-cs"/>
-            </a:endParaRPr>
-          </a:p>
-          <a:p>
             <a:pPr marL="342900" lvl="0" indent="-342900">
               <a:spcBef>
                 <a:spcPct val="20000"/>
@@ -2265,40 +3598,18 @@
               <a:defRPr lang="pt-BR"/>
             </a:pPr>
             <a:r>
-              <a:rPr lang="pt-BR" sz="1000" b="0" i="0" kern="1200" dirty="0">
+              <a:rPr kumimoji="0" lang="pt-BR" sz="1200" b="0" i="0" u="none" strike="noStrike" kern="0" cap="none" spc="0" normalizeH="0" baseline="0" dirty="0" smtClean="0">
+                <a:ln>
+                  <a:noFill/>
+                </a:ln>
                 <a:solidFill>
                   <a:schemeClr val="tx1"/>
                 </a:solidFill>
                 <a:effectLst/>
-                <a:latin typeface="+mn-lt"/>
-                <a:ea typeface="+mn-ea"/>
-                <a:cs typeface="+mn-cs"/>
-              </a:rPr>
-              <a:t>Cliente: Estão na camada cliente softwares que rodam dentro do browser web, por exemplo, como páginas HTML, </a:t>
-            </a:r>
-            <a:r>
-              <a:rPr lang="pt-BR" sz="1000" b="0" i="0" kern="1200" dirty="0" err="1">
-                <a:solidFill>
-                  <a:schemeClr val="tx1"/>
-                </a:solidFill>
-                <a:effectLst/>
-                <a:latin typeface="+mn-lt"/>
-                <a:ea typeface="+mn-ea"/>
-                <a:cs typeface="+mn-cs"/>
-              </a:rPr>
-              <a:t>JavaScript</a:t>
-            </a:r>
-            <a:r>
-              <a:rPr lang="pt-BR" sz="1000" b="0" i="0" kern="1200" dirty="0">
-                <a:solidFill>
-                  <a:schemeClr val="tx1"/>
-                </a:solidFill>
-                <a:effectLst/>
-                <a:latin typeface="+mn-lt"/>
-                <a:ea typeface="+mn-ea"/>
-                <a:cs typeface="+mn-cs"/>
-              </a:rPr>
-              <a:t>, CSS, etc. </a:t>
+                <a:uLnTx/>
+                <a:uFillTx/>
+              </a:rPr>
+              <a:t>JNDI</a:t>
             </a:r>
           </a:p>
           <a:p>
@@ -2311,116 +3622,18 @@
               <a:defRPr lang="pt-BR"/>
             </a:pPr>
             <a:r>
-              <a:rPr lang="pt-BR" sz="1000" dirty="0"/>
-              <a:t>Web: </a:t>
-            </a:r>
-            <a:r>
-              <a:rPr lang="pt-BR" sz="1200" b="0" i="0" kern="1200" dirty="0">
+              <a:rPr kumimoji="0" lang="pt-BR" sz="1200" b="0" i="0" u="none" strike="noStrike" kern="0" cap="none" spc="0" normalizeH="0" baseline="0" dirty="0" smtClean="0">
+                <a:ln>
+                  <a:noFill/>
+                </a:ln>
                 <a:solidFill>
                   <a:schemeClr val="tx1"/>
                 </a:solidFill>
                 <a:effectLst/>
-                <a:latin typeface="+mn-lt"/>
-                <a:ea typeface="+mn-ea"/>
-                <a:cs typeface="+mn-cs"/>
-              </a:rPr>
-              <a:t>Nessa camada estão os </a:t>
-            </a:r>
-            <a:r>
-              <a:rPr lang="pt-BR" sz="1200" b="0" i="0" kern="1200" dirty="0" err="1">
-                <a:solidFill>
-                  <a:schemeClr val="tx1"/>
-                </a:solidFill>
-                <a:effectLst/>
-                <a:latin typeface="+mn-lt"/>
-                <a:ea typeface="+mn-ea"/>
-                <a:cs typeface="+mn-cs"/>
-              </a:rPr>
-              <a:t>JSPs</a:t>
-            </a:r>
-            <a:r>
-              <a:rPr lang="pt-BR" sz="1200" b="0" i="0" kern="1200" dirty="0">
-                <a:solidFill>
-                  <a:schemeClr val="tx1"/>
-                </a:solidFill>
-                <a:effectLst/>
-                <a:latin typeface="+mn-lt"/>
-                <a:ea typeface="+mn-ea"/>
-                <a:cs typeface="+mn-cs"/>
-              </a:rPr>
-              <a:t>, </a:t>
-            </a:r>
-            <a:r>
-              <a:rPr lang="pt-BR" sz="1200" b="0" i="0" kern="1200" dirty="0" err="1">
-                <a:solidFill>
-                  <a:schemeClr val="tx1"/>
-                </a:solidFill>
-                <a:effectLst/>
-                <a:latin typeface="+mn-lt"/>
-                <a:ea typeface="+mn-ea"/>
-                <a:cs typeface="+mn-cs"/>
-              </a:rPr>
-              <a:t>servlets</a:t>
-            </a:r>
-            <a:r>
-              <a:rPr lang="pt-BR" sz="1200" b="0" i="0" kern="1200" dirty="0">
-                <a:solidFill>
-                  <a:schemeClr val="tx1"/>
-                </a:solidFill>
-                <a:effectLst/>
-                <a:latin typeface="+mn-lt"/>
-                <a:ea typeface="+mn-ea"/>
-                <a:cs typeface="+mn-cs"/>
-              </a:rPr>
-              <a:t>, rodam num servidor web como o </a:t>
-            </a:r>
-            <a:r>
-              <a:rPr lang="pt-BR" sz="1200" b="0" i="0" kern="1200" dirty="0" err="1">
-                <a:solidFill>
-                  <a:schemeClr val="tx1"/>
-                </a:solidFill>
-                <a:effectLst/>
-                <a:latin typeface="+mn-lt"/>
-                <a:ea typeface="+mn-ea"/>
-                <a:cs typeface="+mn-cs"/>
-              </a:rPr>
-              <a:t>Tomcat</a:t>
-            </a:r>
-            <a:r>
-              <a:rPr lang="pt-BR" sz="1200" b="0" i="0" kern="1200" dirty="0">
-                <a:solidFill>
-                  <a:schemeClr val="tx1"/>
-                </a:solidFill>
-                <a:effectLst/>
-                <a:latin typeface="+mn-lt"/>
-                <a:ea typeface="+mn-ea"/>
-                <a:cs typeface="+mn-cs"/>
-              </a:rPr>
-              <a:t>, por exemplo. Normalmente, empacotado em um arquivo WAR (Web </a:t>
-            </a:r>
-            <a:r>
-              <a:rPr lang="pt-BR" sz="1200" b="0" i="0" kern="1200" dirty="0" err="1">
-                <a:solidFill>
-                  <a:schemeClr val="tx1"/>
-                </a:solidFill>
-                <a:effectLst/>
-                <a:latin typeface="+mn-lt"/>
-                <a:ea typeface="+mn-ea"/>
-                <a:cs typeface="+mn-cs"/>
-              </a:rPr>
-              <a:t>Archive</a:t>
-            </a:r>
-            <a:r>
-              <a:rPr lang="pt-BR" sz="1200" b="0" i="0" kern="1200" dirty="0">
-                <a:solidFill>
-                  <a:schemeClr val="tx1"/>
-                </a:solidFill>
-                <a:effectLst/>
-                <a:latin typeface="+mn-lt"/>
-                <a:ea typeface="+mn-ea"/>
-                <a:cs typeface="+mn-cs"/>
-              </a:rPr>
-              <a:t>).</a:t>
+                <a:uLnTx/>
+                <a:uFillTx/>
+              </a:rPr>
+              <a:t>Objetos Remotos</a:t>
             </a:r>
           </a:p>
           <a:p>
@@ -2433,88 +3646,18 @@
               <a:defRPr lang="pt-BR"/>
             </a:pPr>
             <a:r>
-              <a:rPr lang="pt-BR" sz="1200" b="0" i="0" kern="1200" dirty="0">
+              <a:rPr kumimoji="0" lang="pt-BR" sz="1200" b="0" i="0" u="none" strike="noStrike" kern="0" cap="none" spc="0" normalizeH="0" baseline="0" dirty="0" smtClean="0">
+                <a:ln>
+                  <a:noFill/>
+                </a:ln>
                 <a:solidFill>
                   <a:schemeClr val="tx1"/>
                 </a:solidFill>
                 <a:effectLst/>
-                <a:latin typeface="+mn-lt"/>
-                <a:ea typeface="+mn-ea"/>
-                <a:cs typeface="+mn-cs"/>
-              </a:rPr>
-              <a:t>Negócios:</a:t>
-            </a:r>
-            <a:r>
-              <a:rPr lang="pt-BR" sz="1200" b="0" i="0" kern="1200" baseline="0" dirty="0">
-                <a:solidFill>
-                  <a:schemeClr val="tx1"/>
-                </a:solidFill>
-                <a:effectLst/>
-                <a:latin typeface="+mn-lt"/>
-                <a:ea typeface="+mn-ea"/>
-                <a:cs typeface="+mn-cs"/>
-              </a:rPr>
-              <a:t> </a:t>
-            </a:r>
-            <a:r>
-              <a:rPr lang="pt-BR" sz="1200" b="0" i="0" kern="1200" dirty="0">
-                <a:solidFill>
-                  <a:schemeClr val="tx1"/>
-                </a:solidFill>
-                <a:effectLst/>
-                <a:latin typeface="+mn-lt"/>
-                <a:ea typeface="+mn-ea"/>
-                <a:cs typeface="+mn-cs"/>
-              </a:rPr>
-              <a:t>Nessa camada Ficam os </a:t>
-            </a:r>
-            <a:r>
-              <a:rPr lang="pt-BR" sz="1200" b="0" i="0" kern="1200" dirty="0" err="1">
-                <a:solidFill>
-                  <a:schemeClr val="tx1"/>
-                </a:solidFill>
-                <a:effectLst/>
-                <a:latin typeface="+mn-lt"/>
-                <a:ea typeface="+mn-ea"/>
-                <a:cs typeface="+mn-cs"/>
-              </a:rPr>
-              <a:t>EJBs</a:t>
-            </a:r>
-            <a:r>
-              <a:rPr lang="pt-BR" sz="1200" b="0" i="0" kern="1200" dirty="0">
-                <a:solidFill>
-                  <a:schemeClr val="tx1"/>
-                </a:solidFill>
-                <a:effectLst/>
-                <a:latin typeface="+mn-lt"/>
-                <a:ea typeface="+mn-ea"/>
-                <a:cs typeface="+mn-cs"/>
-              </a:rPr>
-              <a:t>, classes de negócio, </a:t>
-            </a:r>
-            <a:r>
-              <a:rPr lang="pt-BR" sz="1200" b="0" i="0" kern="1200" dirty="0" err="1">
-                <a:solidFill>
-                  <a:schemeClr val="tx1"/>
-                </a:solidFill>
-                <a:effectLst/>
-                <a:latin typeface="+mn-lt"/>
-                <a:ea typeface="+mn-ea"/>
-                <a:cs typeface="+mn-cs"/>
-              </a:rPr>
-              <a:t>DAOs</a:t>
-            </a:r>
-            <a:r>
-              <a:rPr lang="pt-BR" sz="1200" b="0" i="0" kern="1200" dirty="0">
-                <a:solidFill>
-                  <a:schemeClr val="tx1"/>
-                </a:solidFill>
-                <a:effectLst/>
-                <a:latin typeface="+mn-lt"/>
-                <a:ea typeface="+mn-ea"/>
-                <a:cs typeface="+mn-cs"/>
-              </a:rPr>
-              <a:t>, classes que acessam sistemas externos, etc.</a:t>
+                <a:uLnTx/>
+                <a:uFillTx/>
+              </a:rPr>
+              <a:t>Serviços Web</a:t>
             </a:r>
           </a:p>
           <a:p>
@@ -2527,35 +3670,144 @@
               <a:defRPr lang="pt-BR"/>
             </a:pPr>
             <a:r>
-              <a:rPr lang="pt-BR" sz="1200" b="0" i="0" kern="1200" dirty="0">
+              <a:rPr kumimoji="0" lang="pt-BR" sz="1200" b="0" i="0" u="none" strike="noStrike" kern="0" cap="none" spc="0" normalizeH="0" baseline="0" dirty="0" smtClean="0">
+                <a:ln>
+                  <a:noFill/>
+                </a:ln>
                 <a:solidFill>
                   <a:schemeClr val="tx1"/>
                 </a:solidFill>
                 <a:effectLst/>
-                <a:latin typeface="+mn-lt"/>
-                <a:ea typeface="+mn-ea"/>
-                <a:cs typeface="+mn-cs"/>
-              </a:rPr>
-              <a:t>Dados: Nessa camada ficam as tabelas de bancos de dados, índices e tudo mais que o servidor de banco suporta. </a:t>
-            </a:r>
-          </a:p>
-          <a:p>
-            <a:pPr marL="0" lvl="0" indent="0">
+                <a:uLnTx/>
+                <a:uFillTx/>
+              </a:rPr>
+              <a:t>Transações</a:t>
+            </a:r>
+          </a:p>
+          <a:p>
+            <a:pPr marL="342900" lvl="0" indent="-342900">
               <a:spcBef>
                 <a:spcPct val="20000"/>
               </a:spcBef>
               <a:buFont typeface="Arial"/>
-              <a:buNone/>
+              <a:buChar char="•"/>
               <a:defRPr lang="pt-BR"/>
             </a:pPr>
-            <a:endParaRPr lang="pt-BR" sz="1200" b="0" i="0" kern="1200" dirty="0">
+            <a:r>
+              <a:rPr kumimoji="0" lang="pt-BR" sz="1200" b="0" i="0" u="none" strike="noStrike" kern="0" cap="none" spc="0" normalizeH="0" baseline="0" dirty="0" smtClean="0">
+                <a:ln>
+                  <a:noFill/>
+                </a:ln>
+                <a:solidFill>
+                  <a:schemeClr val="tx1"/>
+                </a:solidFill>
+                <a:effectLst/>
+                <a:uLnTx/>
+                <a:uFillTx/>
+              </a:rPr>
+              <a:t>Conexões JMS	</a:t>
+            </a:r>
+          </a:p>
+          <a:p>
+            <a:pPr marL="342900" lvl="0" indent="-342900">
+              <a:spcBef>
+                <a:spcPct val="20000"/>
+              </a:spcBef>
+              <a:buFont typeface="Arial"/>
+              <a:buChar char="•"/>
+              <a:defRPr lang="pt-BR"/>
+            </a:pPr>
+            <a:r>
+              <a:rPr kumimoji="0" lang="pt-BR" sz="1200" b="0" i="0" u="none" strike="noStrike" kern="0" cap="none" spc="0" normalizeH="0" baseline="0" dirty="0" smtClean="0">
+                <a:ln>
+                  <a:noFill/>
+                </a:ln>
+                <a:solidFill>
+                  <a:schemeClr val="tx1"/>
+                </a:solidFill>
+                <a:effectLst/>
+                <a:uLnTx/>
+                <a:uFillTx/>
+              </a:rPr>
+              <a:t>Autenticação e autorização</a:t>
+            </a:r>
+          </a:p>
+          <a:p>
+            <a:pPr marL="342900" lvl="0" indent="-342900">
+              <a:spcBef>
+                <a:spcPct val="20000"/>
+              </a:spcBef>
+              <a:buFont typeface="Arial"/>
+              <a:buChar char="•"/>
+              <a:defRPr lang="pt-BR"/>
+            </a:pPr>
+            <a:r>
+              <a:rPr kumimoji="0" lang="pt-BR" sz="1200" b="0" i="0" u="none" strike="noStrike" kern="0" cap="none" spc="0" normalizeH="0" baseline="0" dirty="0" err="1" smtClean="0">
+                <a:ln>
+                  <a:noFill/>
+                </a:ln>
+                <a:solidFill>
+                  <a:schemeClr val="tx1"/>
+                </a:solidFill>
+                <a:effectLst/>
+                <a:uLnTx/>
+                <a:uFillTx/>
+              </a:rPr>
+              <a:t>JavaMail</a:t>
+            </a:r>
+            <a:endParaRPr kumimoji="0" lang="pt-BR" sz="1200" b="0" i="0" u="none" strike="noStrike" kern="0" cap="none" spc="0" normalizeH="0" baseline="0" dirty="0" smtClean="0">
+              <a:ln>
+                <a:noFill/>
+              </a:ln>
               <a:solidFill>
                 <a:schemeClr val="tx1"/>
               </a:solidFill>
               <a:effectLst/>
-              <a:latin typeface="+mn-lt"/>
-              <a:ea typeface="+mn-ea"/>
-              <a:cs typeface="+mn-cs"/>
+              <a:uLnTx/>
+              <a:uFillTx/>
+            </a:endParaRPr>
+          </a:p>
+          <a:p>
+            <a:pPr marL="342900" lvl="0" indent="-342900">
+              <a:spcBef>
+                <a:spcPct val="20000"/>
+              </a:spcBef>
+              <a:buFont typeface="Arial"/>
+              <a:buChar char="•"/>
+              <a:defRPr lang="pt-BR"/>
+            </a:pPr>
+            <a:r>
+              <a:rPr lang="pt-BR" sz="1200" b="0" i="0" u="none" strike="noStrike" kern="1200" baseline="0" dirty="0" err="1" smtClean="0">
+                <a:solidFill>
+                  <a:schemeClr val="tx1"/>
+                </a:solidFill>
+                <a:latin typeface="+mn-lt"/>
+                <a:ea typeface="+mn-ea"/>
+                <a:cs typeface="+mn-cs"/>
+              </a:rPr>
+              <a:t>WebSockets</a:t>
+            </a:r>
+            <a:r>
+              <a:rPr lang="pt-BR" sz="1200" b="0" i="0" u="none" strike="noStrike" kern="1200" baseline="0" dirty="0" smtClean="0">
+                <a:solidFill>
+                  <a:schemeClr val="tx1"/>
+                </a:solidFill>
+                <a:latin typeface="+mn-lt"/>
+                <a:ea typeface="+mn-ea"/>
+                <a:cs typeface="+mn-cs"/>
+              </a:rPr>
+              <a:t> (Protocolo de comunicação não será abordado no curso)</a:t>
+            </a:r>
+            <a:endParaRPr kumimoji="0" lang="pt-BR" sz="1200" b="0" i="0" u="none" strike="noStrike" kern="0" cap="none" spc="0" normalizeH="0" baseline="0" dirty="0">
+              <a:ln>
+                <a:noFill/>
+              </a:ln>
+              <a:solidFill>
+                <a:schemeClr val="tx1"/>
+              </a:solidFill>
+              <a:effectLst/>
+              <a:uLnTx/>
+              <a:uFillTx/>
             </a:endParaRPr>
           </a:p>
         </p:txBody>
@@ -2636,22 +3888,206 @@
           <a:bodyPr/>
           <a:lstStyle/>
           <a:p>
-            <a:pPr marL="0" lvl="0" indent="0">
-              <a:spcBef>
-                <a:spcPct val="20000"/>
-              </a:spcBef>
-              <a:buFont typeface="Arial"/>
-              <a:buNone/>
-              <a:defRPr lang="pt-BR"/>
-            </a:pPr>
-            <a:endParaRPr lang="pt-BR" sz="1200" b="0" i="0" kern="1200" dirty="0">
+            <a:r>
+              <a:rPr lang="pt-BR" sz="1200" b="0" i="0" u="none" strike="noStrike" kern="1200" baseline="0" dirty="0" smtClean="0">
+                <a:solidFill>
+                  <a:schemeClr val="tx1"/>
+                </a:solidFill>
+                <a:latin typeface="+mn-lt"/>
+                <a:ea typeface="+mn-ea"/>
+                <a:cs typeface="+mn-cs"/>
+              </a:rPr>
+              <a:t>Com JNDI você centraliza um “valor” imutável, como por exemplo uma conexão a um banco de dados, uma pasta ou uma </a:t>
+            </a:r>
+            <a:r>
+              <a:rPr lang="pt-BR" sz="1200" b="0" i="0" u="none" strike="noStrike" kern="1200" baseline="0" dirty="0" err="1" smtClean="0">
+                <a:solidFill>
+                  <a:schemeClr val="tx1"/>
+                </a:solidFill>
+                <a:latin typeface="+mn-lt"/>
+                <a:ea typeface="+mn-ea"/>
+                <a:cs typeface="+mn-cs"/>
+              </a:rPr>
+              <a:t>url</a:t>
+            </a:r>
+            <a:r>
+              <a:rPr lang="pt-BR" sz="1200" b="0" i="0" u="none" strike="noStrike" kern="1200" baseline="0" dirty="0" smtClean="0">
+                <a:solidFill>
+                  <a:schemeClr val="tx1"/>
+                </a:solidFill>
+                <a:latin typeface="+mn-lt"/>
+                <a:ea typeface="+mn-ea"/>
+                <a:cs typeface="+mn-cs"/>
+              </a:rPr>
+              <a:t>.</a:t>
+            </a:r>
+          </a:p>
+          <a:p>
+            <a:r>
+              <a:rPr lang="pt-BR" sz="1200" b="0" i="0" u="none" strike="noStrike" kern="1200" baseline="0" dirty="0" smtClean="0">
+                <a:solidFill>
+                  <a:schemeClr val="tx1"/>
+                </a:solidFill>
+                <a:latin typeface="+mn-lt"/>
+                <a:ea typeface="+mn-ea"/>
+                <a:cs typeface="+mn-cs"/>
+              </a:rPr>
+              <a:t>Assim, sempre que sua aplicação for precisar utilizar esse recurso não precisa reescrever em todos os lugares, apenas retorna do servidor. Isso facilita a manutenção ! (Exemplo da aplicação DM10 onde está marretado os </a:t>
+            </a:r>
+            <a:r>
+              <a:rPr lang="pt-BR" sz="1200" b="0" i="0" u="none" strike="noStrike" kern="1200" baseline="0" dirty="0" err="1" smtClean="0">
+                <a:solidFill>
+                  <a:schemeClr val="tx1"/>
+                </a:solidFill>
+                <a:latin typeface="+mn-lt"/>
+                <a:ea typeface="+mn-ea"/>
+                <a:cs typeface="+mn-cs"/>
+              </a:rPr>
+              <a:t>wsdls</a:t>
+            </a:r>
+            <a:r>
+              <a:rPr lang="pt-BR" sz="1200" b="0" i="0" u="none" strike="noStrike" kern="1200" baseline="0" dirty="0" smtClean="0">
+                <a:solidFill>
+                  <a:schemeClr val="tx1"/>
+                </a:solidFill>
+                <a:latin typeface="+mn-lt"/>
+                <a:ea typeface="+mn-ea"/>
+                <a:cs typeface="+mn-cs"/>
+              </a:rPr>
+              <a:t> de produção).</a:t>
+            </a:r>
+          </a:p>
+          <a:p>
+            <a:endParaRPr lang="pt-BR" sz="1200" b="0" i="0" u="none" strike="noStrike" kern="1200" baseline="0" dirty="0" smtClean="0">
+              <a:solidFill>
+                <a:schemeClr val="tx1"/>
+              </a:solidFill>
+              <a:latin typeface="+mn-lt"/>
+              <a:ea typeface="+mn-ea"/>
+              <a:cs typeface="+mn-cs"/>
+            </a:endParaRPr>
+          </a:p>
+          <a:p>
+            <a:r>
+              <a:rPr lang="pt-BR" sz="1200" b="0" i="0" u="none" strike="noStrike" kern="1200" baseline="0" dirty="0" smtClean="0">
+                <a:solidFill>
+                  <a:schemeClr val="tx1"/>
+                </a:solidFill>
+                <a:latin typeface="+mn-lt"/>
+                <a:ea typeface="+mn-ea"/>
+                <a:cs typeface="+mn-cs"/>
+              </a:rPr>
+              <a:t>Para clientes internos ao servidor (</a:t>
+            </a:r>
+            <a:r>
+              <a:rPr lang="pt-BR" sz="1200" b="0" i="0" u="none" strike="noStrike" kern="1200" baseline="0" dirty="0" err="1" smtClean="0">
+                <a:solidFill>
+                  <a:schemeClr val="tx1"/>
+                </a:solidFill>
+                <a:latin typeface="+mn-lt"/>
+                <a:ea typeface="+mn-ea"/>
+                <a:cs typeface="+mn-cs"/>
+              </a:rPr>
+              <a:t>ex</a:t>
+            </a:r>
+            <a:r>
+              <a:rPr lang="pt-BR" sz="1200" b="0" i="0" u="none" strike="noStrike" kern="1200" baseline="0" dirty="0" smtClean="0">
+                <a:solidFill>
+                  <a:schemeClr val="tx1"/>
+                </a:solidFill>
+                <a:latin typeface="+mn-lt"/>
+                <a:ea typeface="+mn-ea"/>
+                <a:cs typeface="+mn-cs"/>
+              </a:rPr>
+              <a:t>: clientes de aplicação e aplicações Web)</a:t>
+            </a:r>
+          </a:p>
+          <a:p>
+            <a:r>
+              <a:rPr lang="pt-BR" sz="1200" b="0" i="0" u="none" strike="noStrike" kern="1200" baseline="0" dirty="0" smtClean="0">
+                <a:solidFill>
+                  <a:schemeClr val="tx1"/>
+                </a:solidFill>
+                <a:latin typeface="+mn-lt"/>
+                <a:ea typeface="+mn-ea"/>
+                <a:cs typeface="+mn-cs"/>
+              </a:rPr>
+              <a:t>geralmente usa-se injeção de dependências (DI) ou CDI.</a:t>
+            </a:r>
+          </a:p>
+          <a:p>
+            <a:endParaRPr kumimoji="0" lang="pt-BR" sz="1200" b="0" i="0" u="none" strike="noStrike" kern="1200" cap="none" spc="0" normalizeH="0" baseline="0" dirty="0" smtClean="0">
+              <a:ln>
+                <a:noFill/>
+              </a:ln>
               <a:solidFill>
                 <a:schemeClr val="tx1"/>
               </a:solidFill>
               <a:effectLst/>
+              <a:uLnTx/>
+              <a:uFillTx/>
               <a:latin typeface="+mn-lt"/>
               <a:ea typeface="+mn-ea"/>
               <a:cs typeface="+mn-cs"/>
+            </a:endParaRPr>
+          </a:p>
+          <a:p>
+            <a:r>
+              <a:rPr lang="pt-BR" sz="1200" b="0" i="0" u="none" strike="noStrike" kern="1200" baseline="0" dirty="0" smtClean="0">
+                <a:solidFill>
+                  <a:schemeClr val="tx1"/>
+                </a:solidFill>
+                <a:latin typeface="+mn-lt"/>
+                <a:ea typeface="+mn-ea"/>
+                <a:cs typeface="+mn-cs"/>
+              </a:rPr>
+              <a:t>JNDI será explorado no capítulo sobre EJB para acesso remoto a </a:t>
+            </a:r>
+            <a:r>
+              <a:rPr lang="pt-BR" sz="1200" b="0" i="0" u="none" strike="noStrike" kern="1200" baseline="0" dirty="0" err="1" smtClean="0">
+                <a:solidFill>
+                  <a:schemeClr val="tx1"/>
+                </a:solidFill>
+                <a:latin typeface="+mn-lt"/>
+                <a:ea typeface="+mn-ea"/>
+                <a:cs typeface="+mn-cs"/>
+              </a:rPr>
+              <a:t>EJBs</a:t>
+            </a:r>
+            <a:r>
+              <a:rPr lang="pt-BR" sz="1200" b="0" i="0" u="none" strike="noStrike" kern="1200" baseline="0" dirty="0" smtClean="0">
+                <a:solidFill>
+                  <a:schemeClr val="tx1"/>
+                </a:solidFill>
+                <a:latin typeface="+mn-lt"/>
+                <a:ea typeface="+mn-ea"/>
+                <a:cs typeface="+mn-cs"/>
+              </a:rPr>
+              <a:t> e serviços JMS. CDI</a:t>
+            </a:r>
+          </a:p>
+          <a:p>
+            <a:r>
+              <a:rPr lang="pt-BR" sz="1200" b="0" i="0" u="none" strike="noStrike" kern="1200" baseline="0" dirty="0" smtClean="0">
+                <a:solidFill>
+                  <a:schemeClr val="tx1"/>
+                </a:solidFill>
+                <a:latin typeface="+mn-lt"/>
+                <a:ea typeface="+mn-ea"/>
+                <a:cs typeface="+mn-cs"/>
+              </a:rPr>
+              <a:t>é abordado em um capítulo próprio.</a:t>
+            </a:r>
+            <a:endParaRPr kumimoji="0" lang="pt-BR" sz="1200" b="0" i="0" u="none" strike="noStrike" kern="0" cap="none" spc="0" normalizeH="0" baseline="0" dirty="0">
+              <a:ln>
+                <a:noFill/>
+              </a:ln>
+              <a:solidFill>
+                <a:schemeClr val="tx1"/>
+              </a:solidFill>
+              <a:effectLst/>
+              <a:uLnTx/>
+              <a:uFillTx/>
             </a:endParaRPr>
           </a:p>
         </p:txBody>
@@ -2681,11 +4117,6 @@
         </p:txBody>
       </p:sp>
     </p:spTree>
-    <p:extLst>
-      <p:ext uri="{BB962C8B-B14F-4D97-AF65-F5344CB8AC3E}">
-        <p14:creationId xmlns:p14="http://schemas.microsoft.com/office/powerpoint/2010/main" val="383213248"/>
-      </p:ext>
-    </p:extLst>
   </p:cSld>
   <p:clrMapOvr>
     <a:masterClrMapping/>
@@ -3506,7 +4937,7 @@
             <a:fld id="{8F67D422-08A8-451B-9A67-21962FC4B660}" type="datetimeFigureOut">
               <a:rPr kumimoji="0" lang="pt-BR" sz="1100"/>
               <a:pPr algn="r"/>
-              <a:t>09/10/2018</a:t>
+              <a:t>12/10/2018</a:t>
             </a:fld>
             <a:endParaRPr kumimoji="0" lang="pt-BR"/>
           </a:p>
@@ -3728,7 +5159,7 @@
             <a:fld id="{8F67D422-08A8-451B-9A67-21962FC4B660}" type="datetimeFigureOut">
               <a:rPr kumimoji="0" lang="pt-BR" sz="1100"/>
               <a:pPr algn="r"/>
-              <a:t>09/10/2018</a:t>
+              <a:t>12/10/2018</a:t>
             </a:fld>
             <a:endParaRPr kumimoji="0" lang="pt-BR"/>
           </a:p>
@@ -3845,7 +5276,7 @@
             <a:fld id="{8F67D422-08A8-451B-9A67-21962FC4B660}" type="datetimeFigureOut">
               <a:rPr kumimoji="0" lang="pt-BR" sz="1100"/>
               <a:pPr algn="r"/>
-              <a:t>09/10/2018</a:t>
+              <a:t>12/10/2018</a:t>
             </a:fld>
             <a:endParaRPr kumimoji="0" lang="pt-BR"/>
           </a:p>
@@ -4010,7 +5441,7 @@
           <a:p>
             <a:fld id="{1BEBB2CB-903D-46EF-8227-E770ED8FF514}" type="datetimeFigureOut">
               <a:pPr/>
-              <a:t>09/10/2018</a:t>
+              <a:t>12/10/2018</a:t>
             </a:fld>
             <a:endParaRPr kumimoji="0" lang="pt-BR"/>
           </a:p>
@@ -4488,7 +5919,7 @@
           <a:p>
             <a:fld id="{1BEBB2CB-903D-46EF-8227-E770ED8FF514}" type="datetimeFigureOut">
               <a:pPr/>
-              <a:t>09/10/2018</a:t>
+              <a:t>12/10/2018</a:t>
             </a:fld>
             <a:endParaRPr kumimoji="0" lang="pt-BR"/>
           </a:p>
@@ -5096,7 +6527,7 @@
           <a:p>
             <a:fld id="{1BEBB2CB-903D-46EF-8227-E770ED8FF514}" type="datetimeFigureOut">
               <a:pPr/>
-              <a:t>09/10/2018</a:t>
+              <a:t>12/10/2018</a:t>
             </a:fld>
             <a:endParaRPr kumimoji="0" lang="pt-BR"/>
           </a:p>
@@ -5491,7 +6922,7 @@
           <a:p>
             <a:fld id="{1BEBB2CB-903D-46EF-8227-E770ED8FF514}" type="datetimeFigureOut">
               <a:pPr/>
-              <a:t>09/10/2018</a:t>
+              <a:t>12/10/2018</a:t>
             </a:fld>
             <a:endParaRPr kumimoji="0" lang="pt-BR"/>
           </a:p>
@@ -6282,7 +7713,7 @@
           <a:p>
             <a:fld id="{1BEBB2CB-903D-46EF-8227-E770ED8FF514}" type="datetimeFigureOut">
               <a:pPr/>
-              <a:t>09/10/2018</a:t>
+              <a:t>12/10/2018</a:t>
             </a:fld>
             <a:endParaRPr kumimoji="0" lang="pt-BR"/>
           </a:p>
@@ -7376,7 +8807,7 @@
             <a:fld id="{8F67D422-08A8-451B-9A67-21962FC4B660}" type="datetimeFigureOut">
               <a:rPr kumimoji="0" lang="pt-BR" sz="1100"/>
               <a:pPr algn="r"/>
-              <a:t>09/10/2018</a:t>
+              <a:t>12/10/2018</a:t>
             </a:fld>
             <a:endParaRPr kumimoji="0" lang="pt-BR" sz="1050"/>
           </a:p>
@@ -8606,7 +10037,7 @@
           <p:cNvPr id="11" name="Rectangle 8">
             <a:extLst>
               <a:ext uri="{FF2B5EF4-FFF2-40B4-BE49-F238E27FC236}">
-                <a16:creationId xmlns:a16="http://schemas.microsoft.com/office/drawing/2014/main" xmlns="" id="{E1F0AA30-9C1D-4249-8068-4A45331D9230}"/>
+                <a16:creationId xmlns="" xmlns:a16="http://schemas.microsoft.com/office/drawing/2014/main" id="{E1F0AA30-9C1D-4249-8068-4A45331D9230}"/>
               </a:ext>
             </a:extLst>
           </p:cNvPr>
@@ -8785,11 +10216,7 @@
             </a:r>
             <a:r>
               <a:rPr lang="pt-BR" sz="2400" kern="0" dirty="0" smtClean="0"/>
-              <a:t>		</a:t>
-            </a:r>
-            <a:r>
-              <a:rPr lang="pt-BR" sz="2400" kern="0" dirty="0" smtClean="0"/>
-              <a:t>Davi </a:t>
+              <a:t>		Davi </a:t>
             </a:r>
             <a:r>
               <a:rPr lang="pt-BR" sz="2400" kern="0" dirty="0"/>
@@ -8836,12 +10263,7 @@
             <p:ph type="title"/>
           </p:nvPr>
         </p:nvSpPr>
-        <p:spPr>
-          <a:xfrm>
-            <a:off x="228600" y="1676400"/>
-            <a:ext cx="8229600" cy="1143000"/>
-          </a:xfrm>
-        </p:spPr>
+        <p:spPr/>
         <p:txBody>
           <a:bodyPr>
             <a:noAutofit/>
@@ -8849,200 +10271,54 @@
           <a:lstStyle/>
           <a:p>
             <a:r>
-              <a:rPr lang="pt-BR" sz="4000" dirty="0"/>
-              <a:t>EXERCÍCIOS:</a:t>
-            </a:r>
-          </a:p>
-        </p:txBody>
-      </p:sp>
-      <p:sp>
-        <p:nvSpPr>
-          <p:cNvPr id="7" name="Retângulo 6">
-            <a:extLst>
-              <a:ext uri="{FF2B5EF4-FFF2-40B4-BE49-F238E27FC236}">
-                <a16:creationId xmlns:a16="http://schemas.microsoft.com/office/drawing/2014/main" xmlns="" id="{DE871D51-6822-455D-8B97-7F37D0BA5BB9}"/>
-              </a:ext>
-            </a:extLst>
-          </p:cNvPr>
-          <p:cNvSpPr/>
+              <a:rPr lang="pt-BR" sz="3800" dirty="0" err="1" smtClean="0"/>
+              <a:t>DataSources</a:t>
+            </a:r>
+            <a:endParaRPr lang="pt-BR" sz="3800" dirty="0"/>
+          </a:p>
+        </p:txBody>
+      </p:sp>
+      <p:sp>
+        <p:nvSpPr>
+          <p:cNvPr id="4" name="Rectangle 25"/>
+          <p:cNvSpPr txBox="1">
+            <a:spLocks/>
+          </p:cNvSpPr>
           <p:nvPr/>
         </p:nvSpPr>
         <p:spPr>
           <a:xfrm>
-            <a:off x="685800" y="2703016"/>
-            <a:ext cx="7772400" cy="4154984"/>
+            <a:off x="762000" y="2780928"/>
+            <a:ext cx="7086600" cy="3168352"/>
           </a:xfrm>
           <a:prstGeom prst="rect">
             <a:avLst/>
           </a:prstGeom>
         </p:spPr>
         <p:txBody>
-          <a:bodyPr wrap="square">
-            <a:spAutoFit/>
+          <a:bodyPr vert="horz">
+            <a:noAutofit/>
           </a:bodyPr>
           <a:lstStyle/>
           <a:p>
-            <a:pPr marL="457200" indent="-457200">
-              <a:buAutoNum type="arabicParenR"/>
+            <a:pPr>
+              <a:spcBef>
+                <a:spcPct val="20000"/>
+              </a:spcBef>
+              <a:defRPr lang="pt-BR"/>
             </a:pPr>
             <a:r>
-              <a:rPr lang="pt-BR" sz="2400" b="1" dirty="0" smtClean="0"/>
-              <a:t>Crie</a:t>
-            </a:r>
-            <a:r>
-              <a:rPr lang="pt-BR" sz="2400" b="1" dirty="0" smtClean="0"/>
-              <a:t> um </a:t>
-            </a:r>
-            <a:r>
-              <a:rPr lang="pt-BR" sz="2400" b="1" dirty="0"/>
-              <a:t>projeto </a:t>
-            </a:r>
-            <a:r>
-              <a:rPr lang="pt-BR" sz="2400" b="1" dirty="0" err="1"/>
-              <a:t>maven</a:t>
-            </a:r>
-            <a:r>
-              <a:rPr lang="pt-BR" sz="2400" b="1" dirty="0"/>
-              <a:t>, </a:t>
-            </a:r>
-            <a:r>
-              <a:rPr lang="pt-BR" sz="2400" b="1" dirty="0" smtClean="0"/>
-              <a:t>uma </a:t>
-            </a:r>
-            <a:r>
-              <a:rPr lang="pt-BR" sz="2400" b="1" dirty="0" err="1"/>
-              <a:t>servlet</a:t>
-            </a:r>
-            <a:r>
-              <a:rPr lang="pt-BR" sz="2400" b="1" dirty="0"/>
-              <a:t> </a:t>
-            </a:r>
-            <a:r>
-              <a:rPr lang="pt-BR" sz="2400" b="1" dirty="0" smtClean="0"/>
-              <a:t>com anotação </a:t>
-            </a:r>
-            <a:r>
-              <a:rPr lang="pt-BR" sz="2400" b="1" dirty="0"/>
-              <a:t>@</a:t>
-            </a:r>
-            <a:r>
-              <a:rPr lang="pt-BR" sz="2400" b="1" dirty="0" err="1"/>
-              <a:t>WebServlet</a:t>
-            </a:r>
-            <a:r>
-              <a:rPr lang="pt-BR" sz="2400" b="1" dirty="0"/>
-              <a:t> no seu </a:t>
-            </a:r>
-            <a:r>
-              <a:rPr lang="pt-BR" sz="2400" b="1" dirty="0" err="1"/>
-              <a:t>controller</a:t>
-            </a:r>
-            <a:r>
-              <a:rPr lang="pt-BR" sz="2400" b="1" dirty="0"/>
-              <a:t> e faça uma chamada via HTTP </a:t>
-            </a:r>
-            <a:r>
-              <a:rPr lang="pt-BR" sz="2400" b="1" dirty="0" smtClean="0"/>
-              <a:t>e retornar </a:t>
-            </a:r>
-            <a:r>
-              <a:rPr lang="pt-BR" sz="2400" b="1" dirty="0" smtClean="0"/>
-              <a:t>algum </a:t>
-            </a:r>
-            <a:r>
-              <a:rPr lang="pt-BR" sz="2400" b="1" dirty="0" smtClean="0"/>
-              <a:t>dado na </a:t>
-            </a:r>
-            <a:r>
-              <a:rPr lang="pt-BR" sz="2400" b="1" dirty="0"/>
-              <a:t>resposta.</a:t>
-            </a:r>
-          </a:p>
-          <a:p>
-            <a:r>
-              <a:rPr lang="pt-BR" sz="2400" b="1" dirty="0"/>
-              <a:t>Informações úteis:</a:t>
-            </a:r>
-          </a:p>
-          <a:p>
-            <a:r>
-              <a:rPr lang="pt-BR" sz="2400" b="1" dirty="0"/>
-              <a:t>	Versão do </a:t>
-            </a:r>
-            <a:r>
-              <a:rPr lang="pt-BR" sz="2400" b="1" dirty="0" err="1"/>
-              <a:t>java</a:t>
-            </a:r>
-            <a:r>
-              <a:rPr lang="pt-BR" sz="2400" b="1" dirty="0"/>
-              <a:t>: 1.8 </a:t>
-            </a:r>
-          </a:p>
-          <a:p>
-            <a:r>
-              <a:rPr lang="pt-BR" sz="2400" b="1" dirty="0"/>
-              <a:t>	Eclipse: </a:t>
-            </a:r>
-            <a:r>
-              <a:rPr lang="pt-BR" sz="2400" b="1" dirty="0" err="1"/>
-              <a:t>SimRel</a:t>
-            </a:r>
-            <a:r>
-              <a:rPr lang="pt-BR" sz="2400" b="1" dirty="0"/>
-              <a:t> 2018‑09 </a:t>
-            </a:r>
-          </a:p>
-          <a:p>
-            <a:r>
-              <a:rPr lang="pt-BR" sz="2400" b="1" dirty="0"/>
-              <a:t>	Servidor de aplicação: </a:t>
-            </a:r>
-            <a:r>
-              <a:rPr lang="pt-BR" sz="2400" b="1" dirty="0" err="1"/>
-              <a:t>Wildfly</a:t>
-            </a:r>
-            <a:r>
-              <a:rPr lang="pt-BR" sz="2400" b="1" dirty="0"/>
-              <a:t> 12.0.0.Final </a:t>
-            </a:r>
-          </a:p>
-          <a:p>
-            <a:r>
-              <a:rPr lang="pt-BR" sz="2400" b="1" dirty="0"/>
-              <a:t>	Gerenciador de dependência: </a:t>
-            </a:r>
-            <a:r>
-              <a:rPr lang="pt-BR" sz="2400" b="1" dirty="0" err="1"/>
-              <a:t>Maven</a:t>
-            </a:r>
-            <a:endParaRPr lang="pt-BR" sz="2400" b="1" dirty="0"/>
-          </a:p>
-          <a:p>
-            <a:r>
-              <a:rPr lang="pt-BR" sz="2400" b="1" dirty="0"/>
-              <a:t>	APIS Utilizadas: </a:t>
-            </a:r>
-            <a:r>
-              <a:rPr lang="pt-BR" sz="2400" b="1" dirty="0" err="1"/>
-              <a:t>javaee-api</a:t>
-            </a:r>
-            <a:r>
-              <a:rPr lang="pt-BR" sz="2400" b="1" dirty="0"/>
-              <a:t> versão 8.0</a:t>
-            </a:r>
-          </a:p>
-          <a:p>
-            <a:r>
-              <a:rPr lang="pt-BR" sz="2400" b="1" dirty="0"/>
-              <a:t>	Padrão de projeto: MVC</a:t>
-            </a:r>
+              <a:rPr lang="pt-BR" sz="2400" dirty="0" smtClean="0"/>
+              <a:t>São configurações dentro do servidor de aplicação, utilizados para prover acesso a base de dados e outros serviços como mensageria.</a:t>
+            </a:r>
+            <a:endParaRPr lang="pt-BR" sz="2400" kern="0" dirty="0"/>
           </a:p>
         </p:txBody>
       </p:sp>
     </p:spTree>
     <p:extLst>
       <p:ext uri="{BB962C8B-B14F-4D97-AF65-F5344CB8AC3E}">
-        <p14:creationId xmlns:p14="http://schemas.microsoft.com/office/powerpoint/2010/main" val="1832021912"/>
+        <p14:creationId xmlns:p14="http://schemas.microsoft.com/office/powerpoint/2010/main" val="1910811566"/>
       </p:ext>
     </p:extLst>
   </p:cSld>
@@ -9082,6 +10358,373 @@
             <p:ph type="title"/>
           </p:nvPr>
         </p:nvSpPr>
+        <p:spPr/>
+        <p:txBody>
+          <a:bodyPr>
+            <a:noAutofit/>
+          </a:bodyPr>
+          <a:lstStyle/>
+          <a:p>
+            <a:r>
+              <a:rPr lang="pt-BR" sz="4000" b="0" dirty="0"/>
+              <a:t>Arquitetura de aplicações Java EE.</a:t>
+            </a:r>
+            <a:endParaRPr lang="pt-BR" sz="4000" dirty="0"/>
+          </a:p>
+        </p:txBody>
+      </p:sp>
+      <p:sp>
+        <p:nvSpPr>
+          <p:cNvPr id="4" name="Rectangle 25"/>
+          <p:cNvSpPr txBox="1">
+            <a:spLocks/>
+          </p:cNvSpPr>
+          <p:nvPr/>
+        </p:nvSpPr>
+        <p:spPr>
+          <a:xfrm>
+            <a:off x="762000" y="2924944"/>
+            <a:ext cx="7086600" cy="3456384"/>
+          </a:xfrm>
+          <a:prstGeom prst="rect">
+            <a:avLst/>
+          </a:prstGeom>
+        </p:spPr>
+        <p:txBody>
+          <a:bodyPr vert="horz">
+            <a:noAutofit/>
+          </a:bodyPr>
+          <a:lstStyle/>
+          <a:p>
+            <a:pPr marL="342900" lvl="0" indent="-342900">
+              <a:spcBef>
+                <a:spcPct val="20000"/>
+              </a:spcBef>
+              <a:buFont typeface="Arial"/>
+              <a:buChar char="•"/>
+              <a:defRPr lang="pt-BR"/>
+            </a:pPr>
+            <a:endParaRPr lang="pt-BR" sz="2400" kern="0" dirty="0"/>
+          </a:p>
+        </p:txBody>
+      </p:sp>
+      <p:sp>
+        <p:nvSpPr>
+          <p:cNvPr id="2" name="Retângulo 1"/>
+          <p:cNvSpPr/>
+          <p:nvPr/>
+        </p:nvSpPr>
+        <p:spPr>
+          <a:xfrm>
+            <a:off x="762000" y="2852936"/>
+            <a:ext cx="7086600" cy="2939266"/>
+          </a:xfrm>
+          <a:prstGeom prst="rect">
+            <a:avLst/>
+          </a:prstGeom>
+        </p:spPr>
+        <p:txBody>
+          <a:bodyPr wrap="square">
+            <a:spAutoFit/>
+          </a:bodyPr>
+          <a:lstStyle/>
+          <a:p>
+            <a:r>
+              <a:rPr lang="pt-BR" sz="2300" dirty="0"/>
+              <a:t>Java EE se divide em 4 camadas básicas:</a:t>
+            </a:r>
+          </a:p>
+          <a:p>
+            <a:endParaRPr lang="pt-BR" sz="2300" dirty="0"/>
+          </a:p>
+          <a:p>
+            <a:r>
+              <a:rPr lang="pt-BR" sz="2300" b="1" dirty="0"/>
+              <a:t>Camada Cliente </a:t>
+            </a:r>
+            <a:r>
+              <a:rPr lang="pt-BR" sz="2300" b="1" dirty="0">
+                <a:sym typeface="Wingdings" panose="05000000000000000000" pitchFamily="2" charset="2"/>
+              </a:rPr>
+              <a:t></a:t>
+            </a:r>
+            <a:r>
+              <a:rPr lang="pt-BR" sz="2300" dirty="0"/>
+              <a:t> Roda no browser;</a:t>
+            </a:r>
+          </a:p>
+          <a:p>
+            <a:r>
+              <a:rPr lang="pt-BR" sz="2300" b="1" dirty="0"/>
+              <a:t>Camada Web </a:t>
+            </a:r>
+            <a:r>
+              <a:rPr lang="pt-BR" sz="2300" b="1" dirty="0">
+                <a:sym typeface="Wingdings" panose="05000000000000000000" pitchFamily="2" charset="2"/>
+              </a:rPr>
+              <a:t></a:t>
+            </a:r>
+            <a:r>
+              <a:rPr lang="pt-BR" sz="2300" dirty="0"/>
+              <a:t> Servidor de aplicações;</a:t>
+            </a:r>
+          </a:p>
+          <a:p>
+            <a:r>
+              <a:rPr lang="pt-BR" sz="2300" dirty="0"/>
+              <a:t>Camada de negócios </a:t>
+            </a:r>
+            <a:r>
+              <a:rPr lang="pt-BR" sz="2300" dirty="0">
+                <a:sym typeface="Wingdings" panose="05000000000000000000" pitchFamily="2" charset="2"/>
+              </a:rPr>
+              <a:t></a:t>
+            </a:r>
+            <a:r>
+              <a:rPr lang="pt-BR" sz="2300" dirty="0"/>
+              <a:t> Servidor de aplicações;</a:t>
+            </a:r>
+          </a:p>
+          <a:p>
+            <a:r>
+              <a:rPr lang="pt-BR" sz="2300" b="1" dirty="0"/>
+              <a:t>Camada de dados </a:t>
+            </a:r>
+            <a:r>
+              <a:rPr lang="pt-BR" sz="2300" b="1" dirty="0">
+                <a:sym typeface="Wingdings" panose="05000000000000000000" pitchFamily="2" charset="2"/>
+              </a:rPr>
+              <a:t></a:t>
+            </a:r>
+            <a:r>
+              <a:rPr lang="pt-BR" sz="2300" dirty="0"/>
+              <a:t> Banco de dados e sistemas externos;</a:t>
+            </a:r>
+          </a:p>
+          <a:p>
+            <a:endParaRPr lang="pt-BR" sz="2400" dirty="0"/>
+          </a:p>
+        </p:txBody>
+      </p:sp>
+    </p:spTree>
+    <p:extLst>
+      <p:ext uri="{BB962C8B-B14F-4D97-AF65-F5344CB8AC3E}">
+        <p14:creationId xmlns:p14="http://schemas.microsoft.com/office/powerpoint/2010/main" val="1696800455"/>
+      </p:ext>
+    </p:extLst>
+  </p:cSld>
+  <p:clrMapOvr>
+    <a:masterClrMapping/>
+  </p:clrMapOvr>
+  <p:transition>
+    <p:fade/>
+  </p:transition>
+</p:sld>
+</file>
+
+<file path=ppt/slides/slide12.xml><?xml version="1.0" encoding="utf-8"?>
+<p:sld xmlns:a="http://schemas.openxmlformats.org/drawingml/2006/main" xmlns:r="http://schemas.openxmlformats.org/officeDocument/2006/relationships" xmlns:p="http://schemas.openxmlformats.org/presentationml/2006/main">
+  <p:cSld>
+    <p:spTree>
+      <p:nvGrpSpPr>
+        <p:cNvPr id="1" name=""/>
+        <p:cNvGrpSpPr/>
+        <p:nvPr/>
+      </p:nvGrpSpPr>
+      <p:grpSpPr>
+        <a:xfrm>
+          <a:off x="0" y="0"/>
+          <a:ext cx="0" cy="0"/>
+          <a:chOff x="0" y="0"/>
+          <a:chExt cx="0" cy="0"/>
+        </a:xfrm>
+      </p:grpSpPr>
+      <p:sp>
+        <p:nvSpPr>
+          <p:cNvPr id="3" name="Rectangle 8"/>
+          <p:cNvSpPr>
+            <a:spLocks noGrp="1"/>
+          </p:cNvSpPr>
+          <p:nvPr>
+            <p:ph type="title"/>
+          </p:nvPr>
+        </p:nvSpPr>
+        <p:spPr/>
+        <p:txBody>
+          <a:bodyPr>
+            <a:noAutofit/>
+          </a:bodyPr>
+          <a:lstStyle/>
+          <a:p>
+            <a:r>
+              <a:rPr lang="pt-BR" sz="4000" b="0" dirty="0"/>
+              <a:t>Resumo.</a:t>
+            </a:r>
+            <a:endParaRPr lang="pt-BR" sz="4000" dirty="0"/>
+          </a:p>
+        </p:txBody>
+      </p:sp>
+      <p:sp>
+        <p:nvSpPr>
+          <p:cNvPr id="4" name="Rectangle 25"/>
+          <p:cNvSpPr txBox="1">
+            <a:spLocks/>
+          </p:cNvSpPr>
+          <p:nvPr/>
+        </p:nvSpPr>
+        <p:spPr>
+          <a:xfrm>
+            <a:off x="762000" y="2924944"/>
+            <a:ext cx="7086600" cy="3456384"/>
+          </a:xfrm>
+          <a:prstGeom prst="rect">
+            <a:avLst/>
+          </a:prstGeom>
+        </p:spPr>
+        <p:txBody>
+          <a:bodyPr vert="horz">
+            <a:noAutofit/>
+          </a:bodyPr>
+          <a:lstStyle/>
+          <a:p>
+            <a:pPr lvl="0">
+              <a:spcBef>
+                <a:spcPct val="20000"/>
+              </a:spcBef>
+              <a:defRPr lang="pt-BR"/>
+            </a:pPr>
+            <a:r>
+              <a:rPr lang="pt-BR" sz="2400" kern="0" dirty="0"/>
+              <a:t>Aprendemos:</a:t>
+            </a:r>
+          </a:p>
+          <a:p>
+            <a:pPr marL="342900" lvl="0" indent="-342900">
+              <a:spcBef>
+                <a:spcPct val="20000"/>
+              </a:spcBef>
+              <a:buFont typeface="Arial"/>
+              <a:buChar char="•"/>
+              <a:defRPr lang="pt-BR"/>
+            </a:pPr>
+            <a:r>
+              <a:rPr lang="pt-BR" sz="2400" kern="0" dirty="0"/>
+              <a:t>Java EE</a:t>
+            </a:r>
+          </a:p>
+          <a:p>
+            <a:pPr marL="342900" lvl="0" indent="-342900">
+              <a:spcBef>
+                <a:spcPct val="20000"/>
+              </a:spcBef>
+              <a:buFont typeface="Arial"/>
+              <a:buChar char="•"/>
+              <a:defRPr lang="pt-BR"/>
+            </a:pPr>
+            <a:r>
+              <a:rPr lang="pt-BR" sz="2400" kern="0" dirty="0"/>
+              <a:t>Servidor de aplicação</a:t>
+            </a:r>
+          </a:p>
+          <a:p>
+            <a:pPr marL="342900" lvl="0" indent="-342900">
+              <a:spcBef>
+                <a:spcPct val="20000"/>
+              </a:spcBef>
+              <a:buFont typeface="Arial"/>
+              <a:buChar char="•"/>
+              <a:defRPr lang="pt-BR"/>
+            </a:pPr>
+            <a:r>
+              <a:rPr lang="pt-BR" sz="2400" kern="0" dirty="0" err="1"/>
+              <a:t>Apis</a:t>
+            </a:r>
+            <a:r>
+              <a:rPr lang="pt-BR" sz="2400" kern="0" dirty="0"/>
+              <a:t> do Java EE</a:t>
+            </a:r>
+          </a:p>
+          <a:p>
+            <a:pPr marL="342900" lvl="0" indent="-342900">
+              <a:spcBef>
+                <a:spcPct val="20000"/>
+              </a:spcBef>
+              <a:buFont typeface="Arial"/>
+              <a:buChar char="•"/>
+              <a:defRPr lang="pt-BR"/>
+            </a:pPr>
+            <a:r>
+              <a:rPr lang="pt-BR" sz="2400" kern="0" dirty="0"/>
+              <a:t>Arquitetura de projetos </a:t>
+            </a:r>
+            <a:r>
+              <a:rPr lang="pt-BR" sz="2400" kern="0" dirty="0" err="1"/>
+              <a:t>java</a:t>
+            </a:r>
+            <a:r>
+              <a:rPr lang="pt-BR" sz="2400" kern="0" dirty="0"/>
+              <a:t> EE</a:t>
+            </a:r>
+          </a:p>
+          <a:p>
+            <a:pPr marL="342900" lvl="0" indent="-342900">
+              <a:spcBef>
+                <a:spcPct val="20000"/>
+              </a:spcBef>
+              <a:buFont typeface="Arial"/>
+              <a:buChar char="•"/>
+              <a:defRPr lang="pt-BR"/>
+            </a:pPr>
+            <a:r>
+              <a:rPr lang="pt-BR" sz="2400" kern="0" dirty="0"/>
+              <a:t>Acesso a banco de dados</a:t>
+            </a:r>
+          </a:p>
+        </p:txBody>
+      </p:sp>
+    </p:spTree>
+    <p:extLst>
+      <p:ext uri="{BB962C8B-B14F-4D97-AF65-F5344CB8AC3E}">
+        <p14:creationId xmlns:p14="http://schemas.microsoft.com/office/powerpoint/2010/main" val="2027077617"/>
+      </p:ext>
+    </p:extLst>
+  </p:cSld>
+  <p:clrMapOvr>
+    <a:masterClrMapping/>
+  </p:clrMapOvr>
+  <p:transition>
+    <p:fade/>
+  </p:transition>
+</p:sld>
+</file>
+
+<file path=ppt/slides/slide13.xml><?xml version="1.0" encoding="utf-8"?>
+<p:sld xmlns:a="http://schemas.openxmlformats.org/drawingml/2006/main" xmlns:r="http://schemas.openxmlformats.org/officeDocument/2006/relationships" xmlns:p="http://schemas.openxmlformats.org/presentationml/2006/main">
+  <p:cSld>
+    <p:spTree>
+      <p:nvGrpSpPr>
+        <p:cNvPr id="1" name=""/>
+        <p:cNvGrpSpPr/>
+        <p:nvPr/>
+      </p:nvGrpSpPr>
+      <p:grpSpPr>
+        <a:xfrm>
+          <a:off x="0" y="0"/>
+          <a:ext cx="0" cy="0"/>
+          <a:chOff x="0" y="0"/>
+          <a:chExt cx="0" cy="0"/>
+        </a:xfrm>
+      </p:grpSpPr>
+      <p:sp>
+        <p:nvSpPr>
+          <p:cNvPr id="3" name="Rectangle 8"/>
+          <p:cNvSpPr>
+            <a:spLocks noGrp="1"/>
+          </p:cNvSpPr>
+          <p:nvPr>
+            <p:ph type="title"/>
+          </p:nvPr>
+        </p:nvSpPr>
         <p:spPr>
           <a:xfrm>
             <a:off x="228600" y="1676400"/>
@@ -9106,7 +10749,241 @@
           <p:cNvPr id="7" name="Retângulo 6">
             <a:extLst>
               <a:ext uri="{FF2B5EF4-FFF2-40B4-BE49-F238E27FC236}">
-                <a16:creationId xmlns:a16="http://schemas.microsoft.com/office/drawing/2014/main" xmlns="" id="{DE871D51-6822-455D-8B97-7F37D0BA5BB9}"/>
+                <a16:creationId xmlns="" xmlns:a16="http://schemas.microsoft.com/office/drawing/2014/main" id="{DE871D51-6822-455D-8B97-7F37D0BA5BB9}"/>
+              </a:ext>
+            </a:extLst>
+          </p:cNvPr>
+          <p:cNvSpPr/>
+          <p:nvPr/>
+        </p:nvSpPr>
+        <p:spPr>
+          <a:xfrm>
+            <a:off x="685800" y="2703016"/>
+            <a:ext cx="7772400" cy="4154984"/>
+          </a:xfrm>
+          <a:prstGeom prst="rect">
+            <a:avLst/>
+          </a:prstGeom>
+        </p:spPr>
+        <p:txBody>
+          <a:bodyPr wrap="square">
+            <a:spAutoFit/>
+          </a:bodyPr>
+          <a:lstStyle/>
+          <a:p>
+            <a:pPr marL="457200" indent="-457200">
+              <a:buAutoNum type="arabicParenR"/>
+            </a:pPr>
+            <a:r>
+              <a:rPr lang="pt-BR" sz="2400" b="1" dirty="0" smtClean="0"/>
+              <a:t>Crie um </a:t>
+            </a:r>
+            <a:r>
+              <a:rPr lang="pt-BR" sz="2400" b="1" dirty="0"/>
+              <a:t>projeto </a:t>
+            </a:r>
+            <a:r>
+              <a:rPr lang="pt-BR" sz="2400" b="1" dirty="0" err="1"/>
+              <a:t>maven</a:t>
+            </a:r>
+            <a:r>
+              <a:rPr lang="pt-BR" sz="2400" b="1" dirty="0"/>
+              <a:t>, </a:t>
+            </a:r>
+            <a:r>
+              <a:rPr lang="pt-BR" sz="2400" b="1" dirty="0" smtClean="0"/>
+              <a:t>uma </a:t>
+            </a:r>
+            <a:r>
+              <a:rPr lang="pt-BR" sz="2400" b="1" dirty="0" err="1"/>
+              <a:t>servlet</a:t>
+            </a:r>
+            <a:r>
+              <a:rPr lang="pt-BR" sz="2400" b="1" dirty="0"/>
+              <a:t> </a:t>
+            </a:r>
+            <a:r>
+              <a:rPr lang="pt-BR" sz="2400" b="1" dirty="0" smtClean="0"/>
+              <a:t>com anotação </a:t>
+            </a:r>
+            <a:r>
+              <a:rPr lang="pt-BR" sz="2400" b="1" dirty="0"/>
+              <a:t>@</a:t>
+            </a:r>
+            <a:r>
+              <a:rPr lang="pt-BR" sz="2400" b="1" dirty="0" err="1"/>
+              <a:t>WebServlet</a:t>
+            </a:r>
+            <a:r>
+              <a:rPr lang="pt-BR" sz="2400" b="1" dirty="0"/>
+              <a:t> no seu </a:t>
+            </a:r>
+            <a:r>
+              <a:rPr lang="pt-BR" sz="2400" b="1" dirty="0" err="1"/>
+              <a:t>controller</a:t>
+            </a:r>
+            <a:r>
+              <a:rPr lang="pt-BR" sz="2400" b="1" dirty="0"/>
+              <a:t> e faça uma chamada via HTTP </a:t>
+            </a:r>
+            <a:r>
+              <a:rPr lang="pt-BR" sz="2400" b="1" dirty="0" smtClean="0"/>
+              <a:t>e retornar algum dado na </a:t>
+            </a:r>
+            <a:r>
+              <a:rPr lang="pt-BR" sz="2400" b="1" dirty="0"/>
+              <a:t>resposta.</a:t>
+            </a:r>
+          </a:p>
+          <a:p>
+            <a:r>
+              <a:rPr lang="pt-BR" sz="2400" b="1" dirty="0"/>
+              <a:t>Informações úteis:</a:t>
+            </a:r>
+          </a:p>
+          <a:p>
+            <a:r>
+              <a:rPr lang="pt-BR" sz="2400" b="1" dirty="0"/>
+              <a:t>	Versão do </a:t>
+            </a:r>
+            <a:r>
+              <a:rPr lang="pt-BR" sz="2400" b="1" dirty="0" err="1"/>
+              <a:t>java</a:t>
+            </a:r>
+            <a:r>
+              <a:rPr lang="pt-BR" sz="2400" b="1" dirty="0"/>
+              <a:t>: 1.8 </a:t>
+            </a:r>
+          </a:p>
+          <a:p>
+            <a:r>
+              <a:rPr lang="pt-BR" sz="2400" b="1" dirty="0"/>
+              <a:t>	Eclipse: </a:t>
+            </a:r>
+            <a:r>
+              <a:rPr lang="pt-BR" sz="2400" b="1" dirty="0" err="1"/>
+              <a:t>SimRel</a:t>
+            </a:r>
+            <a:r>
+              <a:rPr lang="pt-BR" sz="2400" b="1" dirty="0"/>
+              <a:t> 2018‑09 </a:t>
+            </a:r>
+          </a:p>
+          <a:p>
+            <a:r>
+              <a:rPr lang="pt-BR" sz="2400" b="1" dirty="0"/>
+              <a:t>	Servidor de aplicação: </a:t>
+            </a:r>
+            <a:r>
+              <a:rPr lang="pt-BR" sz="2400" b="1" dirty="0" err="1"/>
+              <a:t>Wildfly</a:t>
+            </a:r>
+            <a:r>
+              <a:rPr lang="pt-BR" sz="2400" b="1" dirty="0"/>
+              <a:t> 12.0.0.Final </a:t>
+            </a:r>
+          </a:p>
+          <a:p>
+            <a:r>
+              <a:rPr lang="pt-BR" sz="2400" b="1" dirty="0"/>
+              <a:t>	Gerenciador de dependência: </a:t>
+            </a:r>
+            <a:r>
+              <a:rPr lang="pt-BR" sz="2400" b="1" dirty="0" err="1"/>
+              <a:t>Maven</a:t>
+            </a:r>
+            <a:endParaRPr lang="pt-BR" sz="2400" b="1" dirty="0"/>
+          </a:p>
+          <a:p>
+            <a:r>
+              <a:rPr lang="pt-BR" sz="2400" b="1" dirty="0"/>
+              <a:t>	APIS Utilizadas: </a:t>
+            </a:r>
+            <a:r>
+              <a:rPr lang="pt-BR" sz="2400" b="1" dirty="0" err="1"/>
+              <a:t>javaee-api</a:t>
+            </a:r>
+            <a:r>
+              <a:rPr lang="pt-BR" sz="2400" b="1" dirty="0"/>
+              <a:t> versão 8.0</a:t>
+            </a:r>
+          </a:p>
+          <a:p>
+            <a:r>
+              <a:rPr lang="pt-BR" sz="2400" b="1" dirty="0"/>
+              <a:t>	Padrão de projeto: MVC</a:t>
+            </a:r>
+          </a:p>
+        </p:txBody>
+      </p:sp>
+    </p:spTree>
+    <p:extLst>
+      <p:ext uri="{BB962C8B-B14F-4D97-AF65-F5344CB8AC3E}">
+        <p14:creationId xmlns:p14="http://schemas.microsoft.com/office/powerpoint/2010/main" val="1832021912"/>
+      </p:ext>
+    </p:extLst>
+  </p:cSld>
+  <p:clrMapOvr>
+    <a:masterClrMapping/>
+  </p:clrMapOvr>
+  <p:transition>
+    <p:fade/>
+  </p:transition>
+</p:sld>
+</file>
+
+<file path=ppt/slides/slide14.xml><?xml version="1.0" encoding="utf-8"?>
+<p:sld xmlns:a="http://schemas.openxmlformats.org/drawingml/2006/main" xmlns:r="http://schemas.openxmlformats.org/officeDocument/2006/relationships" xmlns:p="http://schemas.openxmlformats.org/presentationml/2006/main">
+  <p:cSld>
+    <p:spTree>
+      <p:nvGrpSpPr>
+        <p:cNvPr id="1" name=""/>
+        <p:cNvGrpSpPr/>
+        <p:nvPr/>
+      </p:nvGrpSpPr>
+      <p:grpSpPr>
+        <a:xfrm>
+          <a:off x="0" y="0"/>
+          <a:ext cx="0" cy="0"/>
+          <a:chOff x="0" y="0"/>
+          <a:chExt cx="0" cy="0"/>
+        </a:xfrm>
+      </p:grpSpPr>
+      <p:sp>
+        <p:nvSpPr>
+          <p:cNvPr id="3" name="Rectangle 8"/>
+          <p:cNvSpPr>
+            <a:spLocks noGrp="1"/>
+          </p:cNvSpPr>
+          <p:nvPr>
+            <p:ph type="title"/>
+          </p:nvPr>
+        </p:nvSpPr>
+        <p:spPr>
+          <a:xfrm>
+            <a:off x="228600" y="1676400"/>
+            <a:ext cx="8229600" cy="1143000"/>
+          </a:xfrm>
+        </p:spPr>
+        <p:txBody>
+          <a:bodyPr>
+            <a:noAutofit/>
+          </a:bodyPr>
+          <a:lstStyle/>
+          <a:p>
+            <a:r>
+              <a:rPr lang="pt-BR" sz="4000" dirty="0"/>
+              <a:t>EXERCÍCIOS:</a:t>
+            </a:r>
+          </a:p>
+        </p:txBody>
+      </p:sp>
+      <p:sp>
+        <p:nvSpPr>
+          <p:cNvPr id="7" name="Retângulo 6">
+            <a:extLst>
+              <a:ext uri="{FF2B5EF4-FFF2-40B4-BE49-F238E27FC236}">
+                <a16:creationId xmlns="" xmlns:a16="http://schemas.microsoft.com/office/drawing/2014/main" id="{DE871D51-6822-455D-8B97-7F37D0BA5BB9}"/>
               </a:ext>
             </a:extLst>
           </p:cNvPr>
@@ -9253,9 +11130,10 @@
           </a:p>
           <a:p>
             <a:r>
-              <a:rPr lang="pt-BR" sz="2400" dirty="0"/>
-              <a:t>Container e componente.</a:t>
-            </a:r>
+              <a:rPr lang="pt-BR" sz="2400" dirty="0" smtClean="0"/>
+              <a:t>Containers e componentes.</a:t>
+            </a:r>
+            <a:endParaRPr lang="pt-BR" sz="2400" dirty="0"/>
           </a:p>
           <a:p>
             <a:r>
@@ -9264,13 +11142,35 @@
             </a:r>
             <a:r>
               <a:rPr lang="pt-BR" sz="2400" dirty="0"/>
-              <a:t> Java EE</a:t>
-            </a:r>
-          </a:p>
-          <a:p>
+              <a:t> Java </a:t>
+            </a:r>
+            <a:r>
+              <a:rPr lang="pt-BR" sz="2400" dirty="0" smtClean="0"/>
+              <a:t>EE.</a:t>
+            </a:r>
+          </a:p>
+          <a:p>
+            <a:r>
+              <a:rPr lang="pt-BR" sz="2400" dirty="0" smtClean="0"/>
+              <a:t>Serviços, JNDI, </a:t>
+            </a:r>
+            <a:r>
+              <a:rPr lang="pt-BR" sz="2400" dirty="0" err="1" smtClean="0"/>
+              <a:t>DataSources</a:t>
+            </a:r>
+            <a:r>
+              <a:rPr lang="pt-BR" sz="2400" dirty="0" smtClean="0"/>
+              <a:t>. </a:t>
+            </a:r>
+          </a:p>
+          <a:p>
+            <a:r>
+              <a:rPr lang="pt-BR" sz="2400" dirty="0" smtClean="0"/>
+              <a:t>Entendendo </a:t>
+            </a:r>
             <a:r>
               <a:rPr lang="pt-BR" sz="2400" dirty="0"/>
-              <a:t>Entendendo a arquitetura.</a:t>
+              <a:t>a arquitetura.</a:t>
             </a:r>
           </a:p>
           <a:p>
@@ -9741,7 +11641,15 @@
           <a:p>
             <a:r>
               <a:rPr lang="pt-BR" sz="3800" dirty="0"/>
-              <a:t>O que é um servidor Componente ?</a:t>
+              <a:t>O que é um </a:t>
+            </a:r>
+            <a:r>
+              <a:rPr lang="pt-BR" sz="3800" dirty="0" smtClean="0"/>
+              <a:t>Componente </a:t>
+            </a:r>
+            <a:r>
+              <a:rPr lang="pt-BR" sz="3800" dirty="0"/>
+              <a:t>?</a:t>
             </a:r>
           </a:p>
         </p:txBody>
@@ -9949,7 +11857,12 @@
             <p:ph type="title"/>
           </p:nvPr>
         </p:nvSpPr>
-        <p:spPr/>
+        <p:spPr>
+          <a:xfrm>
+            <a:off x="228600" y="1676400"/>
+            <a:ext cx="8375848" cy="1143000"/>
+          </a:xfrm>
+        </p:spPr>
         <p:txBody>
           <a:bodyPr>
             <a:noAutofit/>
@@ -9957,10 +11870,10 @@
           <a:lstStyle/>
           <a:p>
             <a:r>
-              <a:rPr lang="pt-BR" sz="4000" b="0" dirty="0"/>
-              <a:t>Arquitetura de aplicações Java EE.</a:t>
-            </a:r>
-            <a:endParaRPr lang="pt-BR" sz="4000" dirty="0"/>
+              <a:rPr lang="pt-BR" sz="4200" dirty="0" smtClean="0"/>
+              <a:t>Serviços.</a:t>
+            </a:r>
+            <a:endParaRPr lang="pt-BR" sz="4200" dirty="0"/>
           </a:p>
         </p:txBody>
       </p:sp>
@@ -9974,8 +11887,8 @@
         </p:nvSpPr>
         <p:spPr>
           <a:xfrm>
-            <a:off x="762000" y="2924944"/>
-            <a:ext cx="7086600" cy="3456384"/>
+            <a:off x="762000" y="2971800"/>
+            <a:ext cx="7086600" cy="2977480"/>
           </a:xfrm>
           <a:prstGeom prst="rect">
             <a:avLst/>
@@ -9995,7 +11908,17 @@
               <a:buChar char="•"/>
               <a:defRPr lang="pt-BR"/>
             </a:pPr>
-            <a:endParaRPr lang="pt-BR" sz="2400" kern="0" dirty="0"/>
+            <a:endParaRPr kumimoji="0" lang="pt-BR" sz="2400" b="0" i="0" u="none" strike="noStrike" kern="0" cap="none" spc="0" normalizeH="0" baseline="0" dirty="0">
+              <a:ln>
+                <a:noFill/>
+              </a:ln>
+              <a:solidFill>
+                <a:schemeClr val="tx1"/>
+              </a:solidFill>
+              <a:effectLst/>
+              <a:uLnTx/>
+              <a:uFillTx/>
+            </a:endParaRPr>
           </a:p>
         </p:txBody>
       </p:sp>
@@ -10007,8 +11930,8 @@
         </p:nvSpPr>
         <p:spPr>
           <a:xfrm>
-            <a:off x="762000" y="2852936"/>
-            <a:ext cx="7086600" cy="2939266"/>
+            <a:off x="762000" y="2875002"/>
+            <a:ext cx="7086600" cy="1200329"/>
           </a:xfrm>
           <a:prstGeom prst="rect">
             <a:avLst/>
@@ -10021,86 +11944,25 @@
           <a:lstStyle/>
           <a:p>
             <a:r>
-              <a:rPr lang="pt-BR" sz="2300" dirty="0"/>
-              <a:t>Java EE se divide em 4 camadas básicas:</a:t>
-            </a:r>
-          </a:p>
-          <a:p>
-            <a:endParaRPr lang="pt-BR" sz="2300" dirty="0"/>
-          </a:p>
-          <a:p>
-            <a:r>
-              <a:rPr lang="pt-BR" sz="2300" b="1" dirty="0"/>
-              <a:t>Camada Cliente </a:t>
-            </a:r>
-            <a:r>
-              <a:rPr lang="pt-BR" sz="2300" b="1" dirty="0">
-                <a:sym typeface="Wingdings" panose="05000000000000000000" pitchFamily="2" charset="2"/>
-              </a:rPr>
-              <a:t></a:t>
-            </a:r>
-            <a:r>
-              <a:rPr lang="pt-BR" sz="2300" dirty="0"/>
-              <a:t> Roda no browser;</a:t>
-            </a:r>
-          </a:p>
-          <a:p>
-            <a:r>
-              <a:rPr lang="pt-BR" sz="2300" b="1" dirty="0"/>
-              <a:t>Camada Web </a:t>
-            </a:r>
-            <a:r>
-              <a:rPr lang="pt-BR" sz="2300" b="1" dirty="0">
-                <a:sym typeface="Wingdings" panose="05000000000000000000" pitchFamily="2" charset="2"/>
-              </a:rPr>
-              <a:t></a:t>
-            </a:r>
-            <a:r>
-              <a:rPr lang="pt-BR" sz="2300" dirty="0"/>
-              <a:t> Servidor de aplicações;</a:t>
-            </a:r>
-          </a:p>
-          <a:p>
-            <a:r>
-              <a:rPr lang="pt-BR" sz="2300" dirty="0"/>
-              <a:t>Camada de negócios </a:t>
-            </a:r>
-            <a:r>
-              <a:rPr lang="pt-BR" sz="2300" dirty="0">
-                <a:sym typeface="Wingdings" panose="05000000000000000000" pitchFamily="2" charset="2"/>
-              </a:rPr>
-              <a:t></a:t>
-            </a:r>
-            <a:r>
-              <a:rPr lang="pt-BR" sz="2300" dirty="0"/>
-              <a:t> Servidor de aplicações;</a:t>
-            </a:r>
-          </a:p>
-          <a:p>
-            <a:r>
-              <a:rPr lang="pt-BR" sz="2300" b="1" dirty="0"/>
-              <a:t>Camada de dados </a:t>
-            </a:r>
-            <a:r>
-              <a:rPr lang="pt-BR" sz="2300" b="1" dirty="0">
-                <a:sym typeface="Wingdings" panose="05000000000000000000" pitchFamily="2" charset="2"/>
-              </a:rPr>
-              <a:t></a:t>
-            </a:r>
-            <a:r>
-              <a:rPr lang="pt-BR" sz="2300" dirty="0"/>
-              <a:t> Banco de dados e sistemas externos;</a:t>
-            </a:r>
-          </a:p>
-          <a:p>
-            <a:endParaRPr lang="pt-BR" sz="2400" dirty="0"/>
+              <a:rPr lang="pt-BR" sz="2400" dirty="0" smtClean="0"/>
+              <a:t>Iremos tratar dos serviços da aplicação que serão consumidos através de ligações externas ao contexto da aplicação, por clientes </a:t>
+            </a:r>
+            <a:r>
+              <a:rPr lang="pt-BR" sz="2400" dirty="0" err="1" smtClean="0"/>
+              <a:t>standalone</a:t>
+            </a:r>
+            <a:r>
+              <a:rPr lang="pt-BR" sz="2400" dirty="0" smtClean="0"/>
+              <a:t>.</a:t>
+            </a:r>
+            <a:endParaRPr lang="pt-BR" sz="2400" kern="0" dirty="0"/>
           </a:p>
         </p:txBody>
       </p:sp>
     </p:spTree>
     <p:extLst>
       <p:ext uri="{BB962C8B-B14F-4D97-AF65-F5344CB8AC3E}">
-        <p14:creationId xmlns:p14="http://schemas.microsoft.com/office/powerpoint/2010/main" val="1696800455"/>
+        <p14:creationId xmlns:p14="http://schemas.microsoft.com/office/powerpoint/2010/main" val="3319862096"/>
       </p:ext>
     </p:extLst>
   </p:cSld>
@@ -10140,7 +12002,12 @@
             <p:ph type="title"/>
           </p:nvPr>
         </p:nvSpPr>
-        <p:spPr/>
+        <p:spPr>
+          <a:xfrm>
+            <a:off x="228600" y="1676400"/>
+            <a:ext cx="8375848" cy="1143000"/>
+          </a:xfrm>
+        </p:spPr>
         <p:txBody>
           <a:bodyPr>
             <a:noAutofit/>
@@ -10148,10 +12015,46 @@
           <a:lstStyle/>
           <a:p>
             <a:r>
-              <a:rPr lang="pt-BR" sz="4000" b="0" dirty="0"/>
-              <a:t>Resumo.</a:t>
-            </a:r>
-            <a:endParaRPr lang="pt-BR" sz="4000" dirty="0"/>
+              <a:rPr lang="pt-BR" sz="4200" dirty="0" smtClean="0"/>
+              <a:t>JNDI </a:t>
+            </a:r>
+            <a:r>
+              <a:rPr lang="pt-BR" sz="2800" dirty="0" smtClean="0"/>
+              <a:t>(</a:t>
+            </a:r>
+            <a:r>
+              <a:rPr lang="pt-BR" sz="2800" dirty="0"/>
+              <a:t>Java </a:t>
+            </a:r>
+            <a:r>
+              <a:rPr lang="pt-BR" sz="2800" dirty="0" err="1"/>
+              <a:t>Naming</a:t>
+            </a:r>
+            <a:r>
+              <a:rPr lang="pt-BR" sz="2800" dirty="0"/>
+              <a:t> </a:t>
+            </a:r>
+            <a:r>
+              <a:rPr lang="pt-BR" sz="2800" dirty="0" err="1"/>
+              <a:t>and</a:t>
+            </a:r>
+            <a:r>
+              <a:rPr lang="pt-BR" sz="2800" dirty="0"/>
+              <a:t> </a:t>
+            </a:r>
+            <a:r>
+              <a:rPr lang="pt-BR" sz="2800" dirty="0" err="1"/>
+              <a:t>Directory</a:t>
+            </a:r>
+            <a:r>
+              <a:rPr lang="pt-BR" sz="2800" dirty="0"/>
+              <a:t> Interface</a:t>
+            </a:r>
+            <a:r>
+              <a:rPr lang="pt-BR" sz="2800" dirty="0" smtClean="0"/>
+              <a:t>)</a:t>
+            </a:r>
+            <a:endParaRPr lang="pt-BR" sz="2800" dirty="0"/>
           </a:p>
         </p:txBody>
       </p:sp>
@@ -10165,8 +12068,8 @@
         </p:nvSpPr>
         <p:spPr>
           <a:xfrm>
-            <a:off x="762000" y="2924944"/>
-            <a:ext cx="7086600" cy="3456384"/>
+            <a:off x="762000" y="2971800"/>
+            <a:ext cx="7086600" cy="2977480"/>
           </a:xfrm>
           <a:prstGeom prst="rect">
             <a:avLst/>
@@ -10177,18 +12080,6 @@
             <a:noAutofit/>
           </a:bodyPr>
           <a:lstStyle/>
-          <a:p>
-            <a:pPr lvl="0">
-              <a:spcBef>
-                <a:spcPct val="20000"/>
-              </a:spcBef>
-              <a:defRPr lang="pt-BR"/>
-            </a:pPr>
-            <a:r>
-              <a:rPr lang="pt-BR" sz="2400" kern="0" dirty="0"/>
-              <a:t>Aprendemos:</a:t>
-            </a:r>
-          </a:p>
           <a:p>
             <a:pPr marL="342900" lvl="0" indent="-342900">
               <a:spcBef>
@@ -10198,77 +12089,56 @@
               <a:buChar char="•"/>
               <a:defRPr lang="pt-BR"/>
             </a:pPr>
-            <a:r>
-              <a:rPr lang="pt-BR" sz="2400" kern="0" dirty="0"/>
-              <a:t>Java EE</a:t>
-            </a:r>
-          </a:p>
-          <a:p>
-            <a:pPr marL="342900" lvl="0" indent="-342900">
-              <a:spcBef>
-                <a:spcPct val="20000"/>
-              </a:spcBef>
-              <a:buFont typeface="Arial"/>
-              <a:buChar char="•"/>
-              <a:defRPr lang="pt-BR"/>
-            </a:pPr>
-            <a:r>
-              <a:rPr lang="pt-BR" sz="2400" kern="0" dirty="0"/>
-              <a:t>Servidor de aplicação</a:t>
-            </a:r>
-          </a:p>
-          <a:p>
-            <a:pPr marL="342900" lvl="0" indent="-342900">
-              <a:spcBef>
-                <a:spcPct val="20000"/>
-              </a:spcBef>
-              <a:buFont typeface="Arial"/>
-              <a:buChar char="•"/>
-              <a:defRPr lang="pt-BR"/>
-            </a:pPr>
-            <a:r>
-              <a:rPr lang="pt-BR" sz="2400" kern="0" dirty="0" err="1"/>
-              <a:t>Apis</a:t>
-            </a:r>
-            <a:r>
-              <a:rPr lang="pt-BR" sz="2400" kern="0" dirty="0"/>
-              <a:t> do Java EE</a:t>
-            </a:r>
-          </a:p>
-          <a:p>
-            <a:pPr marL="342900" lvl="0" indent="-342900">
-              <a:spcBef>
-                <a:spcPct val="20000"/>
-              </a:spcBef>
-              <a:buFont typeface="Arial"/>
-              <a:buChar char="•"/>
-              <a:defRPr lang="pt-BR"/>
-            </a:pPr>
-            <a:r>
-              <a:rPr lang="pt-BR" sz="2400" kern="0" dirty="0"/>
-              <a:t>Arquitetura de projetos </a:t>
-            </a:r>
-            <a:r>
-              <a:rPr lang="pt-BR" sz="2400" kern="0" dirty="0" err="1"/>
-              <a:t>java</a:t>
-            </a:r>
-            <a:r>
-              <a:rPr lang="pt-BR" sz="2400" kern="0" dirty="0"/>
-              <a:t> EE</a:t>
-            </a:r>
-          </a:p>
-          <a:p>
-            <a:pPr marL="342900" lvl="0" indent="-342900">
-              <a:spcBef>
-                <a:spcPct val="20000"/>
-              </a:spcBef>
-              <a:buFont typeface="Arial"/>
-              <a:buChar char="•"/>
-              <a:defRPr lang="pt-BR"/>
-            </a:pPr>
-            <a:r>
-              <a:rPr lang="pt-BR" sz="2400" kern="0" dirty="0"/>
-              <a:t>Acesso a banco de dados</a:t>
+            <a:endParaRPr kumimoji="0" lang="pt-BR" sz="2400" b="0" i="0" u="none" strike="noStrike" kern="0" cap="none" spc="0" normalizeH="0" baseline="0" dirty="0">
+              <a:ln>
+                <a:noFill/>
+              </a:ln>
+              <a:solidFill>
+                <a:schemeClr val="tx1"/>
+              </a:solidFill>
+              <a:effectLst/>
+              <a:uLnTx/>
+              <a:uFillTx/>
+            </a:endParaRPr>
+          </a:p>
+        </p:txBody>
+      </p:sp>
+      <p:sp>
+        <p:nvSpPr>
+          <p:cNvPr id="2" name="Retângulo 1"/>
+          <p:cNvSpPr/>
+          <p:nvPr/>
+        </p:nvSpPr>
+        <p:spPr>
+          <a:xfrm>
+            <a:off x="762000" y="2875002"/>
+            <a:ext cx="7086600" cy="1200329"/>
+          </a:xfrm>
+          <a:prstGeom prst="rect">
+            <a:avLst/>
+          </a:prstGeom>
+        </p:spPr>
+        <p:txBody>
+          <a:bodyPr wrap="square">
+            <a:spAutoFit/>
+          </a:bodyPr>
+          <a:lstStyle/>
+          <a:p>
+            <a:r>
+              <a:rPr lang="pt-BR" sz="2400" kern="0" dirty="0" smtClean="0"/>
+              <a:t>JNDI é a interface padrão para acesso a serviços e objetos (diretórios). Para configurar </a:t>
+            </a:r>
+            <a:r>
+              <a:rPr lang="pt-BR" sz="2400" dirty="0" smtClean="0"/>
+              <a:t>pode </a:t>
+            </a:r>
+            <a:r>
+              <a:rPr lang="pt-BR" sz="2400" dirty="0"/>
+              <a:t>haver configuração específica </a:t>
+            </a:r>
+            <a:r>
+              <a:rPr lang="pt-BR" sz="2400" dirty="0" smtClean="0"/>
+              <a:t>de servidor para servidor.</a:t>
             </a:r>
           </a:p>
         </p:txBody>
@@ -10276,7 +12146,7 @@
     </p:spTree>
     <p:extLst>
       <p:ext uri="{BB962C8B-B14F-4D97-AF65-F5344CB8AC3E}">
-        <p14:creationId xmlns:p14="http://schemas.microsoft.com/office/powerpoint/2010/main" val="2027077617"/>
+        <p14:creationId xmlns:p14="http://schemas.microsoft.com/office/powerpoint/2010/main" val="133573800"/>
       </p:ext>
     </p:extLst>
   </p:cSld>
